--- a/documentation/presentation.pptx
+++ b/documentation/presentation.pptx
@@ -2,12 +2,14 @@
 <file path=ppt/presentation.xml><?xml version="1.0" encoding="utf-8"?>
 <p:presentation xmlns:a="http://schemas.openxmlformats.org/drawingml/2006/main" xmlns:r="http://schemas.openxmlformats.org/officeDocument/2006/relationships" xmlns:p="http://schemas.openxmlformats.org/presentationml/2006/main" saveSubsetFonts="1">
   <p:sldMasterIdLst>
-    <p:sldMasterId id="2147483648" r:id="rId1"/>
+    <p:sldMasterId id="2147483714" r:id="rId1"/>
   </p:sldMasterIdLst>
   <p:sldIdLst>
     <p:sldId id="256" r:id="rId2"/>
     <p:sldId id="257" r:id="rId3"/>
     <p:sldId id="258" r:id="rId4"/>
+    <p:sldId id="259" r:id="rId5"/>
+    <p:sldId id="260" r:id="rId6"/>
   </p:sldIdLst>
   <p:sldSz cx="12192000" cy="6858000"/>
   <p:notesSz cx="6858000" cy="9144000"/>
@@ -15,7 +17,7 @@
     <a:defPPr>
       <a:defRPr lang="en-US"/>
     </a:defPPr>
-    <a:lvl1pPr marL="0" algn="l" defTabSz="914400" rtl="0" eaLnBrk="1" latinLnBrk="0" hangingPunct="1">
+    <a:lvl1pPr marL="0" algn="l" defTabSz="457200" rtl="0" eaLnBrk="1" latinLnBrk="0" hangingPunct="1">
       <a:defRPr sz="1800" kern="1200">
         <a:solidFill>
           <a:schemeClr val="tx1"/>
@@ -25,7 +27,7 @@
         <a:cs typeface="+mn-cs"/>
       </a:defRPr>
     </a:lvl1pPr>
-    <a:lvl2pPr marL="457200" algn="l" defTabSz="914400" rtl="0" eaLnBrk="1" latinLnBrk="0" hangingPunct="1">
+    <a:lvl2pPr marL="457200" algn="l" defTabSz="457200" rtl="0" eaLnBrk="1" latinLnBrk="0" hangingPunct="1">
       <a:defRPr sz="1800" kern="1200">
         <a:solidFill>
           <a:schemeClr val="tx1"/>
@@ -35,7 +37,7 @@
         <a:cs typeface="+mn-cs"/>
       </a:defRPr>
     </a:lvl2pPr>
-    <a:lvl3pPr marL="914400" algn="l" defTabSz="914400" rtl="0" eaLnBrk="1" latinLnBrk="0" hangingPunct="1">
+    <a:lvl3pPr marL="914400" algn="l" defTabSz="457200" rtl="0" eaLnBrk="1" latinLnBrk="0" hangingPunct="1">
       <a:defRPr sz="1800" kern="1200">
         <a:solidFill>
           <a:schemeClr val="tx1"/>
@@ -45,7 +47,7 @@
         <a:cs typeface="+mn-cs"/>
       </a:defRPr>
     </a:lvl3pPr>
-    <a:lvl4pPr marL="1371600" algn="l" defTabSz="914400" rtl="0" eaLnBrk="1" latinLnBrk="0" hangingPunct="1">
+    <a:lvl4pPr marL="1371600" algn="l" defTabSz="457200" rtl="0" eaLnBrk="1" latinLnBrk="0" hangingPunct="1">
       <a:defRPr sz="1800" kern="1200">
         <a:solidFill>
           <a:schemeClr val="tx1"/>
@@ -55,7 +57,7 @@
         <a:cs typeface="+mn-cs"/>
       </a:defRPr>
     </a:lvl4pPr>
-    <a:lvl5pPr marL="1828800" algn="l" defTabSz="914400" rtl="0" eaLnBrk="1" latinLnBrk="0" hangingPunct="1">
+    <a:lvl5pPr marL="1828800" algn="l" defTabSz="457200" rtl="0" eaLnBrk="1" latinLnBrk="0" hangingPunct="1">
       <a:defRPr sz="1800" kern="1200">
         <a:solidFill>
           <a:schemeClr val="tx1"/>
@@ -65,7 +67,7 @@
         <a:cs typeface="+mn-cs"/>
       </a:defRPr>
     </a:lvl5pPr>
-    <a:lvl6pPr marL="2286000" algn="l" defTabSz="914400" rtl="0" eaLnBrk="1" latinLnBrk="0" hangingPunct="1">
+    <a:lvl6pPr marL="2286000" algn="l" defTabSz="457200" rtl="0" eaLnBrk="1" latinLnBrk="0" hangingPunct="1">
       <a:defRPr sz="1800" kern="1200">
         <a:solidFill>
           <a:schemeClr val="tx1"/>
@@ -75,7 +77,7 @@
         <a:cs typeface="+mn-cs"/>
       </a:defRPr>
     </a:lvl6pPr>
-    <a:lvl7pPr marL="2743200" algn="l" defTabSz="914400" rtl="0" eaLnBrk="1" latinLnBrk="0" hangingPunct="1">
+    <a:lvl7pPr marL="2743200" algn="l" defTabSz="457200" rtl="0" eaLnBrk="1" latinLnBrk="0" hangingPunct="1">
       <a:defRPr sz="1800" kern="1200">
         <a:solidFill>
           <a:schemeClr val="tx1"/>
@@ -85,7 +87,7 @@
         <a:cs typeface="+mn-cs"/>
       </a:defRPr>
     </a:lvl7pPr>
-    <a:lvl8pPr marL="3200400" algn="l" defTabSz="914400" rtl="0" eaLnBrk="1" latinLnBrk="0" hangingPunct="1">
+    <a:lvl8pPr marL="3200400" algn="l" defTabSz="457200" rtl="0" eaLnBrk="1" latinLnBrk="0" hangingPunct="1">
       <a:defRPr sz="1800" kern="1200">
         <a:solidFill>
           <a:schemeClr val="tx1"/>
@@ -95,7 +97,7 @@
         <a:cs typeface="+mn-cs"/>
       </a:defRPr>
     </a:lvl8pPr>
-    <a:lvl9pPr marL="3657600" algn="l" defTabSz="914400" rtl="0" eaLnBrk="1" latinLnBrk="0" hangingPunct="1">
+    <a:lvl9pPr marL="3657600" algn="l" defTabSz="457200" rtl="0" eaLnBrk="1" latinLnBrk="0" hangingPunct="1">
       <a:defRPr sz="1800" kern="1200">
         <a:solidFill>
           <a:schemeClr val="tx1"/>
@@ -106,7 +108,66 @@
       </a:defRPr>
     </a:lvl9pPr>
   </p:defaultTextStyle>
+  <p:extLst>
+    <p:ext uri="{EFAFB233-063F-42B5-8137-9DF3F51BA10A}">
+      <p15:sldGuideLst xmlns:p15="http://schemas.microsoft.com/office/powerpoint/2012/main"/>
+    </p:ext>
+  </p:extLst>
 </p:presentation>
+</file>
+
+<file path=ppt/ink/ink1.xml><?xml version="1.0" encoding="utf-8"?>
+<inkml:ink xmlns:inkml="http://www.w3.org/2003/InkML">
+  <inkml:definitions>
+    <inkml:context xml:id="ctx0">
+      <inkml:inkSource xml:id="inkSrc0">
+        <inkml:traceFormat>
+          <inkml:channel name="X" type="integer" min="-2.14748E9" max="2.14748E9" units="cm"/>
+          <inkml:channel name="Y" type="integer" min="-2.14748E9" max="2.14748E9" units="cm"/>
+          <inkml:channel name="F" type="integer" max="32767" units="dev"/>
+        </inkml:traceFormat>
+        <inkml:channelProperties>
+          <inkml:channelProperty channel="X" name="resolution" value="1000" units="1/cm"/>
+          <inkml:channelProperty channel="Y" name="resolution" value="1000" units="1/cm"/>
+          <inkml:channelProperty channel="F" name="resolution" value="0" units="1/dev"/>
+        </inkml:channelProperties>
+      </inkml:inkSource>
+      <inkml:timestamp xml:id="ts0" timeString="2025-05-09T19:13:09.263"/>
+    </inkml:context>
+    <inkml:brush xml:id="br0">
+      <inkml:brushProperty name="width" value="0.05" units="cm"/>
+      <inkml:brushProperty name="height" value="0.05" units="cm"/>
+    </inkml:brush>
+  </inkml:definitions>
+  <inkml:trace contextRef="#ctx0" brushRef="#br0">1 1 24575,'0'0'-8191</inkml:trace>
+</inkml:ink>
+</file>
+
+<file path=ppt/ink/ink2.xml><?xml version="1.0" encoding="utf-8"?>
+<inkml:ink xmlns:inkml="http://www.w3.org/2003/InkML">
+  <inkml:definitions>
+    <inkml:context xml:id="ctx0">
+      <inkml:inkSource xml:id="inkSrc0">
+        <inkml:traceFormat>
+          <inkml:channel name="X" type="integer" min="-2.14748E9" max="2.14748E9" units="cm"/>
+          <inkml:channel name="Y" type="integer" min="-2.14748E9" max="2.14748E9" units="cm"/>
+          <inkml:channel name="F" type="integer" max="32767" units="dev"/>
+        </inkml:traceFormat>
+        <inkml:channelProperties>
+          <inkml:channelProperty channel="X" name="resolution" value="1000" units="1/cm"/>
+          <inkml:channelProperty channel="Y" name="resolution" value="1000" units="1/cm"/>
+          <inkml:channelProperty channel="F" name="resolution" value="0" units="1/dev"/>
+        </inkml:channelProperties>
+      </inkml:inkSource>
+      <inkml:timestamp xml:id="ts0" timeString="2025-05-09T19:13:09.263"/>
+    </inkml:context>
+    <inkml:brush xml:id="br0">
+      <inkml:brushProperty name="width" value="0.05" units="cm"/>
+      <inkml:brushProperty name="height" value="0.05" units="cm"/>
+    </inkml:brush>
+  </inkml:definitions>
+  <inkml:trace contextRef="#ctx0" brushRef="#br0">1 1 24575,'0'0'-8191</inkml:trace>
+</inkml:ink>
 </file>
 
 <file path=ppt/slideLayouts/slideLayout1.xml><?xml version="1.0" encoding="utf-8"?>
@@ -128,13 +189,7 @@
       </p:grpSpPr>
       <p:sp>
         <p:nvSpPr>
-          <p:cNvPr id="2" name="Title 1">
-            <a:extLst>
-              <a:ext uri="{FF2B5EF4-FFF2-40B4-BE49-F238E27FC236}">
-                <a16:creationId xmlns:a16="http://schemas.microsoft.com/office/drawing/2014/main" id="{CAE6B776-9884-CBE8-1E19-702D9699DD64}"/>
-              </a:ext>
-            </a:extLst>
-          </p:cNvPr>
+          <p:cNvPr id="2" name="Title 1"/>
           <p:cNvSpPr>
             <a:spLocks noGrp="1"/>
           </p:cNvSpPr>
@@ -144,15 +199,32 @@
         </p:nvSpPr>
         <p:spPr>
           <a:xfrm>
-            <a:off x="1524000" y="1122363"/>
-            <a:ext cx="9144000" cy="2387600"/>
+            <a:off x="1751012" y="609601"/>
+            <a:ext cx="8676222" cy="3200400"/>
           </a:xfrm>
         </p:spPr>
         <p:txBody>
-          <a:bodyPr anchor="b"/>
+          <a:bodyPr anchor="b">
+            <a:normAutofit/>
+          </a:bodyPr>
           <a:lstStyle>
             <a:lvl1pPr algn="ctr">
-              <a:defRPr sz="6000"/>
+              <a:defRPr sz="4800">
+                <a:effectLst>
+                  <a:glow rad="38100">
+                    <a:schemeClr val="bg1">
+                      <a:lumMod val="65000"/>
+                      <a:lumOff val="35000"/>
+                      <a:alpha val="50000"/>
+                    </a:schemeClr>
+                  </a:glow>
+                  <a:outerShdw blurRad="28575" dist="31750" dir="13200000" algn="tl" rotWithShape="0">
+                    <a:srgbClr val="000000">
+                      <a:alpha val="25000"/>
+                    </a:srgbClr>
+                  </a:outerShdw>
+                </a:effectLst>
+              </a:defRPr>
             </a:lvl1pPr>
           </a:lstStyle>
           <a:p>
@@ -160,19 +232,13 @@
               <a:rPr lang="en-US"/>
               <a:t>Click to edit Master title style</a:t>
             </a:r>
-            <a:endParaRPr lang="en-GB"/>
-          </a:p>
-        </p:txBody>
-      </p:sp>
-      <p:sp>
-        <p:nvSpPr>
-          <p:cNvPr id="3" name="Subtitle 2">
-            <a:extLst>
-              <a:ext uri="{FF2B5EF4-FFF2-40B4-BE49-F238E27FC236}">
-                <a16:creationId xmlns:a16="http://schemas.microsoft.com/office/drawing/2014/main" id="{861298D8-A400-64D0-2EB0-5FDB112E3C89}"/>
-              </a:ext>
-            </a:extLst>
-          </p:cNvPr>
+            <a:endParaRPr lang="en-US" dirty="0"/>
+          </a:p>
+        </p:txBody>
+      </p:sp>
+      <p:sp>
+        <p:nvSpPr>
+          <p:cNvPr id="3" name="Subtitle 2"/>
           <p:cNvSpPr>
             <a:spLocks noGrp="1"/>
           </p:cNvSpPr>
@@ -182,48 +248,102 @@
         </p:nvSpPr>
         <p:spPr>
           <a:xfrm>
-            <a:off x="1524000" y="3602038"/>
-            <a:ext cx="9144000" cy="1655762"/>
+            <a:off x="1751012" y="3886200"/>
+            <a:ext cx="8676222" cy="1905000"/>
           </a:xfrm>
         </p:spPr>
         <p:txBody>
-          <a:bodyPr/>
+          <a:bodyPr anchor="t">
+            <a:normAutofit/>
+          </a:bodyPr>
           <a:lstStyle>
             <a:lvl1pPr marL="0" indent="0" algn="ctr">
               <a:buNone/>
-              <a:defRPr sz="2400"/>
+              <a:defRPr sz="2100">
+                <a:solidFill>
+                  <a:schemeClr val="tx1"/>
+                </a:solidFill>
+              </a:defRPr>
             </a:lvl1pPr>
             <a:lvl2pPr marL="457200" indent="0" algn="ctr">
               <a:buNone/>
-              <a:defRPr sz="2000"/>
+              <a:defRPr>
+                <a:solidFill>
+                  <a:schemeClr val="tx1">
+                    <a:tint val="75000"/>
+                  </a:schemeClr>
+                </a:solidFill>
+              </a:defRPr>
             </a:lvl2pPr>
             <a:lvl3pPr marL="914400" indent="0" algn="ctr">
               <a:buNone/>
-              <a:defRPr sz="1800"/>
+              <a:defRPr>
+                <a:solidFill>
+                  <a:schemeClr val="tx1">
+                    <a:tint val="75000"/>
+                  </a:schemeClr>
+                </a:solidFill>
+              </a:defRPr>
             </a:lvl3pPr>
             <a:lvl4pPr marL="1371600" indent="0" algn="ctr">
               <a:buNone/>
-              <a:defRPr sz="1600"/>
+              <a:defRPr>
+                <a:solidFill>
+                  <a:schemeClr val="tx1">
+                    <a:tint val="75000"/>
+                  </a:schemeClr>
+                </a:solidFill>
+              </a:defRPr>
             </a:lvl4pPr>
             <a:lvl5pPr marL="1828800" indent="0" algn="ctr">
               <a:buNone/>
-              <a:defRPr sz="1600"/>
+              <a:defRPr>
+                <a:solidFill>
+                  <a:schemeClr val="tx1">
+                    <a:tint val="75000"/>
+                  </a:schemeClr>
+                </a:solidFill>
+              </a:defRPr>
             </a:lvl5pPr>
             <a:lvl6pPr marL="2286000" indent="0" algn="ctr">
               <a:buNone/>
-              <a:defRPr sz="1600"/>
+              <a:defRPr>
+                <a:solidFill>
+                  <a:schemeClr val="tx1">
+                    <a:tint val="75000"/>
+                  </a:schemeClr>
+                </a:solidFill>
+              </a:defRPr>
             </a:lvl6pPr>
             <a:lvl7pPr marL="2743200" indent="0" algn="ctr">
               <a:buNone/>
-              <a:defRPr sz="1600"/>
+              <a:defRPr>
+                <a:solidFill>
+                  <a:schemeClr val="tx1">
+                    <a:tint val="75000"/>
+                  </a:schemeClr>
+                </a:solidFill>
+              </a:defRPr>
             </a:lvl7pPr>
             <a:lvl8pPr marL="3200400" indent="0" algn="ctr">
               <a:buNone/>
-              <a:defRPr sz="1600"/>
+              <a:defRPr>
+                <a:solidFill>
+                  <a:schemeClr val="tx1">
+                    <a:tint val="75000"/>
+                  </a:schemeClr>
+                </a:solidFill>
+              </a:defRPr>
             </a:lvl8pPr>
             <a:lvl9pPr marL="3657600" indent="0" algn="ctr">
               <a:buNone/>
-              <a:defRPr sz="1600"/>
+              <a:defRPr>
+                <a:solidFill>
+                  <a:schemeClr val="tx1">
+                    <a:tint val="75000"/>
+                  </a:schemeClr>
+                </a:solidFill>
+              </a:defRPr>
             </a:lvl9pPr>
           </a:lstStyle>
           <a:p>
@@ -231,19 +351,13 @@
               <a:rPr lang="en-US"/>
               <a:t>Click to edit Master subtitle style</a:t>
             </a:r>
-            <a:endParaRPr lang="en-GB"/>
-          </a:p>
-        </p:txBody>
-      </p:sp>
-      <p:sp>
-        <p:nvSpPr>
-          <p:cNvPr id="4" name="Date Placeholder 3">
-            <a:extLst>
-              <a:ext uri="{FF2B5EF4-FFF2-40B4-BE49-F238E27FC236}">
-                <a16:creationId xmlns:a16="http://schemas.microsoft.com/office/drawing/2014/main" id="{84976698-A866-AF85-2966-C9A182347ADD}"/>
-              </a:ext>
-            </a:extLst>
-          </p:cNvPr>
+            <a:endParaRPr lang="en-US" dirty="0"/>
+          </a:p>
+        </p:txBody>
+      </p:sp>
+      <p:sp>
+        <p:nvSpPr>
+          <p:cNvPr id="4" name="Date Placeholder 3"/>
           <p:cNvSpPr>
             <a:spLocks noGrp="1"/>
           </p:cNvSpPr>
@@ -258,7 +372,7 @@
           <a:p>
             <a:fld id="{07F39D79-7497-4A8A-8B71-6E93BD0E3C8A}" type="datetimeFigureOut">
               <a:rPr lang="en-GB" smtClean="0"/>
-              <a:t>29/04/2025</a:t>
+              <a:t>09/05/2025</a:t>
             </a:fld>
             <a:endParaRPr lang="en-GB"/>
           </a:p>
@@ -266,13 +380,7 @@
       </p:sp>
       <p:sp>
         <p:nvSpPr>
-          <p:cNvPr id="5" name="Footer Placeholder 4">
-            <a:extLst>
-              <a:ext uri="{FF2B5EF4-FFF2-40B4-BE49-F238E27FC236}">
-                <a16:creationId xmlns:a16="http://schemas.microsoft.com/office/drawing/2014/main" id="{02E455C0-9F92-DF74-C542-8F78100DC056}"/>
-              </a:ext>
-            </a:extLst>
-          </p:cNvPr>
+          <p:cNvPr id="5" name="Footer Placeholder 4"/>
           <p:cNvSpPr>
             <a:spLocks noGrp="1"/>
           </p:cNvSpPr>
@@ -291,13 +399,7 @@
       </p:sp>
       <p:sp>
         <p:nvSpPr>
-          <p:cNvPr id="6" name="Slide Number Placeholder 5">
-            <a:extLst>
-              <a:ext uri="{FF2B5EF4-FFF2-40B4-BE49-F238E27FC236}">
-                <a16:creationId xmlns:a16="http://schemas.microsoft.com/office/drawing/2014/main" id="{FF69F893-DC8C-54B5-882B-5667EC168053}"/>
-              </a:ext>
-            </a:extLst>
-          </p:cNvPr>
+          <p:cNvPr id="6" name="Slide Number Placeholder 5"/>
           <p:cNvSpPr>
             <a:spLocks noGrp="1"/>
           </p:cNvSpPr>
@@ -321,7 +423,7 @@
     </p:spTree>
     <p:extLst>
       <p:ext uri="{BB962C8B-B14F-4D97-AF65-F5344CB8AC3E}">
-        <p14:creationId xmlns:p14="http://schemas.microsoft.com/office/powerpoint/2010/main" val="2791189687"/>
+        <p14:creationId xmlns:p14="http://schemas.microsoft.com/office/powerpoint/2010/main" val="126668325"/>
       </p:ext>
     </p:extLst>
   </p:cSld>
@@ -332,6 +434,2182 @@
 </file>
 
 <file path=ppt/slideLayouts/slideLayout10.xml><?xml version="1.0" encoding="utf-8"?>
+<p:sldLayout xmlns:a="http://schemas.openxmlformats.org/drawingml/2006/main" xmlns:r="http://schemas.openxmlformats.org/officeDocument/2006/relationships" xmlns:p="http://schemas.openxmlformats.org/presentationml/2006/main" preserve="1">
+  <p:cSld name="Panoramic Picture with Caption">
+    <p:spTree>
+      <p:nvGrpSpPr>
+        <p:cNvPr id="1" name=""/>
+        <p:cNvGrpSpPr/>
+        <p:nvPr/>
+      </p:nvGrpSpPr>
+      <p:grpSpPr>
+        <a:xfrm>
+          <a:off x="0" y="0"/>
+          <a:ext cx="0" cy="0"/>
+          <a:chOff x="0" y="0"/>
+          <a:chExt cx="0" cy="0"/>
+        </a:xfrm>
+      </p:grpSpPr>
+      <p:sp>
+        <p:nvSpPr>
+          <p:cNvPr id="2" name="Title 1"/>
+          <p:cNvSpPr>
+            <a:spLocks noGrp="1"/>
+          </p:cNvSpPr>
+          <p:nvPr>
+            <p:ph type="title"/>
+          </p:nvPr>
+        </p:nvSpPr>
+        <p:spPr>
+          <a:xfrm>
+            <a:off x="1141413" y="4732865"/>
+            <a:ext cx="9906000" cy="566738"/>
+          </a:xfrm>
+        </p:spPr>
+        <p:txBody>
+          <a:bodyPr anchor="b">
+            <a:normAutofit/>
+          </a:bodyPr>
+          <a:lstStyle>
+            <a:lvl1pPr algn="l">
+              <a:defRPr sz="2400" b="0"/>
+            </a:lvl1pPr>
+          </a:lstStyle>
+          <a:p>
+            <a:r>
+              <a:rPr lang="en-US"/>
+              <a:t>Click to edit Master title style</a:t>
+            </a:r>
+            <a:endParaRPr lang="en-US" dirty="0"/>
+          </a:p>
+        </p:txBody>
+      </p:sp>
+      <p:sp>
+        <p:nvSpPr>
+          <p:cNvPr id="3" name="Picture Placeholder 2"/>
+          <p:cNvSpPr>
+            <a:spLocks noGrp="1" noChangeAspect="1"/>
+          </p:cNvSpPr>
+          <p:nvPr>
+            <p:ph type="pic" idx="1"/>
+          </p:nvPr>
+        </p:nvSpPr>
+        <p:spPr>
+          <a:xfrm>
+            <a:off x="1979612" y="932112"/>
+            <a:ext cx="8225944" cy="3164976"/>
+          </a:xfrm>
+          <a:prstGeom prst="roundRect">
+            <a:avLst>
+              <a:gd name="adj" fmla="val 4380"/>
+            </a:avLst>
+          </a:prstGeom>
+          <a:ln w="38100">
+            <a:gradFill flip="none" rotWithShape="1">
+              <a:gsLst>
+                <a:gs pos="0">
+                  <a:schemeClr val="bg2"/>
+                </a:gs>
+                <a:gs pos="100000">
+                  <a:schemeClr val="bg2">
+                    <a:lumMod val="75000"/>
+                  </a:schemeClr>
+                </a:gs>
+              </a:gsLst>
+              <a:lin ang="5400000" scaled="0"/>
+              <a:tileRect/>
+            </a:gradFill>
+          </a:ln>
+          <a:effectLst>
+            <a:innerShdw blurRad="57150" dist="38100" dir="14460000">
+              <a:srgbClr val="000000">
+                <a:alpha val="70000"/>
+              </a:srgbClr>
+            </a:innerShdw>
+          </a:effectLst>
+        </p:spPr>
+        <p:txBody>
+          <a:bodyPr anchor="t">
+            <a:normAutofit/>
+          </a:bodyPr>
+          <a:lstStyle>
+            <a:lvl1pPr marL="0" indent="0" algn="ctr">
+              <a:buNone/>
+              <a:defRPr sz="1600"/>
+            </a:lvl1pPr>
+            <a:lvl2pPr marL="457200" indent="0">
+              <a:buNone/>
+              <a:defRPr sz="1600"/>
+            </a:lvl2pPr>
+            <a:lvl3pPr marL="914400" indent="0">
+              <a:buNone/>
+              <a:defRPr sz="1600"/>
+            </a:lvl3pPr>
+            <a:lvl4pPr marL="1371600" indent="0">
+              <a:buNone/>
+              <a:defRPr sz="1600"/>
+            </a:lvl4pPr>
+            <a:lvl5pPr marL="1828800" indent="0">
+              <a:buNone/>
+              <a:defRPr sz="1600"/>
+            </a:lvl5pPr>
+            <a:lvl6pPr marL="2286000" indent="0">
+              <a:buNone/>
+              <a:defRPr sz="1600"/>
+            </a:lvl6pPr>
+            <a:lvl7pPr marL="2743200" indent="0">
+              <a:buNone/>
+              <a:defRPr sz="1600"/>
+            </a:lvl7pPr>
+            <a:lvl8pPr marL="3200400" indent="0">
+              <a:buNone/>
+              <a:defRPr sz="1600"/>
+            </a:lvl8pPr>
+            <a:lvl9pPr marL="3657600" indent="0">
+              <a:buNone/>
+              <a:defRPr sz="1600"/>
+            </a:lvl9pPr>
+          </a:lstStyle>
+          <a:p>
+            <a:r>
+              <a:rPr lang="en-US"/>
+              <a:t>Click icon to add picture</a:t>
+            </a:r>
+            <a:endParaRPr lang="en-US" dirty="0"/>
+          </a:p>
+        </p:txBody>
+      </p:sp>
+      <p:sp>
+        <p:nvSpPr>
+          <p:cNvPr id="4" name="Text Placeholder 3"/>
+          <p:cNvSpPr>
+            <a:spLocks noGrp="1"/>
+          </p:cNvSpPr>
+          <p:nvPr>
+            <p:ph type="body" sz="half" idx="2"/>
+          </p:nvPr>
+        </p:nvSpPr>
+        <p:spPr>
+          <a:xfrm>
+            <a:off x="1141413" y="5299603"/>
+            <a:ext cx="9906000" cy="493712"/>
+          </a:xfrm>
+        </p:spPr>
+        <p:txBody>
+          <a:bodyPr>
+            <a:normAutofit/>
+          </a:bodyPr>
+          <a:lstStyle>
+            <a:lvl1pPr marL="0" indent="0">
+              <a:buNone/>
+              <a:defRPr sz="1400"/>
+            </a:lvl1pPr>
+            <a:lvl2pPr marL="457200" indent="0">
+              <a:buNone/>
+              <a:defRPr sz="1200"/>
+            </a:lvl2pPr>
+            <a:lvl3pPr marL="914400" indent="0">
+              <a:buNone/>
+              <a:defRPr sz="1000"/>
+            </a:lvl3pPr>
+            <a:lvl4pPr marL="1371600" indent="0">
+              <a:buNone/>
+              <a:defRPr sz="900"/>
+            </a:lvl4pPr>
+            <a:lvl5pPr marL="1828800" indent="0">
+              <a:buNone/>
+              <a:defRPr sz="900"/>
+            </a:lvl5pPr>
+            <a:lvl6pPr marL="2286000" indent="0">
+              <a:buNone/>
+              <a:defRPr sz="900"/>
+            </a:lvl6pPr>
+            <a:lvl7pPr marL="2743200" indent="0">
+              <a:buNone/>
+              <a:defRPr sz="900"/>
+            </a:lvl7pPr>
+            <a:lvl8pPr marL="3200400" indent="0">
+              <a:buNone/>
+              <a:defRPr sz="900"/>
+            </a:lvl8pPr>
+            <a:lvl9pPr marL="3657600" indent="0">
+              <a:buNone/>
+              <a:defRPr sz="900"/>
+            </a:lvl9pPr>
+          </a:lstStyle>
+          <a:p>
+            <a:pPr lvl="0"/>
+            <a:r>
+              <a:rPr lang="en-US"/>
+              <a:t>Click to edit Master text styles</a:t>
+            </a:r>
+          </a:p>
+        </p:txBody>
+      </p:sp>
+      <p:sp>
+        <p:nvSpPr>
+          <p:cNvPr id="5" name="Date Placeholder 4"/>
+          <p:cNvSpPr>
+            <a:spLocks noGrp="1"/>
+          </p:cNvSpPr>
+          <p:nvPr>
+            <p:ph type="dt" sz="half" idx="10"/>
+          </p:nvPr>
+        </p:nvSpPr>
+        <p:spPr/>
+        <p:txBody>
+          <a:bodyPr/>
+          <a:lstStyle/>
+          <a:p>
+            <a:fld id="{07F39D79-7497-4A8A-8B71-6E93BD0E3C8A}" type="datetimeFigureOut">
+              <a:rPr lang="en-GB" smtClean="0"/>
+              <a:t>09/05/2025</a:t>
+            </a:fld>
+            <a:endParaRPr lang="en-GB"/>
+          </a:p>
+        </p:txBody>
+      </p:sp>
+      <p:sp>
+        <p:nvSpPr>
+          <p:cNvPr id="6" name="Footer Placeholder 5"/>
+          <p:cNvSpPr>
+            <a:spLocks noGrp="1"/>
+          </p:cNvSpPr>
+          <p:nvPr>
+            <p:ph type="ftr" sz="quarter" idx="11"/>
+          </p:nvPr>
+        </p:nvSpPr>
+        <p:spPr/>
+        <p:txBody>
+          <a:bodyPr/>
+          <a:lstStyle/>
+          <a:p>
+            <a:endParaRPr lang="en-GB"/>
+          </a:p>
+        </p:txBody>
+      </p:sp>
+      <p:sp>
+        <p:nvSpPr>
+          <p:cNvPr id="7" name="Slide Number Placeholder 6"/>
+          <p:cNvSpPr>
+            <a:spLocks noGrp="1"/>
+          </p:cNvSpPr>
+          <p:nvPr>
+            <p:ph type="sldNum" sz="quarter" idx="12"/>
+          </p:nvPr>
+        </p:nvSpPr>
+        <p:spPr/>
+        <p:txBody>
+          <a:bodyPr/>
+          <a:lstStyle/>
+          <a:p>
+            <a:fld id="{72CA6238-AA6B-4F97-ACEA-BB191892FFC8}" type="slidenum">
+              <a:rPr lang="en-GB" smtClean="0"/>
+              <a:t>‹#›</a:t>
+            </a:fld>
+            <a:endParaRPr lang="en-GB"/>
+          </a:p>
+        </p:txBody>
+      </p:sp>
+    </p:spTree>
+    <p:extLst>
+      <p:ext uri="{BB962C8B-B14F-4D97-AF65-F5344CB8AC3E}">
+        <p14:creationId xmlns:p14="http://schemas.microsoft.com/office/powerpoint/2010/main" val="1160712190"/>
+      </p:ext>
+    </p:extLst>
+  </p:cSld>
+  <p:clrMapOvr>
+    <a:masterClrMapping/>
+  </p:clrMapOvr>
+</p:sldLayout>
+</file>
+
+<file path=ppt/slideLayouts/slideLayout11.xml><?xml version="1.0" encoding="utf-8"?>
+<p:sldLayout xmlns:a="http://schemas.openxmlformats.org/drawingml/2006/main" xmlns:r="http://schemas.openxmlformats.org/officeDocument/2006/relationships" xmlns:p="http://schemas.openxmlformats.org/presentationml/2006/main" preserve="1">
+  <p:cSld name="Title and Caption">
+    <p:spTree>
+      <p:nvGrpSpPr>
+        <p:cNvPr id="1" name=""/>
+        <p:cNvGrpSpPr/>
+        <p:nvPr/>
+      </p:nvGrpSpPr>
+      <p:grpSpPr>
+        <a:xfrm>
+          <a:off x="0" y="0"/>
+          <a:ext cx="0" cy="0"/>
+          <a:chOff x="0" y="0"/>
+          <a:chExt cx="0" cy="0"/>
+        </a:xfrm>
+      </p:grpSpPr>
+      <p:sp>
+        <p:nvSpPr>
+          <p:cNvPr id="2" name="Title 1"/>
+          <p:cNvSpPr>
+            <a:spLocks noGrp="1"/>
+          </p:cNvSpPr>
+          <p:nvPr>
+            <p:ph type="title"/>
+          </p:nvPr>
+        </p:nvSpPr>
+        <p:spPr>
+          <a:xfrm>
+            <a:off x="1141412" y="609601"/>
+            <a:ext cx="9905999" cy="3124199"/>
+          </a:xfrm>
+        </p:spPr>
+        <p:txBody>
+          <a:bodyPr anchor="ctr">
+            <a:normAutofit/>
+          </a:bodyPr>
+          <a:lstStyle>
+            <a:lvl1pPr algn="l">
+              <a:defRPr sz="3200" b="0" cap="all"/>
+            </a:lvl1pPr>
+          </a:lstStyle>
+          <a:p>
+            <a:r>
+              <a:rPr lang="en-US"/>
+              <a:t>Click to edit Master title style</a:t>
+            </a:r>
+            <a:endParaRPr lang="en-US" dirty="0"/>
+          </a:p>
+        </p:txBody>
+      </p:sp>
+      <p:sp>
+        <p:nvSpPr>
+          <p:cNvPr id="3" name="Text Placeholder 2"/>
+          <p:cNvSpPr>
+            <a:spLocks noGrp="1"/>
+          </p:cNvSpPr>
+          <p:nvPr>
+            <p:ph type="body" idx="1"/>
+          </p:nvPr>
+        </p:nvSpPr>
+        <p:spPr>
+          <a:xfrm>
+            <a:off x="1141411" y="4343400"/>
+            <a:ext cx="9906000" cy="1447800"/>
+          </a:xfrm>
+        </p:spPr>
+        <p:txBody>
+          <a:bodyPr anchor="ctr">
+            <a:normAutofit/>
+          </a:bodyPr>
+          <a:lstStyle>
+            <a:lvl1pPr marL="0" indent="0" algn="l">
+              <a:buNone/>
+              <a:defRPr sz="2000">
+                <a:solidFill>
+                  <a:schemeClr val="tx1"/>
+                </a:solidFill>
+              </a:defRPr>
+            </a:lvl1pPr>
+            <a:lvl2pPr marL="457200" indent="0">
+              <a:buNone/>
+              <a:defRPr sz="1800">
+                <a:solidFill>
+                  <a:schemeClr val="tx1">
+                    <a:tint val="75000"/>
+                  </a:schemeClr>
+                </a:solidFill>
+              </a:defRPr>
+            </a:lvl2pPr>
+            <a:lvl3pPr marL="914400" indent="0">
+              <a:buNone/>
+              <a:defRPr sz="1600">
+                <a:solidFill>
+                  <a:schemeClr val="tx1">
+                    <a:tint val="75000"/>
+                  </a:schemeClr>
+                </a:solidFill>
+              </a:defRPr>
+            </a:lvl3pPr>
+            <a:lvl4pPr marL="1371600" indent="0">
+              <a:buNone/>
+              <a:defRPr sz="1400">
+                <a:solidFill>
+                  <a:schemeClr val="tx1">
+                    <a:tint val="75000"/>
+                  </a:schemeClr>
+                </a:solidFill>
+              </a:defRPr>
+            </a:lvl4pPr>
+            <a:lvl5pPr marL="1828800" indent="0">
+              <a:buNone/>
+              <a:defRPr sz="1400">
+                <a:solidFill>
+                  <a:schemeClr val="tx1">
+                    <a:tint val="75000"/>
+                  </a:schemeClr>
+                </a:solidFill>
+              </a:defRPr>
+            </a:lvl5pPr>
+            <a:lvl6pPr marL="2286000" indent="0">
+              <a:buNone/>
+              <a:defRPr sz="1400">
+                <a:solidFill>
+                  <a:schemeClr val="tx1">
+                    <a:tint val="75000"/>
+                  </a:schemeClr>
+                </a:solidFill>
+              </a:defRPr>
+            </a:lvl6pPr>
+            <a:lvl7pPr marL="2743200" indent="0">
+              <a:buNone/>
+              <a:defRPr sz="1400">
+                <a:solidFill>
+                  <a:schemeClr val="tx1">
+                    <a:tint val="75000"/>
+                  </a:schemeClr>
+                </a:solidFill>
+              </a:defRPr>
+            </a:lvl7pPr>
+            <a:lvl8pPr marL="3200400" indent="0">
+              <a:buNone/>
+              <a:defRPr sz="1400">
+                <a:solidFill>
+                  <a:schemeClr val="tx1">
+                    <a:tint val="75000"/>
+                  </a:schemeClr>
+                </a:solidFill>
+              </a:defRPr>
+            </a:lvl8pPr>
+            <a:lvl9pPr marL="3657600" indent="0">
+              <a:buNone/>
+              <a:defRPr sz="1400">
+                <a:solidFill>
+                  <a:schemeClr val="tx1">
+                    <a:tint val="75000"/>
+                  </a:schemeClr>
+                </a:solidFill>
+              </a:defRPr>
+            </a:lvl9pPr>
+          </a:lstStyle>
+          <a:p>
+            <a:pPr lvl="0"/>
+            <a:r>
+              <a:rPr lang="en-US"/>
+              <a:t>Click to edit Master text styles</a:t>
+            </a:r>
+          </a:p>
+        </p:txBody>
+      </p:sp>
+      <p:sp>
+        <p:nvSpPr>
+          <p:cNvPr id="4" name="Date Placeholder 3"/>
+          <p:cNvSpPr>
+            <a:spLocks noGrp="1"/>
+          </p:cNvSpPr>
+          <p:nvPr>
+            <p:ph type="dt" sz="half" idx="10"/>
+          </p:nvPr>
+        </p:nvSpPr>
+        <p:spPr/>
+        <p:txBody>
+          <a:bodyPr/>
+          <a:lstStyle/>
+          <a:p>
+            <a:fld id="{07F39D79-7497-4A8A-8B71-6E93BD0E3C8A}" type="datetimeFigureOut">
+              <a:rPr lang="en-GB" smtClean="0"/>
+              <a:t>09/05/2025</a:t>
+            </a:fld>
+            <a:endParaRPr lang="en-GB"/>
+          </a:p>
+        </p:txBody>
+      </p:sp>
+      <p:sp>
+        <p:nvSpPr>
+          <p:cNvPr id="5" name="Footer Placeholder 4"/>
+          <p:cNvSpPr>
+            <a:spLocks noGrp="1"/>
+          </p:cNvSpPr>
+          <p:nvPr>
+            <p:ph type="ftr" sz="quarter" idx="11"/>
+          </p:nvPr>
+        </p:nvSpPr>
+        <p:spPr/>
+        <p:txBody>
+          <a:bodyPr/>
+          <a:lstStyle/>
+          <a:p>
+            <a:endParaRPr lang="en-GB"/>
+          </a:p>
+        </p:txBody>
+      </p:sp>
+      <p:sp>
+        <p:nvSpPr>
+          <p:cNvPr id="6" name="Slide Number Placeholder 5"/>
+          <p:cNvSpPr>
+            <a:spLocks noGrp="1"/>
+          </p:cNvSpPr>
+          <p:nvPr>
+            <p:ph type="sldNum" sz="quarter" idx="12"/>
+          </p:nvPr>
+        </p:nvSpPr>
+        <p:spPr/>
+        <p:txBody>
+          <a:bodyPr/>
+          <a:lstStyle/>
+          <a:p>
+            <a:fld id="{72CA6238-AA6B-4F97-ACEA-BB191892FFC8}" type="slidenum">
+              <a:rPr lang="en-GB" smtClean="0"/>
+              <a:t>‹#›</a:t>
+            </a:fld>
+            <a:endParaRPr lang="en-GB"/>
+          </a:p>
+        </p:txBody>
+      </p:sp>
+    </p:spTree>
+    <p:extLst>
+      <p:ext uri="{BB962C8B-B14F-4D97-AF65-F5344CB8AC3E}">
+        <p14:creationId xmlns:p14="http://schemas.microsoft.com/office/powerpoint/2010/main" val="3928092751"/>
+      </p:ext>
+    </p:extLst>
+  </p:cSld>
+  <p:clrMapOvr>
+    <a:masterClrMapping/>
+  </p:clrMapOvr>
+</p:sldLayout>
+</file>
+
+<file path=ppt/slideLayouts/slideLayout12.xml><?xml version="1.0" encoding="utf-8"?>
+<p:sldLayout xmlns:a="http://schemas.openxmlformats.org/drawingml/2006/main" xmlns:r="http://schemas.openxmlformats.org/officeDocument/2006/relationships" xmlns:p="http://schemas.openxmlformats.org/presentationml/2006/main" preserve="1">
+  <p:cSld name="Quote with Caption">
+    <p:spTree>
+      <p:nvGrpSpPr>
+        <p:cNvPr id="1" name=""/>
+        <p:cNvGrpSpPr/>
+        <p:nvPr/>
+      </p:nvGrpSpPr>
+      <p:grpSpPr>
+        <a:xfrm>
+          <a:off x="0" y="0"/>
+          <a:ext cx="0" cy="0"/>
+          <a:chOff x="0" y="0"/>
+          <a:chExt cx="0" cy="0"/>
+        </a:xfrm>
+      </p:grpSpPr>
+      <p:sp>
+        <p:nvSpPr>
+          <p:cNvPr id="14" name="TextBox 13"/>
+          <p:cNvSpPr txBox="1"/>
+          <p:nvPr/>
+        </p:nvSpPr>
+        <p:spPr>
+          <a:xfrm>
+            <a:off x="836612" y="786824"/>
+            <a:ext cx="609600" cy="584776"/>
+          </a:xfrm>
+          <a:prstGeom prst="rect">
+            <a:avLst/>
+          </a:prstGeom>
+        </p:spPr>
+        <p:txBody>
+          <a:bodyPr vert="horz" lIns="91440" tIns="45720" rIns="91440" bIns="45720" rtlCol="0" anchor="ctr">
+            <a:noAutofit/>
+          </a:bodyPr>
+          <a:lstStyle>
+            <a:lvl1pPr>
+              <a:spcBef>
+                <a:spcPct val="0"/>
+              </a:spcBef>
+              <a:buNone/>
+              <a:defRPr sz="3200" b="0" cap="all">
+                <a:ln w="3175" cmpd="sng">
+                  <a:noFill/>
+                </a:ln>
+                <a:effectLst>
+                  <a:glow rad="38100">
+                    <a:schemeClr val="bg1">
+                      <a:lumMod val="65000"/>
+                      <a:lumOff val="35000"/>
+                      <a:alpha val="40000"/>
+                    </a:schemeClr>
+                  </a:glow>
+                  <a:outerShdw blurRad="28575" dist="38100" dir="14040000" algn="tl" rotWithShape="0">
+                    <a:srgbClr val="000000">
+                      <a:alpha val="25000"/>
+                    </a:srgbClr>
+                  </a:outerShdw>
+                </a:effectLst>
+              </a:defRPr>
+            </a:lvl1pPr>
+            <a:lvl2pPr>
+              <a:defRPr>
+                <a:solidFill>
+                  <a:schemeClr val="tx2"/>
+                </a:solidFill>
+              </a:defRPr>
+            </a:lvl2pPr>
+            <a:lvl3pPr>
+              <a:defRPr>
+                <a:solidFill>
+                  <a:schemeClr val="tx2"/>
+                </a:solidFill>
+              </a:defRPr>
+            </a:lvl3pPr>
+            <a:lvl4pPr>
+              <a:defRPr>
+                <a:solidFill>
+                  <a:schemeClr val="tx2"/>
+                </a:solidFill>
+              </a:defRPr>
+            </a:lvl4pPr>
+            <a:lvl5pPr>
+              <a:defRPr>
+                <a:solidFill>
+                  <a:schemeClr val="tx2"/>
+                </a:solidFill>
+              </a:defRPr>
+            </a:lvl5pPr>
+            <a:lvl6pPr>
+              <a:defRPr>
+                <a:solidFill>
+                  <a:schemeClr val="tx2"/>
+                </a:solidFill>
+              </a:defRPr>
+            </a:lvl6pPr>
+            <a:lvl7pPr>
+              <a:defRPr>
+                <a:solidFill>
+                  <a:schemeClr val="tx2"/>
+                </a:solidFill>
+              </a:defRPr>
+            </a:lvl7pPr>
+            <a:lvl8pPr>
+              <a:defRPr>
+                <a:solidFill>
+                  <a:schemeClr val="tx2"/>
+                </a:solidFill>
+              </a:defRPr>
+            </a:lvl8pPr>
+            <a:lvl9pPr>
+              <a:defRPr>
+                <a:solidFill>
+                  <a:schemeClr val="tx2"/>
+                </a:solidFill>
+              </a:defRPr>
+            </a:lvl9pPr>
+          </a:lstStyle>
+          <a:p>
+            <a:pPr lvl="0"/>
+            <a:r>
+              <a:rPr lang="en-US" sz="8000" dirty="0">
+                <a:solidFill>
+                  <a:schemeClr val="accent1"/>
+                </a:solidFill>
+              </a:rPr>
+              <a:t>“</a:t>
+            </a:r>
+          </a:p>
+        </p:txBody>
+      </p:sp>
+      <p:sp>
+        <p:nvSpPr>
+          <p:cNvPr id="15" name="TextBox 14"/>
+          <p:cNvSpPr txBox="1"/>
+          <p:nvPr/>
+        </p:nvSpPr>
+        <p:spPr>
+          <a:xfrm>
+            <a:off x="10437812" y="2743200"/>
+            <a:ext cx="609600" cy="584776"/>
+          </a:xfrm>
+          <a:prstGeom prst="rect">
+            <a:avLst/>
+          </a:prstGeom>
+        </p:spPr>
+        <p:txBody>
+          <a:bodyPr vert="horz" lIns="91440" tIns="45720" rIns="91440" bIns="45720" rtlCol="0" anchor="ctr">
+            <a:noAutofit/>
+          </a:bodyPr>
+          <a:lstStyle>
+            <a:lvl1pPr>
+              <a:spcBef>
+                <a:spcPct val="0"/>
+              </a:spcBef>
+              <a:buNone/>
+              <a:defRPr sz="3200" b="0" cap="all">
+                <a:ln w="3175" cmpd="sng">
+                  <a:noFill/>
+                </a:ln>
+                <a:effectLst>
+                  <a:glow rad="38100">
+                    <a:schemeClr val="bg1">
+                      <a:lumMod val="65000"/>
+                      <a:lumOff val="35000"/>
+                      <a:alpha val="40000"/>
+                    </a:schemeClr>
+                  </a:glow>
+                  <a:outerShdw blurRad="28575" dist="38100" dir="14040000" algn="tl" rotWithShape="0">
+                    <a:srgbClr val="000000">
+                      <a:alpha val="25000"/>
+                    </a:srgbClr>
+                  </a:outerShdw>
+                </a:effectLst>
+              </a:defRPr>
+            </a:lvl1pPr>
+            <a:lvl2pPr>
+              <a:defRPr>
+                <a:solidFill>
+                  <a:schemeClr val="tx2"/>
+                </a:solidFill>
+              </a:defRPr>
+            </a:lvl2pPr>
+            <a:lvl3pPr>
+              <a:defRPr>
+                <a:solidFill>
+                  <a:schemeClr val="tx2"/>
+                </a:solidFill>
+              </a:defRPr>
+            </a:lvl3pPr>
+            <a:lvl4pPr>
+              <a:defRPr>
+                <a:solidFill>
+                  <a:schemeClr val="tx2"/>
+                </a:solidFill>
+              </a:defRPr>
+            </a:lvl4pPr>
+            <a:lvl5pPr>
+              <a:defRPr>
+                <a:solidFill>
+                  <a:schemeClr val="tx2"/>
+                </a:solidFill>
+              </a:defRPr>
+            </a:lvl5pPr>
+            <a:lvl6pPr>
+              <a:defRPr>
+                <a:solidFill>
+                  <a:schemeClr val="tx2"/>
+                </a:solidFill>
+              </a:defRPr>
+            </a:lvl6pPr>
+            <a:lvl7pPr>
+              <a:defRPr>
+                <a:solidFill>
+                  <a:schemeClr val="tx2"/>
+                </a:solidFill>
+              </a:defRPr>
+            </a:lvl7pPr>
+            <a:lvl8pPr>
+              <a:defRPr>
+                <a:solidFill>
+                  <a:schemeClr val="tx2"/>
+                </a:solidFill>
+              </a:defRPr>
+            </a:lvl8pPr>
+            <a:lvl9pPr>
+              <a:defRPr>
+                <a:solidFill>
+                  <a:schemeClr val="tx2"/>
+                </a:solidFill>
+              </a:defRPr>
+            </a:lvl9pPr>
+          </a:lstStyle>
+          <a:p>
+            <a:pPr lvl="0" algn="r"/>
+            <a:r>
+              <a:rPr lang="en-US" sz="8000" dirty="0">
+                <a:solidFill>
+                  <a:schemeClr val="accent1"/>
+                </a:solidFill>
+              </a:rPr>
+              <a:t>”</a:t>
+            </a:r>
+          </a:p>
+        </p:txBody>
+      </p:sp>
+      <p:sp>
+        <p:nvSpPr>
+          <p:cNvPr id="2" name="Title 1"/>
+          <p:cNvSpPr>
+            <a:spLocks noGrp="1"/>
+          </p:cNvSpPr>
+          <p:nvPr>
+            <p:ph type="title"/>
+          </p:nvPr>
+        </p:nvSpPr>
+        <p:spPr>
+          <a:xfrm>
+            <a:off x="1446213" y="609601"/>
+            <a:ext cx="9296398" cy="2743199"/>
+          </a:xfrm>
+        </p:spPr>
+        <p:txBody>
+          <a:bodyPr anchor="ctr">
+            <a:normAutofit/>
+          </a:bodyPr>
+          <a:lstStyle>
+            <a:lvl1pPr algn="l">
+              <a:defRPr sz="3200" b="0" cap="all">
+                <a:solidFill>
+                  <a:schemeClr val="tx1"/>
+                </a:solidFill>
+              </a:defRPr>
+            </a:lvl1pPr>
+          </a:lstStyle>
+          <a:p>
+            <a:r>
+              <a:rPr lang="en-US"/>
+              <a:t>Click to edit Master title style</a:t>
+            </a:r>
+            <a:endParaRPr lang="en-US" dirty="0"/>
+          </a:p>
+        </p:txBody>
+      </p:sp>
+      <p:sp>
+        <p:nvSpPr>
+          <p:cNvPr id="10" name="Text Placeholder 9"/>
+          <p:cNvSpPr>
+            <a:spLocks noGrp="1"/>
+          </p:cNvSpPr>
+          <p:nvPr>
+            <p:ph type="body" sz="quarter" idx="13"/>
+          </p:nvPr>
+        </p:nvSpPr>
+        <p:spPr>
+          <a:xfrm>
+            <a:off x="1674812" y="3352800"/>
+            <a:ext cx="8839202" cy="381000"/>
+          </a:xfrm>
+        </p:spPr>
+        <p:txBody>
+          <a:bodyPr anchor="ctr"/>
+          <a:lstStyle>
+            <a:lvl1pPr marL="0" indent="0">
+              <a:buFontTx/>
+              <a:buNone/>
+              <a:defRPr/>
+            </a:lvl1pPr>
+            <a:lvl2pPr marL="457200" indent="0">
+              <a:buFontTx/>
+              <a:buNone/>
+              <a:defRPr/>
+            </a:lvl2pPr>
+            <a:lvl3pPr marL="914400" indent="0">
+              <a:buFontTx/>
+              <a:buNone/>
+              <a:defRPr/>
+            </a:lvl3pPr>
+            <a:lvl4pPr marL="1371600" indent="0">
+              <a:buFontTx/>
+              <a:buNone/>
+              <a:defRPr/>
+            </a:lvl4pPr>
+            <a:lvl5pPr marL="1828800" indent="0">
+              <a:buFontTx/>
+              <a:buNone/>
+              <a:defRPr/>
+            </a:lvl5pPr>
+          </a:lstStyle>
+          <a:p>
+            <a:pPr lvl="0"/>
+            <a:r>
+              <a:rPr lang="en-US"/>
+              <a:t>Click to edit Master text styles</a:t>
+            </a:r>
+          </a:p>
+        </p:txBody>
+      </p:sp>
+      <p:sp>
+        <p:nvSpPr>
+          <p:cNvPr id="3" name="Text Placeholder 2"/>
+          <p:cNvSpPr>
+            <a:spLocks noGrp="1"/>
+          </p:cNvSpPr>
+          <p:nvPr>
+            <p:ph type="body" idx="1"/>
+          </p:nvPr>
+        </p:nvSpPr>
+        <p:spPr>
+          <a:xfrm>
+            <a:off x="1141411" y="4343400"/>
+            <a:ext cx="9906000" cy="1447800"/>
+          </a:xfrm>
+        </p:spPr>
+        <p:txBody>
+          <a:bodyPr anchor="ctr">
+            <a:normAutofit/>
+          </a:bodyPr>
+          <a:lstStyle>
+            <a:lvl1pPr marL="0" indent="0" algn="l">
+              <a:buNone/>
+              <a:defRPr sz="2000">
+                <a:solidFill>
+                  <a:schemeClr val="tx1"/>
+                </a:solidFill>
+              </a:defRPr>
+            </a:lvl1pPr>
+            <a:lvl2pPr marL="457200" indent="0">
+              <a:buNone/>
+              <a:defRPr sz="1800">
+                <a:solidFill>
+                  <a:schemeClr val="tx1">
+                    <a:tint val="75000"/>
+                  </a:schemeClr>
+                </a:solidFill>
+              </a:defRPr>
+            </a:lvl2pPr>
+            <a:lvl3pPr marL="914400" indent="0">
+              <a:buNone/>
+              <a:defRPr sz="1600">
+                <a:solidFill>
+                  <a:schemeClr val="tx1">
+                    <a:tint val="75000"/>
+                  </a:schemeClr>
+                </a:solidFill>
+              </a:defRPr>
+            </a:lvl3pPr>
+            <a:lvl4pPr marL="1371600" indent="0">
+              <a:buNone/>
+              <a:defRPr sz="1400">
+                <a:solidFill>
+                  <a:schemeClr val="tx1">
+                    <a:tint val="75000"/>
+                  </a:schemeClr>
+                </a:solidFill>
+              </a:defRPr>
+            </a:lvl4pPr>
+            <a:lvl5pPr marL="1828800" indent="0">
+              <a:buNone/>
+              <a:defRPr sz="1400">
+                <a:solidFill>
+                  <a:schemeClr val="tx1">
+                    <a:tint val="75000"/>
+                  </a:schemeClr>
+                </a:solidFill>
+              </a:defRPr>
+            </a:lvl5pPr>
+            <a:lvl6pPr marL="2286000" indent="0">
+              <a:buNone/>
+              <a:defRPr sz="1400">
+                <a:solidFill>
+                  <a:schemeClr val="tx1">
+                    <a:tint val="75000"/>
+                  </a:schemeClr>
+                </a:solidFill>
+              </a:defRPr>
+            </a:lvl6pPr>
+            <a:lvl7pPr marL="2743200" indent="0">
+              <a:buNone/>
+              <a:defRPr sz="1400">
+                <a:solidFill>
+                  <a:schemeClr val="tx1">
+                    <a:tint val="75000"/>
+                  </a:schemeClr>
+                </a:solidFill>
+              </a:defRPr>
+            </a:lvl7pPr>
+            <a:lvl8pPr marL="3200400" indent="0">
+              <a:buNone/>
+              <a:defRPr sz="1400">
+                <a:solidFill>
+                  <a:schemeClr val="tx1">
+                    <a:tint val="75000"/>
+                  </a:schemeClr>
+                </a:solidFill>
+              </a:defRPr>
+            </a:lvl8pPr>
+            <a:lvl9pPr marL="3657600" indent="0">
+              <a:buNone/>
+              <a:defRPr sz="1400">
+                <a:solidFill>
+                  <a:schemeClr val="tx1">
+                    <a:tint val="75000"/>
+                  </a:schemeClr>
+                </a:solidFill>
+              </a:defRPr>
+            </a:lvl9pPr>
+          </a:lstStyle>
+          <a:p>
+            <a:pPr lvl="0"/>
+            <a:r>
+              <a:rPr lang="en-US"/>
+              <a:t>Click to edit Master text styles</a:t>
+            </a:r>
+          </a:p>
+        </p:txBody>
+      </p:sp>
+      <p:sp>
+        <p:nvSpPr>
+          <p:cNvPr id="4" name="Date Placeholder 3"/>
+          <p:cNvSpPr>
+            <a:spLocks noGrp="1"/>
+          </p:cNvSpPr>
+          <p:nvPr>
+            <p:ph type="dt" sz="half" idx="10"/>
+          </p:nvPr>
+        </p:nvSpPr>
+        <p:spPr/>
+        <p:txBody>
+          <a:bodyPr/>
+          <a:lstStyle/>
+          <a:p>
+            <a:fld id="{07F39D79-7497-4A8A-8B71-6E93BD0E3C8A}" type="datetimeFigureOut">
+              <a:rPr lang="en-GB" smtClean="0"/>
+              <a:t>09/05/2025</a:t>
+            </a:fld>
+            <a:endParaRPr lang="en-GB"/>
+          </a:p>
+        </p:txBody>
+      </p:sp>
+      <p:sp>
+        <p:nvSpPr>
+          <p:cNvPr id="5" name="Footer Placeholder 4"/>
+          <p:cNvSpPr>
+            <a:spLocks noGrp="1"/>
+          </p:cNvSpPr>
+          <p:nvPr>
+            <p:ph type="ftr" sz="quarter" idx="11"/>
+          </p:nvPr>
+        </p:nvSpPr>
+        <p:spPr/>
+        <p:txBody>
+          <a:bodyPr/>
+          <a:lstStyle/>
+          <a:p>
+            <a:endParaRPr lang="en-GB"/>
+          </a:p>
+        </p:txBody>
+      </p:sp>
+      <p:sp>
+        <p:nvSpPr>
+          <p:cNvPr id="6" name="Slide Number Placeholder 5"/>
+          <p:cNvSpPr>
+            <a:spLocks noGrp="1"/>
+          </p:cNvSpPr>
+          <p:nvPr>
+            <p:ph type="sldNum" sz="quarter" idx="12"/>
+          </p:nvPr>
+        </p:nvSpPr>
+        <p:spPr/>
+        <p:txBody>
+          <a:bodyPr/>
+          <a:lstStyle/>
+          <a:p>
+            <a:fld id="{72CA6238-AA6B-4F97-ACEA-BB191892FFC8}" type="slidenum">
+              <a:rPr lang="en-GB" smtClean="0"/>
+              <a:t>‹#›</a:t>
+            </a:fld>
+            <a:endParaRPr lang="en-GB"/>
+          </a:p>
+        </p:txBody>
+      </p:sp>
+    </p:spTree>
+    <p:extLst>
+      <p:ext uri="{BB962C8B-B14F-4D97-AF65-F5344CB8AC3E}">
+        <p14:creationId xmlns:p14="http://schemas.microsoft.com/office/powerpoint/2010/main" val="2473922159"/>
+      </p:ext>
+    </p:extLst>
+  </p:cSld>
+  <p:clrMapOvr>
+    <a:masterClrMapping/>
+  </p:clrMapOvr>
+</p:sldLayout>
+</file>
+
+<file path=ppt/slideLayouts/slideLayout13.xml><?xml version="1.0" encoding="utf-8"?>
+<p:sldLayout xmlns:a="http://schemas.openxmlformats.org/drawingml/2006/main" xmlns:r="http://schemas.openxmlformats.org/officeDocument/2006/relationships" xmlns:p="http://schemas.openxmlformats.org/presentationml/2006/main" preserve="1">
+  <p:cSld name="Name Card">
+    <p:spTree>
+      <p:nvGrpSpPr>
+        <p:cNvPr id="1" name=""/>
+        <p:cNvGrpSpPr/>
+        <p:nvPr/>
+      </p:nvGrpSpPr>
+      <p:grpSpPr>
+        <a:xfrm>
+          <a:off x="0" y="0"/>
+          <a:ext cx="0" cy="0"/>
+          <a:chOff x="0" y="0"/>
+          <a:chExt cx="0" cy="0"/>
+        </a:xfrm>
+      </p:grpSpPr>
+      <p:sp>
+        <p:nvSpPr>
+          <p:cNvPr id="2" name="Title 1"/>
+          <p:cNvSpPr>
+            <a:spLocks noGrp="1"/>
+          </p:cNvSpPr>
+          <p:nvPr>
+            <p:ph type="title"/>
+          </p:nvPr>
+        </p:nvSpPr>
+        <p:spPr>
+          <a:xfrm>
+            <a:off x="1141412" y="3308581"/>
+            <a:ext cx="9906000" cy="1468800"/>
+          </a:xfrm>
+        </p:spPr>
+        <p:txBody>
+          <a:bodyPr anchor="b">
+            <a:normAutofit/>
+          </a:bodyPr>
+          <a:lstStyle>
+            <a:lvl1pPr algn="l">
+              <a:defRPr sz="3200" b="0" cap="all"/>
+            </a:lvl1pPr>
+          </a:lstStyle>
+          <a:p>
+            <a:r>
+              <a:rPr lang="en-US"/>
+              <a:t>Click to edit Master title style</a:t>
+            </a:r>
+            <a:endParaRPr lang="en-US" dirty="0"/>
+          </a:p>
+        </p:txBody>
+      </p:sp>
+      <p:sp>
+        <p:nvSpPr>
+          <p:cNvPr id="3" name="Text Placeholder 2"/>
+          <p:cNvSpPr>
+            <a:spLocks noGrp="1"/>
+          </p:cNvSpPr>
+          <p:nvPr>
+            <p:ph type="body" idx="1"/>
+          </p:nvPr>
+        </p:nvSpPr>
+        <p:spPr>
+          <a:xfrm>
+            <a:off x="1141410" y="4777381"/>
+            <a:ext cx="9906001" cy="860400"/>
+          </a:xfrm>
+        </p:spPr>
+        <p:txBody>
+          <a:bodyPr anchor="t">
+            <a:normAutofit/>
+          </a:bodyPr>
+          <a:lstStyle>
+            <a:lvl1pPr marL="0" indent="0" algn="l">
+              <a:buNone/>
+              <a:defRPr sz="2000">
+                <a:solidFill>
+                  <a:schemeClr val="tx1"/>
+                </a:solidFill>
+              </a:defRPr>
+            </a:lvl1pPr>
+            <a:lvl2pPr marL="457200" indent="0">
+              <a:buNone/>
+              <a:defRPr sz="1800">
+                <a:solidFill>
+                  <a:schemeClr val="tx1">
+                    <a:tint val="75000"/>
+                  </a:schemeClr>
+                </a:solidFill>
+              </a:defRPr>
+            </a:lvl2pPr>
+            <a:lvl3pPr marL="914400" indent="0">
+              <a:buNone/>
+              <a:defRPr sz="1600">
+                <a:solidFill>
+                  <a:schemeClr val="tx1">
+                    <a:tint val="75000"/>
+                  </a:schemeClr>
+                </a:solidFill>
+              </a:defRPr>
+            </a:lvl3pPr>
+            <a:lvl4pPr marL="1371600" indent="0">
+              <a:buNone/>
+              <a:defRPr sz="1400">
+                <a:solidFill>
+                  <a:schemeClr val="tx1">
+                    <a:tint val="75000"/>
+                  </a:schemeClr>
+                </a:solidFill>
+              </a:defRPr>
+            </a:lvl4pPr>
+            <a:lvl5pPr marL="1828800" indent="0">
+              <a:buNone/>
+              <a:defRPr sz="1400">
+                <a:solidFill>
+                  <a:schemeClr val="tx1">
+                    <a:tint val="75000"/>
+                  </a:schemeClr>
+                </a:solidFill>
+              </a:defRPr>
+            </a:lvl5pPr>
+            <a:lvl6pPr marL="2286000" indent="0">
+              <a:buNone/>
+              <a:defRPr sz="1400">
+                <a:solidFill>
+                  <a:schemeClr val="tx1">
+                    <a:tint val="75000"/>
+                  </a:schemeClr>
+                </a:solidFill>
+              </a:defRPr>
+            </a:lvl6pPr>
+            <a:lvl7pPr marL="2743200" indent="0">
+              <a:buNone/>
+              <a:defRPr sz="1400">
+                <a:solidFill>
+                  <a:schemeClr val="tx1">
+                    <a:tint val="75000"/>
+                  </a:schemeClr>
+                </a:solidFill>
+              </a:defRPr>
+            </a:lvl7pPr>
+            <a:lvl8pPr marL="3200400" indent="0">
+              <a:buNone/>
+              <a:defRPr sz="1400">
+                <a:solidFill>
+                  <a:schemeClr val="tx1">
+                    <a:tint val="75000"/>
+                  </a:schemeClr>
+                </a:solidFill>
+              </a:defRPr>
+            </a:lvl8pPr>
+            <a:lvl9pPr marL="3657600" indent="0">
+              <a:buNone/>
+              <a:defRPr sz="1400">
+                <a:solidFill>
+                  <a:schemeClr val="tx1">
+                    <a:tint val="75000"/>
+                  </a:schemeClr>
+                </a:solidFill>
+              </a:defRPr>
+            </a:lvl9pPr>
+          </a:lstStyle>
+          <a:p>
+            <a:pPr lvl="0"/>
+            <a:r>
+              <a:rPr lang="en-US"/>
+              <a:t>Click to edit Master text styles</a:t>
+            </a:r>
+          </a:p>
+        </p:txBody>
+      </p:sp>
+      <p:sp>
+        <p:nvSpPr>
+          <p:cNvPr id="4" name="Date Placeholder 3"/>
+          <p:cNvSpPr>
+            <a:spLocks noGrp="1"/>
+          </p:cNvSpPr>
+          <p:nvPr>
+            <p:ph type="dt" sz="half" idx="10"/>
+          </p:nvPr>
+        </p:nvSpPr>
+        <p:spPr/>
+        <p:txBody>
+          <a:bodyPr/>
+          <a:lstStyle/>
+          <a:p>
+            <a:fld id="{07F39D79-7497-4A8A-8B71-6E93BD0E3C8A}" type="datetimeFigureOut">
+              <a:rPr lang="en-GB" smtClean="0"/>
+              <a:t>09/05/2025</a:t>
+            </a:fld>
+            <a:endParaRPr lang="en-GB"/>
+          </a:p>
+        </p:txBody>
+      </p:sp>
+      <p:sp>
+        <p:nvSpPr>
+          <p:cNvPr id="5" name="Footer Placeholder 4"/>
+          <p:cNvSpPr>
+            <a:spLocks noGrp="1"/>
+          </p:cNvSpPr>
+          <p:nvPr>
+            <p:ph type="ftr" sz="quarter" idx="11"/>
+          </p:nvPr>
+        </p:nvSpPr>
+        <p:spPr/>
+        <p:txBody>
+          <a:bodyPr/>
+          <a:lstStyle/>
+          <a:p>
+            <a:endParaRPr lang="en-GB"/>
+          </a:p>
+        </p:txBody>
+      </p:sp>
+      <p:sp>
+        <p:nvSpPr>
+          <p:cNvPr id="6" name="Slide Number Placeholder 5"/>
+          <p:cNvSpPr>
+            <a:spLocks noGrp="1"/>
+          </p:cNvSpPr>
+          <p:nvPr>
+            <p:ph type="sldNum" sz="quarter" idx="12"/>
+          </p:nvPr>
+        </p:nvSpPr>
+        <p:spPr/>
+        <p:txBody>
+          <a:bodyPr/>
+          <a:lstStyle/>
+          <a:p>
+            <a:fld id="{72CA6238-AA6B-4F97-ACEA-BB191892FFC8}" type="slidenum">
+              <a:rPr lang="en-GB" smtClean="0"/>
+              <a:t>‹#›</a:t>
+            </a:fld>
+            <a:endParaRPr lang="en-GB"/>
+          </a:p>
+        </p:txBody>
+      </p:sp>
+    </p:spTree>
+    <p:extLst>
+      <p:ext uri="{BB962C8B-B14F-4D97-AF65-F5344CB8AC3E}">
+        <p14:creationId xmlns:p14="http://schemas.microsoft.com/office/powerpoint/2010/main" val="2523358539"/>
+      </p:ext>
+    </p:extLst>
+  </p:cSld>
+  <p:clrMapOvr>
+    <a:masterClrMapping/>
+  </p:clrMapOvr>
+</p:sldLayout>
+</file>
+
+<file path=ppt/slideLayouts/slideLayout14.xml><?xml version="1.0" encoding="utf-8"?>
+<p:sldLayout xmlns:a="http://schemas.openxmlformats.org/drawingml/2006/main" xmlns:r="http://schemas.openxmlformats.org/officeDocument/2006/relationships" xmlns:p="http://schemas.openxmlformats.org/presentationml/2006/main" preserve="1">
+  <p:cSld name="Quote Name Card">
+    <p:spTree>
+      <p:nvGrpSpPr>
+        <p:cNvPr id="1" name=""/>
+        <p:cNvGrpSpPr/>
+        <p:nvPr/>
+      </p:nvGrpSpPr>
+      <p:grpSpPr>
+        <a:xfrm>
+          <a:off x="0" y="0"/>
+          <a:ext cx="0" cy="0"/>
+          <a:chOff x="0" y="0"/>
+          <a:chExt cx="0" cy="0"/>
+        </a:xfrm>
+      </p:grpSpPr>
+      <p:sp>
+        <p:nvSpPr>
+          <p:cNvPr id="14" name="TextBox 13"/>
+          <p:cNvSpPr txBox="1"/>
+          <p:nvPr/>
+        </p:nvSpPr>
+        <p:spPr>
+          <a:xfrm>
+            <a:off x="836612" y="786824"/>
+            <a:ext cx="609600" cy="584776"/>
+          </a:xfrm>
+          <a:prstGeom prst="rect">
+            <a:avLst/>
+          </a:prstGeom>
+        </p:spPr>
+        <p:txBody>
+          <a:bodyPr vert="horz" lIns="91440" tIns="45720" rIns="91440" bIns="45720" rtlCol="0" anchor="ctr">
+            <a:noAutofit/>
+          </a:bodyPr>
+          <a:lstStyle>
+            <a:lvl1pPr>
+              <a:spcBef>
+                <a:spcPct val="0"/>
+              </a:spcBef>
+              <a:buNone/>
+              <a:defRPr sz="3200" b="0" cap="all">
+                <a:ln w="3175" cmpd="sng">
+                  <a:noFill/>
+                </a:ln>
+                <a:effectLst>
+                  <a:glow rad="38100">
+                    <a:schemeClr val="bg1">
+                      <a:lumMod val="65000"/>
+                      <a:lumOff val="35000"/>
+                      <a:alpha val="40000"/>
+                    </a:schemeClr>
+                  </a:glow>
+                  <a:outerShdw blurRad="28575" dist="38100" dir="14040000" algn="tl" rotWithShape="0">
+                    <a:srgbClr val="000000">
+                      <a:alpha val="25000"/>
+                    </a:srgbClr>
+                  </a:outerShdw>
+                </a:effectLst>
+              </a:defRPr>
+            </a:lvl1pPr>
+            <a:lvl2pPr>
+              <a:defRPr>
+                <a:solidFill>
+                  <a:schemeClr val="tx2"/>
+                </a:solidFill>
+              </a:defRPr>
+            </a:lvl2pPr>
+            <a:lvl3pPr>
+              <a:defRPr>
+                <a:solidFill>
+                  <a:schemeClr val="tx2"/>
+                </a:solidFill>
+              </a:defRPr>
+            </a:lvl3pPr>
+            <a:lvl4pPr>
+              <a:defRPr>
+                <a:solidFill>
+                  <a:schemeClr val="tx2"/>
+                </a:solidFill>
+              </a:defRPr>
+            </a:lvl4pPr>
+            <a:lvl5pPr>
+              <a:defRPr>
+                <a:solidFill>
+                  <a:schemeClr val="tx2"/>
+                </a:solidFill>
+              </a:defRPr>
+            </a:lvl5pPr>
+            <a:lvl6pPr>
+              <a:defRPr>
+                <a:solidFill>
+                  <a:schemeClr val="tx2"/>
+                </a:solidFill>
+              </a:defRPr>
+            </a:lvl6pPr>
+            <a:lvl7pPr>
+              <a:defRPr>
+                <a:solidFill>
+                  <a:schemeClr val="tx2"/>
+                </a:solidFill>
+              </a:defRPr>
+            </a:lvl7pPr>
+            <a:lvl8pPr>
+              <a:defRPr>
+                <a:solidFill>
+                  <a:schemeClr val="tx2"/>
+                </a:solidFill>
+              </a:defRPr>
+            </a:lvl8pPr>
+            <a:lvl9pPr>
+              <a:defRPr>
+                <a:solidFill>
+                  <a:schemeClr val="tx2"/>
+                </a:solidFill>
+              </a:defRPr>
+            </a:lvl9pPr>
+          </a:lstStyle>
+          <a:p>
+            <a:pPr lvl="0"/>
+            <a:r>
+              <a:rPr lang="en-US" sz="8000" dirty="0">
+                <a:solidFill>
+                  <a:schemeClr val="accent1"/>
+                </a:solidFill>
+              </a:rPr>
+              <a:t>“</a:t>
+            </a:r>
+          </a:p>
+        </p:txBody>
+      </p:sp>
+      <p:sp>
+        <p:nvSpPr>
+          <p:cNvPr id="15" name="TextBox 14"/>
+          <p:cNvSpPr txBox="1"/>
+          <p:nvPr/>
+        </p:nvSpPr>
+        <p:spPr>
+          <a:xfrm>
+            <a:off x="10437812" y="2743200"/>
+            <a:ext cx="609600" cy="584776"/>
+          </a:xfrm>
+          <a:prstGeom prst="rect">
+            <a:avLst/>
+          </a:prstGeom>
+        </p:spPr>
+        <p:txBody>
+          <a:bodyPr vert="horz" lIns="91440" tIns="45720" rIns="91440" bIns="45720" rtlCol="0" anchor="ctr">
+            <a:noAutofit/>
+          </a:bodyPr>
+          <a:lstStyle>
+            <a:lvl1pPr>
+              <a:spcBef>
+                <a:spcPct val="0"/>
+              </a:spcBef>
+              <a:buNone/>
+              <a:defRPr sz="3200" b="0" cap="all">
+                <a:ln w="3175" cmpd="sng">
+                  <a:noFill/>
+                </a:ln>
+                <a:effectLst>
+                  <a:glow rad="38100">
+                    <a:schemeClr val="bg1">
+                      <a:lumMod val="65000"/>
+                      <a:lumOff val="35000"/>
+                      <a:alpha val="40000"/>
+                    </a:schemeClr>
+                  </a:glow>
+                  <a:outerShdw blurRad="28575" dist="38100" dir="14040000" algn="tl" rotWithShape="0">
+                    <a:srgbClr val="000000">
+                      <a:alpha val="25000"/>
+                    </a:srgbClr>
+                  </a:outerShdw>
+                </a:effectLst>
+              </a:defRPr>
+            </a:lvl1pPr>
+            <a:lvl2pPr>
+              <a:defRPr>
+                <a:solidFill>
+                  <a:schemeClr val="tx2"/>
+                </a:solidFill>
+              </a:defRPr>
+            </a:lvl2pPr>
+            <a:lvl3pPr>
+              <a:defRPr>
+                <a:solidFill>
+                  <a:schemeClr val="tx2"/>
+                </a:solidFill>
+              </a:defRPr>
+            </a:lvl3pPr>
+            <a:lvl4pPr>
+              <a:defRPr>
+                <a:solidFill>
+                  <a:schemeClr val="tx2"/>
+                </a:solidFill>
+              </a:defRPr>
+            </a:lvl4pPr>
+            <a:lvl5pPr>
+              <a:defRPr>
+                <a:solidFill>
+                  <a:schemeClr val="tx2"/>
+                </a:solidFill>
+              </a:defRPr>
+            </a:lvl5pPr>
+            <a:lvl6pPr>
+              <a:defRPr>
+                <a:solidFill>
+                  <a:schemeClr val="tx2"/>
+                </a:solidFill>
+              </a:defRPr>
+            </a:lvl6pPr>
+            <a:lvl7pPr>
+              <a:defRPr>
+                <a:solidFill>
+                  <a:schemeClr val="tx2"/>
+                </a:solidFill>
+              </a:defRPr>
+            </a:lvl7pPr>
+            <a:lvl8pPr>
+              <a:defRPr>
+                <a:solidFill>
+                  <a:schemeClr val="tx2"/>
+                </a:solidFill>
+              </a:defRPr>
+            </a:lvl8pPr>
+            <a:lvl9pPr>
+              <a:defRPr>
+                <a:solidFill>
+                  <a:schemeClr val="tx2"/>
+                </a:solidFill>
+              </a:defRPr>
+            </a:lvl9pPr>
+          </a:lstStyle>
+          <a:p>
+            <a:pPr lvl="0" algn="r"/>
+            <a:r>
+              <a:rPr lang="en-US" sz="8000" dirty="0">
+                <a:solidFill>
+                  <a:schemeClr val="accent1"/>
+                </a:solidFill>
+              </a:rPr>
+              <a:t>”</a:t>
+            </a:r>
+          </a:p>
+        </p:txBody>
+      </p:sp>
+      <p:sp>
+        <p:nvSpPr>
+          <p:cNvPr id="2" name="Title 1"/>
+          <p:cNvSpPr>
+            <a:spLocks noGrp="1"/>
+          </p:cNvSpPr>
+          <p:nvPr>
+            <p:ph type="title"/>
+          </p:nvPr>
+        </p:nvSpPr>
+        <p:spPr>
+          <a:xfrm>
+            <a:off x="1446213" y="609601"/>
+            <a:ext cx="9296398" cy="2743199"/>
+          </a:xfrm>
+        </p:spPr>
+        <p:txBody>
+          <a:bodyPr anchor="ctr">
+            <a:normAutofit/>
+          </a:bodyPr>
+          <a:lstStyle>
+            <a:lvl1pPr algn="l">
+              <a:defRPr sz="3200" b="0" cap="all">
+                <a:solidFill>
+                  <a:schemeClr val="tx1"/>
+                </a:solidFill>
+              </a:defRPr>
+            </a:lvl1pPr>
+          </a:lstStyle>
+          <a:p>
+            <a:r>
+              <a:rPr lang="en-US"/>
+              <a:t>Click to edit Master title style</a:t>
+            </a:r>
+            <a:endParaRPr lang="en-US" dirty="0"/>
+          </a:p>
+        </p:txBody>
+      </p:sp>
+      <p:sp>
+        <p:nvSpPr>
+          <p:cNvPr id="10" name="Text Placeholder 9"/>
+          <p:cNvSpPr>
+            <a:spLocks noGrp="1"/>
+          </p:cNvSpPr>
+          <p:nvPr>
+            <p:ph type="body" sz="quarter" idx="13"/>
+          </p:nvPr>
+        </p:nvSpPr>
+        <p:spPr>
+          <a:xfrm>
+            <a:off x="1141412" y="3886200"/>
+            <a:ext cx="9906000" cy="889000"/>
+          </a:xfrm>
+        </p:spPr>
+        <p:txBody>
+          <a:bodyPr vert="horz" lIns="91440" tIns="45720" rIns="91440" bIns="45720" rtlCol="0" anchor="b">
+            <a:normAutofit/>
+          </a:bodyPr>
+          <a:lstStyle>
+            <a:lvl1pPr>
+              <a:buNone/>
+              <a:defRPr lang="en-US" sz="2400" b="0" cap="all" dirty="0">
+                <a:ln w="3175" cmpd="sng">
+                  <a:noFill/>
+                </a:ln>
+                <a:solidFill>
+                  <a:schemeClr val="accent1"/>
+                </a:solidFill>
+                <a:effectLst>
+                  <a:glow rad="38100">
+                    <a:schemeClr val="bg1">
+                      <a:lumMod val="65000"/>
+                      <a:lumOff val="35000"/>
+                      <a:alpha val="40000"/>
+                    </a:schemeClr>
+                  </a:glow>
+                  <a:outerShdw blurRad="28575" dist="38100" dir="14040000" algn="tl" rotWithShape="0">
+                    <a:srgbClr val="000000">
+                      <a:alpha val="25000"/>
+                    </a:srgbClr>
+                  </a:outerShdw>
+                </a:effectLst>
+              </a:defRPr>
+            </a:lvl1pPr>
+          </a:lstStyle>
+          <a:p>
+            <a:pPr marL="0" lvl="0">
+              <a:spcBef>
+                <a:spcPct val="0"/>
+              </a:spcBef>
+              <a:buNone/>
+            </a:pPr>
+            <a:r>
+              <a:rPr lang="en-US"/>
+              <a:t>Click to edit Master text styles</a:t>
+            </a:r>
+          </a:p>
+        </p:txBody>
+      </p:sp>
+      <p:sp>
+        <p:nvSpPr>
+          <p:cNvPr id="3" name="Text Placeholder 2"/>
+          <p:cNvSpPr>
+            <a:spLocks noGrp="1"/>
+          </p:cNvSpPr>
+          <p:nvPr>
+            <p:ph type="body" idx="1"/>
+          </p:nvPr>
+        </p:nvSpPr>
+        <p:spPr>
+          <a:xfrm>
+            <a:off x="1141411" y="4775200"/>
+            <a:ext cx="9906000" cy="1016000"/>
+          </a:xfrm>
+        </p:spPr>
+        <p:txBody>
+          <a:bodyPr anchor="t">
+            <a:normAutofit/>
+          </a:bodyPr>
+          <a:lstStyle>
+            <a:lvl1pPr marL="0" indent="0" algn="l">
+              <a:buNone/>
+              <a:defRPr sz="1800">
+                <a:solidFill>
+                  <a:schemeClr val="tx1"/>
+                </a:solidFill>
+              </a:defRPr>
+            </a:lvl1pPr>
+            <a:lvl2pPr marL="457200" indent="0">
+              <a:buNone/>
+              <a:defRPr sz="1800">
+                <a:solidFill>
+                  <a:schemeClr val="tx1">
+                    <a:tint val="75000"/>
+                  </a:schemeClr>
+                </a:solidFill>
+              </a:defRPr>
+            </a:lvl2pPr>
+            <a:lvl3pPr marL="914400" indent="0">
+              <a:buNone/>
+              <a:defRPr sz="1600">
+                <a:solidFill>
+                  <a:schemeClr val="tx1">
+                    <a:tint val="75000"/>
+                  </a:schemeClr>
+                </a:solidFill>
+              </a:defRPr>
+            </a:lvl3pPr>
+            <a:lvl4pPr marL="1371600" indent="0">
+              <a:buNone/>
+              <a:defRPr sz="1400">
+                <a:solidFill>
+                  <a:schemeClr val="tx1">
+                    <a:tint val="75000"/>
+                  </a:schemeClr>
+                </a:solidFill>
+              </a:defRPr>
+            </a:lvl4pPr>
+            <a:lvl5pPr marL="1828800" indent="0">
+              <a:buNone/>
+              <a:defRPr sz="1400">
+                <a:solidFill>
+                  <a:schemeClr val="tx1">
+                    <a:tint val="75000"/>
+                  </a:schemeClr>
+                </a:solidFill>
+              </a:defRPr>
+            </a:lvl5pPr>
+            <a:lvl6pPr marL="2286000" indent="0">
+              <a:buNone/>
+              <a:defRPr sz="1400">
+                <a:solidFill>
+                  <a:schemeClr val="tx1">
+                    <a:tint val="75000"/>
+                  </a:schemeClr>
+                </a:solidFill>
+              </a:defRPr>
+            </a:lvl6pPr>
+            <a:lvl7pPr marL="2743200" indent="0">
+              <a:buNone/>
+              <a:defRPr sz="1400">
+                <a:solidFill>
+                  <a:schemeClr val="tx1">
+                    <a:tint val="75000"/>
+                  </a:schemeClr>
+                </a:solidFill>
+              </a:defRPr>
+            </a:lvl7pPr>
+            <a:lvl8pPr marL="3200400" indent="0">
+              <a:buNone/>
+              <a:defRPr sz="1400">
+                <a:solidFill>
+                  <a:schemeClr val="tx1">
+                    <a:tint val="75000"/>
+                  </a:schemeClr>
+                </a:solidFill>
+              </a:defRPr>
+            </a:lvl8pPr>
+            <a:lvl9pPr marL="3657600" indent="0">
+              <a:buNone/>
+              <a:defRPr sz="1400">
+                <a:solidFill>
+                  <a:schemeClr val="tx1">
+                    <a:tint val="75000"/>
+                  </a:schemeClr>
+                </a:solidFill>
+              </a:defRPr>
+            </a:lvl9pPr>
+          </a:lstStyle>
+          <a:p>
+            <a:pPr lvl="0"/>
+            <a:r>
+              <a:rPr lang="en-US"/>
+              <a:t>Click to edit Master text styles</a:t>
+            </a:r>
+          </a:p>
+        </p:txBody>
+      </p:sp>
+      <p:sp>
+        <p:nvSpPr>
+          <p:cNvPr id="4" name="Date Placeholder 3"/>
+          <p:cNvSpPr>
+            <a:spLocks noGrp="1"/>
+          </p:cNvSpPr>
+          <p:nvPr>
+            <p:ph type="dt" sz="half" idx="10"/>
+          </p:nvPr>
+        </p:nvSpPr>
+        <p:spPr/>
+        <p:txBody>
+          <a:bodyPr/>
+          <a:lstStyle/>
+          <a:p>
+            <a:fld id="{07F39D79-7497-4A8A-8B71-6E93BD0E3C8A}" type="datetimeFigureOut">
+              <a:rPr lang="en-GB" smtClean="0"/>
+              <a:t>09/05/2025</a:t>
+            </a:fld>
+            <a:endParaRPr lang="en-GB"/>
+          </a:p>
+        </p:txBody>
+      </p:sp>
+      <p:sp>
+        <p:nvSpPr>
+          <p:cNvPr id="5" name="Footer Placeholder 4"/>
+          <p:cNvSpPr>
+            <a:spLocks noGrp="1"/>
+          </p:cNvSpPr>
+          <p:nvPr>
+            <p:ph type="ftr" sz="quarter" idx="11"/>
+          </p:nvPr>
+        </p:nvSpPr>
+        <p:spPr/>
+        <p:txBody>
+          <a:bodyPr/>
+          <a:lstStyle/>
+          <a:p>
+            <a:endParaRPr lang="en-GB"/>
+          </a:p>
+        </p:txBody>
+      </p:sp>
+      <p:sp>
+        <p:nvSpPr>
+          <p:cNvPr id="6" name="Slide Number Placeholder 5"/>
+          <p:cNvSpPr>
+            <a:spLocks noGrp="1"/>
+          </p:cNvSpPr>
+          <p:nvPr>
+            <p:ph type="sldNum" sz="quarter" idx="12"/>
+          </p:nvPr>
+        </p:nvSpPr>
+        <p:spPr/>
+        <p:txBody>
+          <a:bodyPr/>
+          <a:lstStyle/>
+          <a:p>
+            <a:fld id="{72CA6238-AA6B-4F97-ACEA-BB191892FFC8}" type="slidenum">
+              <a:rPr lang="en-GB" smtClean="0"/>
+              <a:t>‹#›</a:t>
+            </a:fld>
+            <a:endParaRPr lang="en-GB"/>
+          </a:p>
+        </p:txBody>
+      </p:sp>
+    </p:spTree>
+    <p:extLst>
+      <p:ext uri="{BB962C8B-B14F-4D97-AF65-F5344CB8AC3E}">
+        <p14:creationId xmlns:p14="http://schemas.microsoft.com/office/powerpoint/2010/main" val="2341708581"/>
+      </p:ext>
+    </p:extLst>
+  </p:cSld>
+  <p:clrMapOvr>
+    <a:masterClrMapping/>
+  </p:clrMapOvr>
+</p:sldLayout>
+</file>
+
+<file path=ppt/slideLayouts/slideLayout15.xml><?xml version="1.0" encoding="utf-8"?>
+<p:sldLayout xmlns:a="http://schemas.openxmlformats.org/drawingml/2006/main" xmlns:r="http://schemas.openxmlformats.org/officeDocument/2006/relationships" xmlns:p="http://schemas.openxmlformats.org/presentationml/2006/main" preserve="1">
+  <p:cSld name="True or False">
+    <p:spTree>
+      <p:nvGrpSpPr>
+        <p:cNvPr id="1" name=""/>
+        <p:cNvGrpSpPr/>
+        <p:nvPr/>
+      </p:nvGrpSpPr>
+      <p:grpSpPr>
+        <a:xfrm>
+          <a:off x="0" y="0"/>
+          <a:ext cx="0" cy="0"/>
+          <a:chOff x="0" y="0"/>
+          <a:chExt cx="0" cy="0"/>
+        </a:xfrm>
+      </p:grpSpPr>
+      <p:sp>
+        <p:nvSpPr>
+          <p:cNvPr id="2" name="Title 1"/>
+          <p:cNvSpPr>
+            <a:spLocks noGrp="1"/>
+          </p:cNvSpPr>
+          <p:nvPr>
+            <p:ph type="title"/>
+          </p:nvPr>
+        </p:nvSpPr>
+        <p:spPr>
+          <a:xfrm>
+            <a:off x="1141412" y="609601"/>
+            <a:ext cx="9905999" cy="2743199"/>
+          </a:xfrm>
+        </p:spPr>
+        <p:txBody>
+          <a:bodyPr vert="horz" lIns="91440" tIns="45720" rIns="91440" bIns="45720" rtlCol="0" anchor="ctr">
+            <a:normAutofit/>
+          </a:bodyPr>
+          <a:lstStyle>
+            <a:lvl1pPr>
+              <a:defRPr lang="en-US" b="0" dirty="0"/>
+            </a:lvl1pPr>
+          </a:lstStyle>
+          <a:p>
+            <a:pPr marL="0" lvl="0"/>
+            <a:r>
+              <a:rPr lang="en-US"/>
+              <a:t>Click to edit Master title style</a:t>
+            </a:r>
+            <a:endParaRPr lang="en-US" dirty="0"/>
+          </a:p>
+        </p:txBody>
+      </p:sp>
+      <p:sp>
+        <p:nvSpPr>
+          <p:cNvPr id="10" name="Text Placeholder 9"/>
+          <p:cNvSpPr>
+            <a:spLocks noGrp="1"/>
+          </p:cNvSpPr>
+          <p:nvPr>
+            <p:ph type="body" sz="quarter" idx="13"/>
+          </p:nvPr>
+        </p:nvSpPr>
+        <p:spPr>
+          <a:xfrm>
+            <a:off x="1141412" y="3505200"/>
+            <a:ext cx="9906000" cy="838200"/>
+          </a:xfrm>
+        </p:spPr>
+        <p:txBody>
+          <a:bodyPr vert="horz" lIns="91440" tIns="45720" rIns="91440" bIns="45720" rtlCol="0" anchor="b">
+            <a:normAutofit/>
+          </a:bodyPr>
+          <a:lstStyle>
+            <a:lvl1pPr>
+              <a:buNone/>
+              <a:defRPr lang="en-US" sz="2800" b="0" cap="all" dirty="0">
+                <a:ln w="3175" cmpd="sng">
+                  <a:noFill/>
+                </a:ln>
+                <a:solidFill>
+                  <a:schemeClr val="tx1"/>
+                </a:solidFill>
+                <a:effectLst>
+                  <a:glow rad="38100">
+                    <a:schemeClr val="bg1">
+                      <a:lumMod val="65000"/>
+                      <a:lumOff val="35000"/>
+                      <a:alpha val="40000"/>
+                    </a:schemeClr>
+                  </a:glow>
+                  <a:outerShdw blurRad="28575" dist="38100" dir="14040000" algn="tl" rotWithShape="0">
+                    <a:srgbClr val="000000">
+                      <a:alpha val="25000"/>
+                    </a:srgbClr>
+                  </a:outerShdw>
+                </a:effectLst>
+              </a:defRPr>
+            </a:lvl1pPr>
+          </a:lstStyle>
+          <a:p>
+            <a:pPr marL="0" lvl="0">
+              <a:spcBef>
+                <a:spcPct val="0"/>
+              </a:spcBef>
+              <a:buNone/>
+            </a:pPr>
+            <a:r>
+              <a:rPr lang="en-US"/>
+              <a:t>Click to edit Master text styles</a:t>
+            </a:r>
+          </a:p>
+        </p:txBody>
+      </p:sp>
+      <p:sp>
+        <p:nvSpPr>
+          <p:cNvPr id="3" name="Text Placeholder 2"/>
+          <p:cNvSpPr>
+            <a:spLocks noGrp="1"/>
+          </p:cNvSpPr>
+          <p:nvPr>
+            <p:ph type="body" idx="1"/>
+          </p:nvPr>
+        </p:nvSpPr>
+        <p:spPr>
+          <a:xfrm>
+            <a:off x="1141411" y="4343400"/>
+            <a:ext cx="9906000" cy="1447800"/>
+          </a:xfrm>
+        </p:spPr>
+        <p:txBody>
+          <a:bodyPr anchor="t">
+            <a:normAutofit/>
+          </a:bodyPr>
+          <a:lstStyle>
+            <a:lvl1pPr marL="0" indent="0" algn="l">
+              <a:buNone/>
+              <a:defRPr sz="1800">
+                <a:solidFill>
+                  <a:schemeClr val="tx1"/>
+                </a:solidFill>
+              </a:defRPr>
+            </a:lvl1pPr>
+            <a:lvl2pPr marL="457200" indent="0">
+              <a:buNone/>
+              <a:defRPr sz="1800">
+                <a:solidFill>
+                  <a:schemeClr val="tx1">
+                    <a:tint val="75000"/>
+                  </a:schemeClr>
+                </a:solidFill>
+              </a:defRPr>
+            </a:lvl2pPr>
+            <a:lvl3pPr marL="914400" indent="0">
+              <a:buNone/>
+              <a:defRPr sz="1600">
+                <a:solidFill>
+                  <a:schemeClr val="tx1">
+                    <a:tint val="75000"/>
+                  </a:schemeClr>
+                </a:solidFill>
+              </a:defRPr>
+            </a:lvl3pPr>
+            <a:lvl4pPr marL="1371600" indent="0">
+              <a:buNone/>
+              <a:defRPr sz="1400">
+                <a:solidFill>
+                  <a:schemeClr val="tx1">
+                    <a:tint val="75000"/>
+                  </a:schemeClr>
+                </a:solidFill>
+              </a:defRPr>
+            </a:lvl4pPr>
+            <a:lvl5pPr marL="1828800" indent="0">
+              <a:buNone/>
+              <a:defRPr sz="1400">
+                <a:solidFill>
+                  <a:schemeClr val="tx1">
+                    <a:tint val="75000"/>
+                  </a:schemeClr>
+                </a:solidFill>
+              </a:defRPr>
+            </a:lvl5pPr>
+            <a:lvl6pPr marL="2286000" indent="0">
+              <a:buNone/>
+              <a:defRPr sz="1400">
+                <a:solidFill>
+                  <a:schemeClr val="tx1">
+                    <a:tint val="75000"/>
+                  </a:schemeClr>
+                </a:solidFill>
+              </a:defRPr>
+            </a:lvl6pPr>
+            <a:lvl7pPr marL="2743200" indent="0">
+              <a:buNone/>
+              <a:defRPr sz="1400">
+                <a:solidFill>
+                  <a:schemeClr val="tx1">
+                    <a:tint val="75000"/>
+                  </a:schemeClr>
+                </a:solidFill>
+              </a:defRPr>
+            </a:lvl7pPr>
+            <a:lvl8pPr marL="3200400" indent="0">
+              <a:buNone/>
+              <a:defRPr sz="1400">
+                <a:solidFill>
+                  <a:schemeClr val="tx1">
+                    <a:tint val="75000"/>
+                  </a:schemeClr>
+                </a:solidFill>
+              </a:defRPr>
+            </a:lvl8pPr>
+            <a:lvl9pPr marL="3657600" indent="0">
+              <a:buNone/>
+              <a:defRPr sz="1400">
+                <a:solidFill>
+                  <a:schemeClr val="tx1">
+                    <a:tint val="75000"/>
+                  </a:schemeClr>
+                </a:solidFill>
+              </a:defRPr>
+            </a:lvl9pPr>
+          </a:lstStyle>
+          <a:p>
+            <a:pPr lvl="0"/>
+            <a:r>
+              <a:rPr lang="en-US"/>
+              <a:t>Click to edit Master text styles</a:t>
+            </a:r>
+          </a:p>
+        </p:txBody>
+      </p:sp>
+      <p:sp>
+        <p:nvSpPr>
+          <p:cNvPr id="4" name="Date Placeholder 3"/>
+          <p:cNvSpPr>
+            <a:spLocks noGrp="1"/>
+          </p:cNvSpPr>
+          <p:nvPr>
+            <p:ph type="dt" sz="half" idx="10"/>
+          </p:nvPr>
+        </p:nvSpPr>
+        <p:spPr/>
+        <p:txBody>
+          <a:bodyPr/>
+          <a:lstStyle/>
+          <a:p>
+            <a:fld id="{07F39D79-7497-4A8A-8B71-6E93BD0E3C8A}" type="datetimeFigureOut">
+              <a:rPr lang="en-GB" smtClean="0"/>
+              <a:t>09/05/2025</a:t>
+            </a:fld>
+            <a:endParaRPr lang="en-GB"/>
+          </a:p>
+        </p:txBody>
+      </p:sp>
+      <p:sp>
+        <p:nvSpPr>
+          <p:cNvPr id="5" name="Footer Placeholder 4"/>
+          <p:cNvSpPr>
+            <a:spLocks noGrp="1"/>
+          </p:cNvSpPr>
+          <p:nvPr>
+            <p:ph type="ftr" sz="quarter" idx="11"/>
+          </p:nvPr>
+        </p:nvSpPr>
+        <p:spPr/>
+        <p:txBody>
+          <a:bodyPr/>
+          <a:lstStyle/>
+          <a:p>
+            <a:endParaRPr lang="en-GB"/>
+          </a:p>
+        </p:txBody>
+      </p:sp>
+      <p:sp>
+        <p:nvSpPr>
+          <p:cNvPr id="6" name="Slide Number Placeholder 5"/>
+          <p:cNvSpPr>
+            <a:spLocks noGrp="1"/>
+          </p:cNvSpPr>
+          <p:nvPr>
+            <p:ph type="sldNum" sz="quarter" idx="12"/>
+          </p:nvPr>
+        </p:nvSpPr>
+        <p:spPr/>
+        <p:txBody>
+          <a:bodyPr/>
+          <a:lstStyle/>
+          <a:p>
+            <a:fld id="{72CA6238-AA6B-4F97-ACEA-BB191892FFC8}" type="slidenum">
+              <a:rPr lang="en-GB" smtClean="0"/>
+              <a:t>‹#›</a:t>
+            </a:fld>
+            <a:endParaRPr lang="en-GB"/>
+          </a:p>
+        </p:txBody>
+      </p:sp>
+    </p:spTree>
+    <p:extLst>
+      <p:ext uri="{BB962C8B-B14F-4D97-AF65-F5344CB8AC3E}">
+        <p14:creationId xmlns:p14="http://schemas.microsoft.com/office/powerpoint/2010/main" val="3743379691"/>
+      </p:ext>
+    </p:extLst>
+  </p:cSld>
+  <p:clrMapOvr>
+    <a:masterClrMapping/>
+  </p:clrMapOvr>
+</p:sldLayout>
+</file>
+
+<file path=ppt/slideLayouts/slideLayout16.xml><?xml version="1.0" encoding="utf-8"?>
 <p:sldLayout xmlns:a="http://schemas.openxmlformats.org/drawingml/2006/main" xmlns:r="http://schemas.openxmlformats.org/officeDocument/2006/relationships" xmlns:p="http://schemas.openxmlformats.org/presentationml/2006/main" type="vertTx" preserve="1">
   <p:cSld name="Title and Vertical Text">
     <p:spTree>
@@ -350,13 +2628,7 @@
       </p:grpSpPr>
       <p:sp>
         <p:nvSpPr>
-          <p:cNvPr id="2" name="Title 1">
-            <a:extLst>
-              <a:ext uri="{FF2B5EF4-FFF2-40B4-BE49-F238E27FC236}">
-                <a16:creationId xmlns:a16="http://schemas.microsoft.com/office/drawing/2014/main" id="{AD5D8CD2-D6E7-83C4-78DE-0D77B76EC2A4}"/>
-              </a:ext>
-            </a:extLst>
-          </p:cNvPr>
+          <p:cNvPr id="7" name="Title 1"/>
           <p:cNvSpPr>
             <a:spLocks noGrp="1"/>
           </p:cNvSpPr>
@@ -364,7 +2636,12 @@
             <p:ph type="title"/>
           </p:nvPr>
         </p:nvSpPr>
-        <p:spPr/>
+        <p:spPr>
+          <a:xfrm>
+            <a:off x="1141413" y="609600"/>
+            <a:ext cx="9905998" cy="1905000"/>
+          </a:xfrm>
+        </p:spPr>
         <p:txBody>
           <a:bodyPr/>
           <a:lstStyle/>
@@ -373,19 +2650,13 @@
               <a:rPr lang="en-US"/>
               <a:t>Click to edit Master title style</a:t>
             </a:r>
-            <a:endParaRPr lang="en-GB"/>
-          </a:p>
-        </p:txBody>
-      </p:sp>
-      <p:sp>
-        <p:nvSpPr>
-          <p:cNvPr id="3" name="Vertical Text Placeholder 2">
-            <a:extLst>
-              <a:ext uri="{FF2B5EF4-FFF2-40B4-BE49-F238E27FC236}">
-                <a16:creationId xmlns:a16="http://schemas.microsoft.com/office/drawing/2014/main" id="{548BB9FB-6E53-50C5-B496-9151AE13B5A2}"/>
-              </a:ext>
-            </a:extLst>
-          </p:cNvPr>
+            <a:endParaRPr lang="en-US" dirty="0"/>
+          </a:p>
+        </p:txBody>
+      </p:sp>
+      <p:sp>
+        <p:nvSpPr>
+          <p:cNvPr id="3" name="Vertical Text Placeholder 2"/>
           <p:cNvSpPr>
             <a:spLocks noGrp="1"/>
           </p:cNvSpPr>
@@ -395,7 +2666,7 @@
         </p:nvSpPr>
         <p:spPr/>
         <p:txBody>
-          <a:bodyPr vert="eaVert"/>
+          <a:bodyPr vert="eaVert" anchor="t"/>
           <a:lstStyle/>
           <a:p>
             <a:pPr lvl="0"/>
@@ -431,19 +2702,13 @@
               <a:rPr lang="en-US"/>
               <a:t>Fifth level</a:t>
             </a:r>
-            <a:endParaRPr lang="en-GB"/>
-          </a:p>
-        </p:txBody>
-      </p:sp>
-      <p:sp>
-        <p:nvSpPr>
-          <p:cNvPr id="4" name="Date Placeholder 3">
-            <a:extLst>
-              <a:ext uri="{FF2B5EF4-FFF2-40B4-BE49-F238E27FC236}">
-                <a16:creationId xmlns:a16="http://schemas.microsoft.com/office/drawing/2014/main" id="{4F25F972-ACC2-2272-C6C4-6C96DEE21AC0}"/>
-              </a:ext>
-            </a:extLst>
-          </p:cNvPr>
+            <a:endParaRPr lang="en-US" dirty="0"/>
+          </a:p>
+        </p:txBody>
+      </p:sp>
+      <p:sp>
+        <p:nvSpPr>
+          <p:cNvPr id="4" name="Date Placeholder 3"/>
           <p:cNvSpPr>
             <a:spLocks noGrp="1"/>
           </p:cNvSpPr>
@@ -458,7 +2723,7 @@
           <a:p>
             <a:fld id="{07F39D79-7497-4A8A-8B71-6E93BD0E3C8A}" type="datetimeFigureOut">
               <a:rPr lang="en-GB" smtClean="0"/>
-              <a:t>29/04/2025</a:t>
+              <a:t>09/05/2025</a:t>
             </a:fld>
             <a:endParaRPr lang="en-GB"/>
           </a:p>
@@ -466,13 +2731,7 @@
       </p:sp>
       <p:sp>
         <p:nvSpPr>
-          <p:cNvPr id="5" name="Footer Placeholder 4">
-            <a:extLst>
-              <a:ext uri="{FF2B5EF4-FFF2-40B4-BE49-F238E27FC236}">
-                <a16:creationId xmlns:a16="http://schemas.microsoft.com/office/drawing/2014/main" id="{706C0101-23DC-3623-8280-0CE491E2CA89}"/>
-              </a:ext>
-            </a:extLst>
-          </p:cNvPr>
+          <p:cNvPr id="5" name="Footer Placeholder 4"/>
           <p:cNvSpPr>
             <a:spLocks noGrp="1"/>
           </p:cNvSpPr>
@@ -491,13 +2750,7 @@
       </p:sp>
       <p:sp>
         <p:nvSpPr>
-          <p:cNvPr id="6" name="Slide Number Placeholder 5">
-            <a:extLst>
-              <a:ext uri="{FF2B5EF4-FFF2-40B4-BE49-F238E27FC236}">
-                <a16:creationId xmlns:a16="http://schemas.microsoft.com/office/drawing/2014/main" id="{5C3FEB50-E3D3-03A7-62EF-47D599161472}"/>
-              </a:ext>
-            </a:extLst>
-          </p:cNvPr>
+          <p:cNvPr id="6" name="Slide Number Placeholder 5"/>
           <p:cNvSpPr>
             <a:spLocks noGrp="1"/>
           </p:cNvSpPr>
@@ -521,7 +2774,7 @@
     </p:spTree>
     <p:extLst>
       <p:ext uri="{BB962C8B-B14F-4D97-AF65-F5344CB8AC3E}">
-        <p14:creationId xmlns:p14="http://schemas.microsoft.com/office/powerpoint/2010/main" val="705166591"/>
+        <p14:creationId xmlns:p14="http://schemas.microsoft.com/office/powerpoint/2010/main" val="3407870359"/>
       </p:ext>
     </p:extLst>
   </p:cSld>
@@ -531,7 +2784,7 @@
 </p:sldLayout>
 </file>
 
-<file path=ppt/slideLayouts/slideLayout11.xml><?xml version="1.0" encoding="utf-8"?>
+<file path=ppt/slideLayouts/slideLayout17.xml><?xml version="1.0" encoding="utf-8"?>
 <p:sldLayout xmlns:a="http://schemas.openxmlformats.org/drawingml/2006/main" xmlns:r="http://schemas.openxmlformats.org/officeDocument/2006/relationships" xmlns:p="http://schemas.openxmlformats.org/presentationml/2006/main" type="vertTitleAndTx" preserve="1">
   <p:cSld name="Vertical Title and Text">
     <p:spTree>
@@ -550,13 +2803,7 @@
       </p:grpSpPr>
       <p:sp>
         <p:nvSpPr>
-          <p:cNvPr id="2" name="Vertical Title 1">
-            <a:extLst>
-              <a:ext uri="{FF2B5EF4-FFF2-40B4-BE49-F238E27FC236}">
-                <a16:creationId xmlns:a16="http://schemas.microsoft.com/office/drawing/2014/main" id="{AB35BB0F-4148-4B02-5A5D-DA031CBBA822}"/>
-              </a:ext>
-            </a:extLst>
-          </p:cNvPr>
+          <p:cNvPr id="2" name="Vertical Title 1"/>
           <p:cNvSpPr>
             <a:spLocks noGrp="1"/>
           </p:cNvSpPr>
@@ -566,8 +2813,8 @@
         </p:nvSpPr>
         <p:spPr>
           <a:xfrm>
-            <a:off x="8724900" y="365125"/>
-            <a:ext cx="2628900" cy="5811838"/>
+            <a:off x="8836898" y="609599"/>
+            <a:ext cx="2210514" cy="5181601"/>
           </a:xfrm>
         </p:spPr>
         <p:txBody>
@@ -578,19 +2825,13 @@
               <a:rPr lang="en-US"/>
               <a:t>Click to edit Master title style</a:t>
             </a:r>
-            <a:endParaRPr lang="en-GB"/>
-          </a:p>
-        </p:txBody>
-      </p:sp>
-      <p:sp>
-        <p:nvSpPr>
-          <p:cNvPr id="3" name="Vertical Text Placeholder 2">
-            <a:extLst>
-              <a:ext uri="{FF2B5EF4-FFF2-40B4-BE49-F238E27FC236}">
-                <a16:creationId xmlns:a16="http://schemas.microsoft.com/office/drawing/2014/main" id="{0972305E-99B0-2739-FF8C-61799CA20B2B}"/>
-              </a:ext>
-            </a:extLst>
-          </p:cNvPr>
+            <a:endParaRPr lang="en-US" dirty="0"/>
+          </a:p>
+        </p:txBody>
+      </p:sp>
+      <p:sp>
+        <p:nvSpPr>
+          <p:cNvPr id="3" name="Vertical Text Placeholder 2"/>
           <p:cNvSpPr>
             <a:spLocks noGrp="1"/>
           </p:cNvSpPr>
@@ -600,12 +2841,12 @@
         </p:nvSpPr>
         <p:spPr>
           <a:xfrm>
-            <a:off x="838200" y="365125"/>
-            <a:ext cx="7734300" cy="5811838"/>
+            <a:off x="1141412" y="609600"/>
+            <a:ext cx="7543800" cy="5181600"/>
           </a:xfrm>
         </p:spPr>
         <p:txBody>
-          <a:bodyPr vert="eaVert"/>
+          <a:bodyPr vert="eaVert" anchor="t"/>
           <a:lstStyle/>
           <a:p>
             <a:pPr lvl="0"/>
@@ -641,19 +2882,13 @@
               <a:rPr lang="en-US"/>
               <a:t>Fifth level</a:t>
             </a:r>
-            <a:endParaRPr lang="en-GB"/>
-          </a:p>
-        </p:txBody>
-      </p:sp>
-      <p:sp>
-        <p:nvSpPr>
-          <p:cNvPr id="4" name="Date Placeholder 3">
-            <a:extLst>
-              <a:ext uri="{FF2B5EF4-FFF2-40B4-BE49-F238E27FC236}">
-                <a16:creationId xmlns:a16="http://schemas.microsoft.com/office/drawing/2014/main" id="{B8571B7E-4403-65AE-05FD-68D2384F9689}"/>
-              </a:ext>
-            </a:extLst>
-          </p:cNvPr>
+            <a:endParaRPr lang="en-US" dirty="0"/>
+          </a:p>
+        </p:txBody>
+      </p:sp>
+      <p:sp>
+        <p:nvSpPr>
+          <p:cNvPr id="4" name="Date Placeholder 3"/>
           <p:cNvSpPr>
             <a:spLocks noGrp="1"/>
           </p:cNvSpPr>
@@ -668,7 +2903,7 @@
           <a:p>
             <a:fld id="{07F39D79-7497-4A8A-8B71-6E93BD0E3C8A}" type="datetimeFigureOut">
               <a:rPr lang="en-GB" smtClean="0"/>
-              <a:t>29/04/2025</a:t>
+              <a:t>09/05/2025</a:t>
             </a:fld>
             <a:endParaRPr lang="en-GB"/>
           </a:p>
@@ -676,13 +2911,7 @@
       </p:sp>
       <p:sp>
         <p:nvSpPr>
-          <p:cNvPr id="5" name="Footer Placeholder 4">
-            <a:extLst>
-              <a:ext uri="{FF2B5EF4-FFF2-40B4-BE49-F238E27FC236}">
-                <a16:creationId xmlns:a16="http://schemas.microsoft.com/office/drawing/2014/main" id="{0EDEC835-DAA1-E67D-E99D-E7EE2F307B5D}"/>
-              </a:ext>
-            </a:extLst>
-          </p:cNvPr>
+          <p:cNvPr id="5" name="Footer Placeholder 4"/>
           <p:cNvSpPr>
             <a:spLocks noGrp="1"/>
           </p:cNvSpPr>
@@ -701,13 +2930,7 @@
       </p:sp>
       <p:sp>
         <p:nvSpPr>
-          <p:cNvPr id="6" name="Slide Number Placeholder 5">
-            <a:extLst>
-              <a:ext uri="{FF2B5EF4-FFF2-40B4-BE49-F238E27FC236}">
-                <a16:creationId xmlns:a16="http://schemas.microsoft.com/office/drawing/2014/main" id="{A4B1A1F1-E1DC-55A2-73F9-AF801A344FA8}"/>
-              </a:ext>
-            </a:extLst>
-          </p:cNvPr>
+          <p:cNvPr id="6" name="Slide Number Placeholder 5"/>
           <p:cNvSpPr>
             <a:spLocks noGrp="1"/>
           </p:cNvSpPr>
@@ -731,7 +2954,7 @@
     </p:spTree>
     <p:extLst>
       <p:ext uri="{BB962C8B-B14F-4D97-AF65-F5344CB8AC3E}">
-        <p14:creationId xmlns:p14="http://schemas.microsoft.com/office/powerpoint/2010/main" val="1666112657"/>
+        <p14:creationId xmlns:p14="http://schemas.microsoft.com/office/powerpoint/2010/main" val="2616548714"/>
       </p:ext>
     </p:extLst>
   </p:cSld>
@@ -760,13 +2983,7 @@
       </p:grpSpPr>
       <p:sp>
         <p:nvSpPr>
-          <p:cNvPr id="2" name="Title 1">
-            <a:extLst>
-              <a:ext uri="{FF2B5EF4-FFF2-40B4-BE49-F238E27FC236}">
-                <a16:creationId xmlns:a16="http://schemas.microsoft.com/office/drawing/2014/main" id="{5C871CA3-8881-A934-1C45-A1DA891B277B}"/>
-              </a:ext>
-            </a:extLst>
-          </p:cNvPr>
+          <p:cNvPr id="2" name="Title 1"/>
           <p:cNvSpPr>
             <a:spLocks noGrp="1"/>
           </p:cNvSpPr>
@@ -783,24 +3000,70 @@
               <a:rPr lang="en-US"/>
               <a:t>Click to edit Master title style</a:t>
             </a:r>
-            <a:endParaRPr lang="en-GB"/>
-          </a:p>
-        </p:txBody>
-      </p:sp>
-      <p:sp>
-        <p:nvSpPr>
-          <p:cNvPr id="3" name="Content Placeholder 2">
-            <a:extLst>
-              <a:ext uri="{FF2B5EF4-FFF2-40B4-BE49-F238E27FC236}">
-                <a16:creationId xmlns:a16="http://schemas.microsoft.com/office/drawing/2014/main" id="{23A5843F-1357-6694-5367-E2227E21632C}"/>
-              </a:ext>
-            </a:extLst>
-          </p:cNvPr>
+            <a:endParaRPr lang="en-US" dirty="0"/>
+          </a:p>
+        </p:txBody>
+      </p:sp>
+      <p:sp>
+        <p:nvSpPr>
+          <p:cNvPr id="3" name="Content Placeholder 2"/>
           <p:cNvSpPr>
             <a:spLocks noGrp="1"/>
           </p:cNvSpPr>
           <p:nvPr>
             <p:ph idx="1"/>
+          </p:nvPr>
+        </p:nvSpPr>
+        <p:spPr/>
+        <p:txBody>
+          <a:bodyPr anchor="ctr"/>
+          <a:lstStyle/>
+          <a:p>
+            <a:pPr lvl="0"/>
+            <a:r>
+              <a:rPr lang="en-US"/>
+              <a:t>Click to edit Master text styles</a:t>
+            </a:r>
+          </a:p>
+          <a:p>
+            <a:pPr lvl="1"/>
+            <a:r>
+              <a:rPr lang="en-US"/>
+              <a:t>Second level</a:t>
+            </a:r>
+          </a:p>
+          <a:p>
+            <a:pPr lvl="2"/>
+            <a:r>
+              <a:rPr lang="en-US"/>
+              <a:t>Third level</a:t>
+            </a:r>
+          </a:p>
+          <a:p>
+            <a:pPr lvl="3"/>
+            <a:r>
+              <a:rPr lang="en-US"/>
+              <a:t>Fourth level</a:t>
+            </a:r>
+          </a:p>
+          <a:p>
+            <a:pPr lvl="4"/>
+            <a:r>
+              <a:rPr lang="en-US"/>
+              <a:t>Fifth level</a:t>
+            </a:r>
+            <a:endParaRPr lang="en-US" dirty="0"/>
+          </a:p>
+        </p:txBody>
+      </p:sp>
+      <p:sp>
+        <p:nvSpPr>
+          <p:cNvPr id="4" name="Date Placeholder 3"/>
+          <p:cNvSpPr>
+            <a:spLocks noGrp="1"/>
+          </p:cNvSpPr>
+          <p:nvPr>
+            <p:ph type="dt" sz="half" idx="10"/>
           </p:nvPr>
         </p:nvSpPr>
         <p:spPr/>
@@ -808,57 +3071,22 @@
           <a:bodyPr/>
           <a:lstStyle/>
           <a:p>
-            <a:pPr lvl="0"/>
-            <a:r>
-              <a:rPr lang="en-US"/>
-              <a:t>Click to edit Master text styles</a:t>
-            </a:r>
-          </a:p>
-          <a:p>
-            <a:pPr lvl="1"/>
-            <a:r>
-              <a:rPr lang="en-US"/>
-              <a:t>Second level</a:t>
-            </a:r>
-          </a:p>
-          <a:p>
-            <a:pPr lvl="2"/>
-            <a:r>
-              <a:rPr lang="en-US"/>
-              <a:t>Third level</a:t>
-            </a:r>
-          </a:p>
-          <a:p>
-            <a:pPr lvl="3"/>
-            <a:r>
-              <a:rPr lang="en-US"/>
-              <a:t>Fourth level</a:t>
-            </a:r>
-          </a:p>
-          <a:p>
-            <a:pPr lvl="4"/>
-            <a:r>
-              <a:rPr lang="en-US"/>
-              <a:t>Fifth level</a:t>
-            </a:r>
+            <a:fld id="{07F39D79-7497-4A8A-8B71-6E93BD0E3C8A}" type="datetimeFigureOut">
+              <a:rPr lang="en-GB" smtClean="0"/>
+              <a:t>09/05/2025</a:t>
+            </a:fld>
             <a:endParaRPr lang="en-GB"/>
           </a:p>
         </p:txBody>
       </p:sp>
       <p:sp>
         <p:nvSpPr>
-          <p:cNvPr id="4" name="Date Placeholder 3">
-            <a:extLst>
-              <a:ext uri="{FF2B5EF4-FFF2-40B4-BE49-F238E27FC236}">
-                <a16:creationId xmlns:a16="http://schemas.microsoft.com/office/drawing/2014/main" id="{619C39EA-27CC-AFC5-9704-5C2823EE4AF3}"/>
-              </a:ext>
-            </a:extLst>
-          </p:cNvPr>
-          <p:cNvSpPr>
-            <a:spLocks noGrp="1"/>
-          </p:cNvSpPr>
-          <p:nvPr>
-            <p:ph type="dt" sz="half" idx="10"/>
+          <p:cNvPr id="5" name="Footer Placeholder 4"/>
+          <p:cNvSpPr>
+            <a:spLocks noGrp="1"/>
+          </p:cNvSpPr>
+          <p:nvPr>
+            <p:ph type="ftr" sz="quarter" idx="11"/>
           </p:nvPr>
         </p:nvSpPr>
         <p:spPr/>
@@ -866,48 +3094,13 @@
           <a:bodyPr/>
           <a:lstStyle/>
           <a:p>
-            <a:fld id="{07F39D79-7497-4A8A-8B71-6E93BD0E3C8A}" type="datetimeFigureOut">
-              <a:rPr lang="en-GB" smtClean="0"/>
-              <a:t>29/04/2025</a:t>
-            </a:fld>
             <a:endParaRPr lang="en-GB"/>
           </a:p>
         </p:txBody>
       </p:sp>
       <p:sp>
         <p:nvSpPr>
-          <p:cNvPr id="5" name="Footer Placeholder 4">
-            <a:extLst>
-              <a:ext uri="{FF2B5EF4-FFF2-40B4-BE49-F238E27FC236}">
-                <a16:creationId xmlns:a16="http://schemas.microsoft.com/office/drawing/2014/main" id="{210827E5-5851-3007-0008-C7470A54FFFB}"/>
-              </a:ext>
-            </a:extLst>
-          </p:cNvPr>
-          <p:cNvSpPr>
-            <a:spLocks noGrp="1"/>
-          </p:cNvSpPr>
-          <p:nvPr>
-            <p:ph type="ftr" sz="quarter" idx="11"/>
-          </p:nvPr>
-        </p:nvSpPr>
-        <p:spPr/>
-        <p:txBody>
-          <a:bodyPr/>
-          <a:lstStyle/>
-          <a:p>
-            <a:endParaRPr lang="en-GB"/>
-          </a:p>
-        </p:txBody>
-      </p:sp>
-      <p:sp>
-        <p:nvSpPr>
-          <p:cNvPr id="6" name="Slide Number Placeholder 5">
-            <a:extLst>
-              <a:ext uri="{FF2B5EF4-FFF2-40B4-BE49-F238E27FC236}">
-                <a16:creationId xmlns:a16="http://schemas.microsoft.com/office/drawing/2014/main" id="{57373FF2-3A0E-CB1B-A4F4-1CB7C9E359BB}"/>
-              </a:ext>
-            </a:extLst>
-          </p:cNvPr>
+          <p:cNvPr id="6" name="Slide Number Placeholder 5"/>
           <p:cNvSpPr>
             <a:spLocks noGrp="1"/>
           </p:cNvSpPr>
@@ -931,7 +3124,7 @@
     </p:spTree>
     <p:extLst>
       <p:ext uri="{BB962C8B-B14F-4D97-AF65-F5344CB8AC3E}">
-        <p14:creationId xmlns:p14="http://schemas.microsoft.com/office/powerpoint/2010/main" val="3007957866"/>
+        <p14:creationId xmlns:p14="http://schemas.microsoft.com/office/powerpoint/2010/main" val="2359823163"/>
       </p:ext>
     </p:extLst>
   </p:cSld>
@@ -960,13 +3153,7 @@
       </p:grpSpPr>
       <p:sp>
         <p:nvSpPr>
-          <p:cNvPr id="2" name="Title 1">
-            <a:extLst>
-              <a:ext uri="{FF2B5EF4-FFF2-40B4-BE49-F238E27FC236}">
-                <a16:creationId xmlns:a16="http://schemas.microsoft.com/office/drawing/2014/main" id="{93C2E69F-5F03-9308-BF12-2DA625E4A488}"/>
-              </a:ext>
-            </a:extLst>
-          </p:cNvPr>
+          <p:cNvPr id="2" name="Title 1"/>
           <p:cNvSpPr>
             <a:spLocks noGrp="1"/>
           </p:cNvSpPr>
@@ -976,15 +3163,15 @@
         </p:nvSpPr>
         <p:spPr>
           <a:xfrm>
-            <a:off x="831850" y="1709738"/>
-            <a:ext cx="10515600" cy="2852737"/>
+            <a:off x="1751013" y="3308581"/>
+            <a:ext cx="8686800" cy="1468800"/>
           </a:xfrm>
         </p:spPr>
         <p:txBody>
           <a:bodyPr anchor="b"/>
           <a:lstStyle>
-            <a:lvl1pPr>
-              <a:defRPr sz="6000"/>
+            <a:lvl1pPr algn="r">
+              <a:defRPr sz="4000" b="0" cap="all"/>
             </a:lvl1pPr>
           </a:lstStyle>
           <a:p>
@@ -992,19 +3179,13 @@
               <a:rPr lang="en-US"/>
               <a:t>Click to edit Master title style</a:t>
             </a:r>
-            <a:endParaRPr lang="en-GB"/>
-          </a:p>
-        </p:txBody>
-      </p:sp>
-      <p:sp>
-        <p:nvSpPr>
-          <p:cNvPr id="3" name="Text Placeholder 2">
-            <a:extLst>
-              <a:ext uri="{FF2B5EF4-FFF2-40B4-BE49-F238E27FC236}">
-                <a16:creationId xmlns:a16="http://schemas.microsoft.com/office/drawing/2014/main" id="{EE70CBA4-69FC-6236-1255-FDAEBD79A007}"/>
-              </a:ext>
-            </a:extLst>
-          </p:cNvPr>
+            <a:endParaRPr lang="en-US" dirty="0"/>
+          </a:p>
+        </p:txBody>
+      </p:sp>
+      <p:sp>
+        <p:nvSpPr>
+          <p:cNvPr id="3" name="Text Placeholder 2"/>
           <p:cNvSpPr>
             <a:spLocks noGrp="1"/>
           </p:cNvSpPr>
@@ -1014,99 +3195,99 @@
         </p:nvSpPr>
         <p:spPr>
           <a:xfrm>
-            <a:off x="831850" y="4589463"/>
-            <a:ext cx="10515600" cy="1500187"/>
+            <a:off x="1751011" y="4777381"/>
+            <a:ext cx="8686801" cy="860400"/>
           </a:xfrm>
         </p:spPr>
         <p:txBody>
-          <a:bodyPr/>
+          <a:bodyPr anchor="t">
+            <a:normAutofit/>
+          </a:bodyPr>
           <a:lstStyle>
-            <a:lvl1pPr marL="0" indent="0">
-              <a:buNone/>
-              <a:defRPr sz="2400">
-                <a:solidFill>
-                  <a:schemeClr val="tx1">
-                    <a:tint val="82000"/>
-                  </a:schemeClr>
+            <a:lvl1pPr marL="0" indent="0" algn="r">
+              <a:buNone/>
+              <a:defRPr sz="2000">
+                <a:solidFill>
+                  <a:schemeClr val="tx1"/>
                 </a:solidFill>
               </a:defRPr>
             </a:lvl1pPr>
             <a:lvl2pPr marL="457200" indent="0">
               <a:buNone/>
-              <a:defRPr sz="2000">
+              <a:defRPr sz="1800">
                 <a:solidFill>
                   <a:schemeClr val="tx1">
-                    <a:tint val="82000"/>
+                    <a:tint val="75000"/>
                   </a:schemeClr>
                 </a:solidFill>
               </a:defRPr>
             </a:lvl2pPr>
             <a:lvl3pPr marL="914400" indent="0">
               <a:buNone/>
-              <a:defRPr sz="1800">
+              <a:defRPr sz="1600">
                 <a:solidFill>
                   <a:schemeClr val="tx1">
-                    <a:tint val="82000"/>
+                    <a:tint val="75000"/>
                   </a:schemeClr>
                 </a:solidFill>
               </a:defRPr>
             </a:lvl3pPr>
             <a:lvl4pPr marL="1371600" indent="0">
               <a:buNone/>
-              <a:defRPr sz="1600">
+              <a:defRPr sz="1400">
                 <a:solidFill>
                   <a:schemeClr val="tx1">
-                    <a:tint val="82000"/>
+                    <a:tint val="75000"/>
                   </a:schemeClr>
                 </a:solidFill>
               </a:defRPr>
             </a:lvl4pPr>
             <a:lvl5pPr marL="1828800" indent="0">
               <a:buNone/>
-              <a:defRPr sz="1600">
+              <a:defRPr sz="1400">
                 <a:solidFill>
                   <a:schemeClr val="tx1">
-                    <a:tint val="82000"/>
+                    <a:tint val="75000"/>
                   </a:schemeClr>
                 </a:solidFill>
               </a:defRPr>
             </a:lvl5pPr>
             <a:lvl6pPr marL="2286000" indent="0">
               <a:buNone/>
-              <a:defRPr sz="1600">
+              <a:defRPr sz="1400">
                 <a:solidFill>
                   <a:schemeClr val="tx1">
-                    <a:tint val="82000"/>
+                    <a:tint val="75000"/>
                   </a:schemeClr>
                 </a:solidFill>
               </a:defRPr>
             </a:lvl6pPr>
             <a:lvl7pPr marL="2743200" indent="0">
               <a:buNone/>
-              <a:defRPr sz="1600">
+              <a:defRPr sz="1400">
                 <a:solidFill>
                   <a:schemeClr val="tx1">
-                    <a:tint val="82000"/>
+                    <a:tint val="75000"/>
                   </a:schemeClr>
                 </a:solidFill>
               </a:defRPr>
             </a:lvl7pPr>
             <a:lvl8pPr marL="3200400" indent="0">
               <a:buNone/>
-              <a:defRPr sz="1600">
+              <a:defRPr sz="1400">
                 <a:solidFill>
                   <a:schemeClr val="tx1">
-                    <a:tint val="82000"/>
+                    <a:tint val="75000"/>
                   </a:schemeClr>
                 </a:solidFill>
               </a:defRPr>
             </a:lvl8pPr>
             <a:lvl9pPr marL="3657600" indent="0">
               <a:buNone/>
-              <a:defRPr sz="1600">
+              <a:defRPr sz="1400">
                 <a:solidFill>
                   <a:schemeClr val="tx1">
-                    <a:tint val="82000"/>
+                    <a:tint val="75000"/>
                   </a:schemeClr>
                 </a:solidFill>
               </a:defRPr>
@@ -1123,13 +3304,7 @@
       </p:sp>
       <p:sp>
         <p:nvSpPr>
-          <p:cNvPr id="4" name="Date Placeholder 3">
-            <a:extLst>
-              <a:ext uri="{FF2B5EF4-FFF2-40B4-BE49-F238E27FC236}">
-                <a16:creationId xmlns:a16="http://schemas.microsoft.com/office/drawing/2014/main" id="{AF85E947-E0F4-0CB3-4BEC-CCD801B11974}"/>
-              </a:ext>
-            </a:extLst>
-          </p:cNvPr>
+          <p:cNvPr id="4" name="Date Placeholder 3"/>
           <p:cNvSpPr>
             <a:spLocks noGrp="1"/>
           </p:cNvSpPr>
@@ -1144,7 +3319,7 @@
           <a:p>
             <a:fld id="{07F39D79-7497-4A8A-8B71-6E93BD0E3C8A}" type="datetimeFigureOut">
               <a:rPr lang="en-GB" smtClean="0"/>
-              <a:t>29/04/2025</a:t>
+              <a:t>09/05/2025</a:t>
             </a:fld>
             <a:endParaRPr lang="en-GB"/>
           </a:p>
@@ -1152,13 +3327,7 @@
       </p:sp>
       <p:sp>
         <p:nvSpPr>
-          <p:cNvPr id="5" name="Footer Placeholder 4">
-            <a:extLst>
-              <a:ext uri="{FF2B5EF4-FFF2-40B4-BE49-F238E27FC236}">
-                <a16:creationId xmlns:a16="http://schemas.microsoft.com/office/drawing/2014/main" id="{66172AD0-E9CA-182E-21BC-9320CB18761A}"/>
-              </a:ext>
-            </a:extLst>
-          </p:cNvPr>
+          <p:cNvPr id="5" name="Footer Placeholder 4"/>
           <p:cNvSpPr>
             <a:spLocks noGrp="1"/>
           </p:cNvSpPr>
@@ -1177,13 +3346,7 @@
       </p:sp>
       <p:sp>
         <p:nvSpPr>
-          <p:cNvPr id="6" name="Slide Number Placeholder 5">
-            <a:extLst>
-              <a:ext uri="{FF2B5EF4-FFF2-40B4-BE49-F238E27FC236}">
-                <a16:creationId xmlns:a16="http://schemas.microsoft.com/office/drawing/2014/main" id="{DE849241-EFE3-DF3F-8270-D64BC9E00B8A}"/>
-              </a:ext>
-            </a:extLst>
-          </p:cNvPr>
+          <p:cNvPr id="6" name="Slide Number Placeholder 5"/>
           <p:cNvSpPr>
             <a:spLocks noGrp="1"/>
           </p:cNvSpPr>
@@ -1207,7 +3370,7 @@
     </p:spTree>
     <p:extLst>
       <p:ext uri="{BB962C8B-B14F-4D97-AF65-F5344CB8AC3E}">
-        <p14:creationId xmlns:p14="http://schemas.microsoft.com/office/powerpoint/2010/main" val="3054383436"/>
+        <p14:creationId xmlns:p14="http://schemas.microsoft.com/office/powerpoint/2010/main" val="1903906171"/>
       </p:ext>
     </p:extLst>
   </p:cSld>
@@ -1236,13 +3399,7 @@
       </p:grpSpPr>
       <p:sp>
         <p:nvSpPr>
-          <p:cNvPr id="2" name="Title 1">
-            <a:extLst>
-              <a:ext uri="{FF2B5EF4-FFF2-40B4-BE49-F238E27FC236}">
-                <a16:creationId xmlns:a16="http://schemas.microsoft.com/office/drawing/2014/main" id="{C2E366BD-E8A2-F125-3ABD-38906198E878}"/>
-              </a:ext>
-            </a:extLst>
-          </p:cNvPr>
+          <p:cNvPr id="2" name="Title 1"/>
           <p:cNvSpPr>
             <a:spLocks noGrp="1"/>
           </p:cNvSpPr>
@@ -1259,19 +3416,13 @@
               <a:rPr lang="en-US"/>
               <a:t>Click to edit Master title style</a:t>
             </a:r>
-            <a:endParaRPr lang="en-GB"/>
-          </a:p>
-        </p:txBody>
-      </p:sp>
-      <p:sp>
-        <p:nvSpPr>
-          <p:cNvPr id="3" name="Content Placeholder 2">
-            <a:extLst>
-              <a:ext uri="{FF2B5EF4-FFF2-40B4-BE49-F238E27FC236}">
-                <a16:creationId xmlns:a16="http://schemas.microsoft.com/office/drawing/2014/main" id="{7F5017EB-9A5F-27FA-03BD-CF6CEDF0D077}"/>
-              </a:ext>
-            </a:extLst>
-          </p:cNvPr>
+            <a:endParaRPr lang="en-US" dirty="0"/>
+          </a:p>
+        </p:txBody>
+      </p:sp>
+      <p:sp>
+        <p:nvSpPr>
+          <p:cNvPr id="3" name="Content Placeholder 2"/>
           <p:cNvSpPr>
             <a:spLocks noGrp="1"/>
           </p:cNvSpPr>
@@ -1281,177 +3432,213 @@
         </p:nvSpPr>
         <p:spPr>
           <a:xfrm>
-            <a:off x="838200" y="1825625"/>
-            <a:ext cx="5181600" cy="4351338"/>
+            <a:off x="1141412" y="2666999"/>
+            <a:ext cx="4876800" cy="3124201"/>
           </a:xfrm>
         </p:spPr>
         <p:txBody>
+          <a:bodyPr>
+            <a:normAutofit/>
+          </a:bodyPr>
+          <a:lstStyle>
+            <a:lvl1pPr>
+              <a:defRPr sz="1800"/>
+            </a:lvl1pPr>
+            <a:lvl2pPr>
+              <a:defRPr sz="1600"/>
+            </a:lvl2pPr>
+            <a:lvl3pPr>
+              <a:defRPr sz="1400"/>
+            </a:lvl3pPr>
+            <a:lvl4pPr>
+              <a:defRPr sz="1200"/>
+            </a:lvl4pPr>
+            <a:lvl5pPr>
+              <a:defRPr sz="1200"/>
+            </a:lvl5pPr>
+            <a:lvl6pPr>
+              <a:defRPr sz="1200"/>
+            </a:lvl6pPr>
+            <a:lvl7pPr>
+              <a:defRPr sz="1200"/>
+            </a:lvl7pPr>
+            <a:lvl8pPr>
+              <a:defRPr sz="1200"/>
+            </a:lvl8pPr>
+            <a:lvl9pPr>
+              <a:defRPr sz="1200"/>
+            </a:lvl9pPr>
+          </a:lstStyle>
+          <a:p>
+            <a:pPr lvl="0"/>
+            <a:r>
+              <a:rPr lang="en-US"/>
+              <a:t>Click to edit Master text styles</a:t>
+            </a:r>
+          </a:p>
+          <a:p>
+            <a:pPr lvl="1"/>
+            <a:r>
+              <a:rPr lang="en-US"/>
+              <a:t>Second level</a:t>
+            </a:r>
+          </a:p>
+          <a:p>
+            <a:pPr lvl="2"/>
+            <a:r>
+              <a:rPr lang="en-US"/>
+              <a:t>Third level</a:t>
+            </a:r>
+          </a:p>
+          <a:p>
+            <a:pPr lvl="3"/>
+            <a:r>
+              <a:rPr lang="en-US"/>
+              <a:t>Fourth level</a:t>
+            </a:r>
+          </a:p>
+          <a:p>
+            <a:pPr lvl="4"/>
+            <a:r>
+              <a:rPr lang="en-US"/>
+              <a:t>Fifth level</a:t>
+            </a:r>
+            <a:endParaRPr lang="en-US" dirty="0"/>
+          </a:p>
+        </p:txBody>
+      </p:sp>
+      <p:sp>
+        <p:nvSpPr>
+          <p:cNvPr id="4" name="Content Placeholder 3"/>
+          <p:cNvSpPr>
+            <a:spLocks noGrp="1"/>
+          </p:cNvSpPr>
+          <p:nvPr>
+            <p:ph sz="half" idx="2"/>
+          </p:nvPr>
+        </p:nvSpPr>
+        <p:spPr>
+          <a:xfrm>
+            <a:off x="6170612" y="2667000"/>
+            <a:ext cx="4876800" cy="3124200"/>
+          </a:xfrm>
+        </p:spPr>
+        <p:txBody>
+          <a:bodyPr>
+            <a:normAutofit/>
+          </a:bodyPr>
+          <a:lstStyle>
+            <a:lvl1pPr>
+              <a:defRPr sz="1800"/>
+            </a:lvl1pPr>
+            <a:lvl2pPr>
+              <a:defRPr sz="1600"/>
+            </a:lvl2pPr>
+            <a:lvl3pPr>
+              <a:defRPr sz="1400"/>
+            </a:lvl3pPr>
+            <a:lvl4pPr>
+              <a:defRPr sz="1200"/>
+            </a:lvl4pPr>
+            <a:lvl5pPr>
+              <a:defRPr sz="1200"/>
+            </a:lvl5pPr>
+            <a:lvl6pPr>
+              <a:defRPr sz="1200"/>
+            </a:lvl6pPr>
+            <a:lvl7pPr>
+              <a:defRPr sz="1200"/>
+            </a:lvl7pPr>
+            <a:lvl8pPr>
+              <a:defRPr sz="1200"/>
+            </a:lvl8pPr>
+            <a:lvl9pPr>
+              <a:defRPr sz="1200"/>
+            </a:lvl9pPr>
+          </a:lstStyle>
+          <a:p>
+            <a:pPr lvl="0"/>
+            <a:r>
+              <a:rPr lang="en-US"/>
+              <a:t>Click to edit Master text styles</a:t>
+            </a:r>
+          </a:p>
+          <a:p>
+            <a:pPr lvl="1"/>
+            <a:r>
+              <a:rPr lang="en-US"/>
+              <a:t>Second level</a:t>
+            </a:r>
+          </a:p>
+          <a:p>
+            <a:pPr lvl="2"/>
+            <a:r>
+              <a:rPr lang="en-US"/>
+              <a:t>Third level</a:t>
+            </a:r>
+          </a:p>
+          <a:p>
+            <a:pPr lvl="3"/>
+            <a:r>
+              <a:rPr lang="en-US"/>
+              <a:t>Fourth level</a:t>
+            </a:r>
+          </a:p>
+          <a:p>
+            <a:pPr lvl="4"/>
+            <a:r>
+              <a:rPr lang="en-US"/>
+              <a:t>Fifth level</a:t>
+            </a:r>
+            <a:endParaRPr lang="en-US" dirty="0"/>
+          </a:p>
+        </p:txBody>
+      </p:sp>
+      <p:sp>
+        <p:nvSpPr>
+          <p:cNvPr id="5" name="Date Placeholder 4"/>
+          <p:cNvSpPr>
+            <a:spLocks noGrp="1"/>
+          </p:cNvSpPr>
+          <p:nvPr>
+            <p:ph type="dt" sz="half" idx="10"/>
+          </p:nvPr>
+        </p:nvSpPr>
+        <p:spPr/>
+        <p:txBody>
           <a:bodyPr/>
           <a:lstStyle/>
           <a:p>
-            <a:pPr lvl="0"/>
-            <a:r>
-              <a:rPr lang="en-US"/>
-              <a:t>Click to edit Master text styles</a:t>
-            </a:r>
-          </a:p>
-          <a:p>
-            <a:pPr lvl="1"/>
-            <a:r>
-              <a:rPr lang="en-US"/>
-              <a:t>Second level</a:t>
-            </a:r>
-          </a:p>
-          <a:p>
-            <a:pPr lvl="2"/>
-            <a:r>
-              <a:rPr lang="en-US"/>
-              <a:t>Third level</a:t>
-            </a:r>
-          </a:p>
-          <a:p>
-            <a:pPr lvl="3"/>
-            <a:r>
-              <a:rPr lang="en-US"/>
-              <a:t>Fourth level</a:t>
-            </a:r>
-          </a:p>
-          <a:p>
-            <a:pPr lvl="4"/>
-            <a:r>
-              <a:rPr lang="en-US"/>
-              <a:t>Fifth level</a:t>
-            </a:r>
+            <a:fld id="{07F39D79-7497-4A8A-8B71-6E93BD0E3C8A}" type="datetimeFigureOut">
+              <a:rPr lang="en-GB" smtClean="0"/>
+              <a:t>09/05/2025</a:t>
+            </a:fld>
             <a:endParaRPr lang="en-GB"/>
           </a:p>
         </p:txBody>
       </p:sp>
       <p:sp>
         <p:nvSpPr>
-          <p:cNvPr id="4" name="Content Placeholder 3">
-            <a:extLst>
-              <a:ext uri="{FF2B5EF4-FFF2-40B4-BE49-F238E27FC236}">
-                <a16:creationId xmlns:a16="http://schemas.microsoft.com/office/drawing/2014/main" id="{295DB74A-D12A-8130-8E1A-E52719ED94AD}"/>
-              </a:ext>
-            </a:extLst>
-          </p:cNvPr>
-          <p:cNvSpPr>
-            <a:spLocks noGrp="1"/>
-          </p:cNvSpPr>
-          <p:nvPr>
-            <p:ph sz="half" idx="2"/>
-          </p:nvPr>
-        </p:nvSpPr>
-        <p:spPr>
-          <a:xfrm>
-            <a:off x="6172200" y="1825625"/>
-            <a:ext cx="5181600" cy="4351338"/>
-          </a:xfrm>
-        </p:spPr>
+          <p:cNvPr id="6" name="Footer Placeholder 5"/>
+          <p:cNvSpPr>
+            <a:spLocks noGrp="1"/>
+          </p:cNvSpPr>
+          <p:nvPr>
+            <p:ph type="ftr" sz="quarter" idx="11"/>
+          </p:nvPr>
+        </p:nvSpPr>
+        <p:spPr/>
         <p:txBody>
           <a:bodyPr/>
           <a:lstStyle/>
           <a:p>
-            <a:pPr lvl="0"/>
-            <a:r>
-              <a:rPr lang="en-US"/>
-              <a:t>Click to edit Master text styles</a:t>
-            </a:r>
-          </a:p>
-          <a:p>
-            <a:pPr lvl="1"/>
-            <a:r>
-              <a:rPr lang="en-US"/>
-              <a:t>Second level</a:t>
-            </a:r>
-          </a:p>
-          <a:p>
-            <a:pPr lvl="2"/>
-            <a:r>
-              <a:rPr lang="en-US"/>
-              <a:t>Third level</a:t>
-            </a:r>
-          </a:p>
-          <a:p>
-            <a:pPr lvl="3"/>
-            <a:r>
-              <a:rPr lang="en-US"/>
-              <a:t>Fourth level</a:t>
-            </a:r>
-          </a:p>
-          <a:p>
-            <a:pPr lvl="4"/>
-            <a:r>
-              <a:rPr lang="en-US"/>
-              <a:t>Fifth level</a:t>
-            </a:r>
             <a:endParaRPr lang="en-GB"/>
           </a:p>
         </p:txBody>
       </p:sp>
       <p:sp>
         <p:nvSpPr>
-          <p:cNvPr id="5" name="Date Placeholder 4">
-            <a:extLst>
-              <a:ext uri="{FF2B5EF4-FFF2-40B4-BE49-F238E27FC236}">
-                <a16:creationId xmlns:a16="http://schemas.microsoft.com/office/drawing/2014/main" id="{CF93363B-FE85-B598-566F-DBC82D94D914}"/>
-              </a:ext>
-            </a:extLst>
-          </p:cNvPr>
-          <p:cNvSpPr>
-            <a:spLocks noGrp="1"/>
-          </p:cNvSpPr>
-          <p:nvPr>
-            <p:ph type="dt" sz="half" idx="10"/>
-          </p:nvPr>
-        </p:nvSpPr>
-        <p:spPr/>
-        <p:txBody>
-          <a:bodyPr/>
-          <a:lstStyle/>
-          <a:p>
-            <a:fld id="{07F39D79-7497-4A8A-8B71-6E93BD0E3C8A}" type="datetimeFigureOut">
-              <a:rPr lang="en-GB" smtClean="0"/>
-              <a:t>29/04/2025</a:t>
-            </a:fld>
-            <a:endParaRPr lang="en-GB"/>
-          </a:p>
-        </p:txBody>
-      </p:sp>
-      <p:sp>
-        <p:nvSpPr>
-          <p:cNvPr id="6" name="Footer Placeholder 5">
-            <a:extLst>
-              <a:ext uri="{FF2B5EF4-FFF2-40B4-BE49-F238E27FC236}">
-                <a16:creationId xmlns:a16="http://schemas.microsoft.com/office/drawing/2014/main" id="{E2D027D7-92C9-7E89-536A-511AFACA5511}"/>
-              </a:ext>
-            </a:extLst>
-          </p:cNvPr>
-          <p:cNvSpPr>
-            <a:spLocks noGrp="1"/>
-          </p:cNvSpPr>
-          <p:nvPr>
-            <p:ph type="ftr" sz="quarter" idx="11"/>
-          </p:nvPr>
-        </p:nvSpPr>
-        <p:spPr/>
-        <p:txBody>
-          <a:bodyPr/>
-          <a:lstStyle/>
-          <a:p>
-            <a:endParaRPr lang="en-GB"/>
-          </a:p>
-        </p:txBody>
-      </p:sp>
-      <p:sp>
-        <p:nvSpPr>
-          <p:cNvPr id="7" name="Slide Number Placeholder 6">
-            <a:extLst>
-              <a:ext uri="{FF2B5EF4-FFF2-40B4-BE49-F238E27FC236}">
-                <a16:creationId xmlns:a16="http://schemas.microsoft.com/office/drawing/2014/main" id="{9C8DE136-1890-7DF2-46AB-45EFAA6B8E08}"/>
-              </a:ext>
-            </a:extLst>
-          </p:cNvPr>
+          <p:cNvPr id="7" name="Slide Number Placeholder 6"/>
           <p:cNvSpPr>
             <a:spLocks noGrp="1"/>
           </p:cNvSpPr>
@@ -1475,7 +3662,7 @@
     </p:spTree>
     <p:extLst>
       <p:ext uri="{BB962C8B-B14F-4D97-AF65-F5344CB8AC3E}">
-        <p14:creationId xmlns:p14="http://schemas.microsoft.com/office/powerpoint/2010/main" val="229289814"/>
+        <p14:creationId xmlns:p14="http://schemas.microsoft.com/office/powerpoint/2010/main" val="1452999412"/>
       </p:ext>
     </p:extLst>
   </p:cSld>
@@ -1504,66 +3691,55 @@
       </p:grpSpPr>
       <p:sp>
         <p:nvSpPr>
-          <p:cNvPr id="2" name="Title 1">
-            <a:extLst>
-              <a:ext uri="{FF2B5EF4-FFF2-40B4-BE49-F238E27FC236}">
-                <a16:creationId xmlns:a16="http://schemas.microsoft.com/office/drawing/2014/main" id="{B5F1186A-2FFC-DD13-BB17-6044F25E3E36}"/>
-              </a:ext>
-            </a:extLst>
-          </p:cNvPr>
+          <p:cNvPr id="2" name="Title 1"/>
           <p:cNvSpPr>
             <a:spLocks noGrp="1"/>
           </p:cNvSpPr>
           <p:nvPr>
             <p:ph type="title"/>
+          </p:nvPr>
+        </p:nvSpPr>
+        <p:spPr/>
+        <p:txBody>
+          <a:bodyPr/>
+          <a:lstStyle>
+            <a:lvl1pPr>
+              <a:defRPr/>
+            </a:lvl1pPr>
+          </a:lstStyle>
+          <a:p>
+            <a:r>
+              <a:rPr lang="en-US"/>
+              <a:t>Click to edit Master title style</a:t>
+            </a:r>
+            <a:endParaRPr lang="en-US" dirty="0"/>
+          </a:p>
+        </p:txBody>
+      </p:sp>
+      <p:sp>
+        <p:nvSpPr>
+          <p:cNvPr id="3" name="Text Placeholder 2"/>
+          <p:cNvSpPr>
+            <a:spLocks noGrp="1"/>
+          </p:cNvSpPr>
+          <p:nvPr>
+            <p:ph type="body" idx="1"/>
           </p:nvPr>
         </p:nvSpPr>
         <p:spPr>
           <a:xfrm>
-            <a:off x="839788" y="365125"/>
-            <a:ext cx="10515600" cy="1325563"/>
+            <a:off x="1429280" y="2658533"/>
+            <a:ext cx="4588931" cy="576262"/>
           </a:xfrm>
         </p:spPr>
         <p:txBody>
-          <a:bodyPr/>
-          <a:lstStyle/>
-          <a:p>
-            <a:r>
-              <a:rPr lang="en-US"/>
-              <a:t>Click to edit Master title style</a:t>
-            </a:r>
-            <a:endParaRPr lang="en-GB"/>
-          </a:p>
-        </p:txBody>
-      </p:sp>
-      <p:sp>
-        <p:nvSpPr>
-          <p:cNvPr id="3" name="Text Placeholder 2">
-            <a:extLst>
-              <a:ext uri="{FF2B5EF4-FFF2-40B4-BE49-F238E27FC236}">
-                <a16:creationId xmlns:a16="http://schemas.microsoft.com/office/drawing/2014/main" id="{8F8E9794-D39A-74CB-6247-9705668FCC37}"/>
-              </a:ext>
-            </a:extLst>
-          </p:cNvPr>
-          <p:cNvSpPr>
-            <a:spLocks noGrp="1"/>
-          </p:cNvSpPr>
-          <p:nvPr>
-            <p:ph type="body" idx="1"/>
-          </p:nvPr>
-        </p:nvSpPr>
-        <p:spPr>
-          <a:xfrm>
-            <a:off x="839788" y="1681163"/>
-            <a:ext cx="5157787" cy="823912"/>
-          </a:xfrm>
-        </p:spPr>
-        <p:txBody>
-          <a:bodyPr anchor="b"/>
+          <a:bodyPr anchor="b">
+            <a:noAutofit/>
+          </a:bodyPr>
           <a:lstStyle>
             <a:lvl1pPr marL="0" indent="0">
               <a:buNone/>
-              <a:defRPr sz="2400" b="1"/>
+              <a:defRPr sz="2800" b="0"/>
             </a:lvl1pPr>
             <a:lvl2pPr marL="457200" indent="0">
               <a:buNone/>
@@ -1609,13 +3785,7 @@
       </p:sp>
       <p:sp>
         <p:nvSpPr>
-          <p:cNvPr id="4" name="Content Placeholder 3">
-            <a:extLst>
-              <a:ext uri="{FF2B5EF4-FFF2-40B4-BE49-F238E27FC236}">
-                <a16:creationId xmlns:a16="http://schemas.microsoft.com/office/drawing/2014/main" id="{37AF1BDF-190E-C1F3-3188-932A7B97928F}"/>
-              </a:ext>
-            </a:extLst>
-          </p:cNvPr>
+          <p:cNvPr id="4" name="Content Placeholder 3"/>
           <p:cNvSpPr>
             <a:spLocks noGrp="1"/>
           </p:cNvSpPr>
@@ -1625,13 +3795,43 @@
         </p:nvSpPr>
         <p:spPr>
           <a:xfrm>
-            <a:off x="839788" y="2505075"/>
-            <a:ext cx="5157787" cy="3684588"/>
+            <a:off x="1141412" y="3243262"/>
+            <a:ext cx="4876800" cy="2547937"/>
           </a:xfrm>
         </p:spPr>
         <p:txBody>
-          <a:bodyPr/>
-          <a:lstStyle/>
+          <a:bodyPr anchor="t">
+            <a:normAutofit/>
+          </a:bodyPr>
+          <a:lstStyle>
+            <a:lvl1pPr>
+              <a:defRPr sz="1800"/>
+            </a:lvl1pPr>
+            <a:lvl2pPr>
+              <a:defRPr sz="1600"/>
+            </a:lvl2pPr>
+            <a:lvl3pPr>
+              <a:defRPr sz="1400"/>
+            </a:lvl3pPr>
+            <a:lvl4pPr>
+              <a:defRPr sz="1200"/>
+            </a:lvl4pPr>
+            <a:lvl5pPr>
+              <a:defRPr sz="1200"/>
+            </a:lvl5pPr>
+            <a:lvl6pPr>
+              <a:defRPr sz="1200"/>
+            </a:lvl6pPr>
+            <a:lvl7pPr>
+              <a:defRPr sz="1200"/>
+            </a:lvl7pPr>
+            <a:lvl8pPr>
+              <a:defRPr sz="1200"/>
+            </a:lvl8pPr>
+            <a:lvl9pPr>
+              <a:defRPr sz="1200"/>
+            </a:lvl9pPr>
+          </a:lstStyle>
           <a:p>
             <a:pPr lvl="0"/>
             <a:r>
@@ -1666,19 +3866,13 @@
               <a:rPr lang="en-US"/>
               <a:t>Fifth level</a:t>
             </a:r>
-            <a:endParaRPr lang="en-GB"/>
-          </a:p>
-        </p:txBody>
-      </p:sp>
-      <p:sp>
-        <p:nvSpPr>
-          <p:cNvPr id="5" name="Text Placeholder 4">
-            <a:extLst>
-              <a:ext uri="{FF2B5EF4-FFF2-40B4-BE49-F238E27FC236}">
-                <a16:creationId xmlns:a16="http://schemas.microsoft.com/office/drawing/2014/main" id="{FFFB3B73-7BB6-C343-DEC7-37CAB1087430}"/>
-              </a:ext>
-            </a:extLst>
-          </p:cNvPr>
+            <a:endParaRPr lang="en-US" dirty="0"/>
+          </a:p>
+        </p:txBody>
+      </p:sp>
+      <p:sp>
+        <p:nvSpPr>
+          <p:cNvPr id="5" name="Text Placeholder 4"/>
           <p:cNvSpPr>
             <a:spLocks noGrp="1"/>
           </p:cNvSpPr>
@@ -1688,16 +3882,18 @@
         </p:nvSpPr>
         <p:spPr>
           <a:xfrm>
-            <a:off x="6172200" y="1681163"/>
-            <a:ext cx="5183188" cy="823912"/>
+            <a:off x="6443133" y="2667000"/>
+            <a:ext cx="4604280" cy="576262"/>
           </a:xfrm>
         </p:spPr>
         <p:txBody>
-          <a:bodyPr anchor="b"/>
+          <a:bodyPr anchor="b">
+            <a:noAutofit/>
+          </a:bodyPr>
           <a:lstStyle>
             <a:lvl1pPr marL="0" indent="0">
               <a:buNone/>
-              <a:defRPr sz="2400" b="1"/>
+              <a:defRPr sz="2800" b="0"/>
             </a:lvl1pPr>
             <a:lvl2pPr marL="457200" indent="0">
               <a:buNone/>
@@ -1743,13 +3939,7 @@
       </p:sp>
       <p:sp>
         <p:nvSpPr>
-          <p:cNvPr id="6" name="Content Placeholder 5">
-            <a:extLst>
-              <a:ext uri="{FF2B5EF4-FFF2-40B4-BE49-F238E27FC236}">
-                <a16:creationId xmlns:a16="http://schemas.microsoft.com/office/drawing/2014/main" id="{4F7A50AE-FFF0-1898-9A20-D7B4BBD77C5F}"/>
-              </a:ext>
-            </a:extLst>
-          </p:cNvPr>
+          <p:cNvPr id="6" name="Content Placeholder 5"/>
           <p:cNvSpPr>
             <a:spLocks noGrp="1"/>
           </p:cNvSpPr>
@@ -1759,65 +3949,112 @@
         </p:nvSpPr>
         <p:spPr>
           <a:xfrm>
-            <a:off x="6172200" y="2505075"/>
-            <a:ext cx="5183188" cy="3684588"/>
+            <a:off x="6170612" y="3243262"/>
+            <a:ext cx="4876801" cy="2547937"/>
           </a:xfrm>
         </p:spPr>
         <p:txBody>
+          <a:bodyPr anchor="t">
+            <a:normAutofit/>
+          </a:bodyPr>
+          <a:lstStyle>
+            <a:lvl1pPr>
+              <a:defRPr sz="1800"/>
+            </a:lvl1pPr>
+            <a:lvl2pPr>
+              <a:defRPr sz="1600"/>
+            </a:lvl2pPr>
+            <a:lvl3pPr>
+              <a:defRPr sz="1400"/>
+            </a:lvl3pPr>
+            <a:lvl4pPr>
+              <a:defRPr sz="1200"/>
+            </a:lvl4pPr>
+            <a:lvl5pPr>
+              <a:defRPr sz="1200"/>
+            </a:lvl5pPr>
+            <a:lvl6pPr>
+              <a:defRPr sz="1200"/>
+            </a:lvl6pPr>
+            <a:lvl7pPr>
+              <a:defRPr sz="1200"/>
+            </a:lvl7pPr>
+            <a:lvl8pPr>
+              <a:defRPr sz="1200"/>
+            </a:lvl8pPr>
+            <a:lvl9pPr>
+              <a:defRPr sz="1200"/>
+            </a:lvl9pPr>
+          </a:lstStyle>
+          <a:p>
+            <a:pPr lvl="0"/>
+            <a:r>
+              <a:rPr lang="en-US"/>
+              <a:t>Click to edit Master text styles</a:t>
+            </a:r>
+          </a:p>
+          <a:p>
+            <a:pPr lvl="1"/>
+            <a:r>
+              <a:rPr lang="en-US"/>
+              <a:t>Second level</a:t>
+            </a:r>
+          </a:p>
+          <a:p>
+            <a:pPr lvl="2"/>
+            <a:r>
+              <a:rPr lang="en-US"/>
+              <a:t>Third level</a:t>
+            </a:r>
+          </a:p>
+          <a:p>
+            <a:pPr lvl="3"/>
+            <a:r>
+              <a:rPr lang="en-US"/>
+              <a:t>Fourth level</a:t>
+            </a:r>
+          </a:p>
+          <a:p>
+            <a:pPr lvl="4"/>
+            <a:r>
+              <a:rPr lang="en-US"/>
+              <a:t>Fifth level</a:t>
+            </a:r>
+            <a:endParaRPr lang="en-US" dirty="0"/>
+          </a:p>
+        </p:txBody>
+      </p:sp>
+      <p:sp>
+        <p:nvSpPr>
+          <p:cNvPr id="7" name="Date Placeholder 6"/>
+          <p:cNvSpPr>
+            <a:spLocks noGrp="1"/>
+          </p:cNvSpPr>
+          <p:nvPr>
+            <p:ph type="dt" sz="half" idx="10"/>
+          </p:nvPr>
+        </p:nvSpPr>
+        <p:spPr/>
+        <p:txBody>
           <a:bodyPr/>
           <a:lstStyle/>
           <a:p>
-            <a:pPr lvl="0"/>
-            <a:r>
-              <a:rPr lang="en-US"/>
-              <a:t>Click to edit Master text styles</a:t>
-            </a:r>
-          </a:p>
-          <a:p>
-            <a:pPr lvl="1"/>
-            <a:r>
-              <a:rPr lang="en-US"/>
-              <a:t>Second level</a:t>
-            </a:r>
-          </a:p>
-          <a:p>
-            <a:pPr lvl="2"/>
-            <a:r>
-              <a:rPr lang="en-US"/>
-              <a:t>Third level</a:t>
-            </a:r>
-          </a:p>
-          <a:p>
-            <a:pPr lvl="3"/>
-            <a:r>
-              <a:rPr lang="en-US"/>
-              <a:t>Fourth level</a:t>
-            </a:r>
-          </a:p>
-          <a:p>
-            <a:pPr lvl="4"/>
-            <a:r>
-              <a:rPr lang="en-US"/>
-              <a:t>Fifth level</a:t>
-            </a:r>
+            <a:fld id="{07F39D79-7497-4A8A-8B71-6E93BD0E3C8A}" type="datetimeFigureOut">
+              <a:rPr lang="en-GB" smtClean="0"/>
+              <a:t>09/05/2025</a:t>
+            </a:fld>
             <a:endParaRPr lang="en-GB"/>
           </a:p>
         </p:txBody>
       </p:sp>
       <p:sp>
         <p:nvSpPr>
-          <p:cNvPr id="7" name="Date Placeholder 6">
-            <a:extLst>
-              <a:ext uri="{FF2B5EF4-FFF2-40B4-BE49-F238E27FC236}">
-                <a16:creationId xmlns:a16="http://schemas.microsoft.com/office/drawing/2014/main" id="{6DE01986-3DF9-9028-F1C5-DEFABBC11226}"/>
-              </a:ext>
-            </a:extLst>
-          </p:cNvPr>
-          <p:cNvSpPr>
-            <a:spLocks noGrp="1"/>
-          </p:cNvSpPr>
-          <p:nvPr>
-            <p:ph type="dt" sz="half" idx="10"/>
+          <p:cNvPr id="8" name="Footer Placeholder 7"/>
+          <p:cNvSpPr>
+            <a:spLocks noGrp="1"/>
+          </p:cNvSpPr>
+          <p:nvPr>
+            <p:ph type="ftr" sz="quarter" idx="11"/>
           </p:nvPr>
         </p:nvSpPr>
         <p:spPr/>
@@ -1825,48 +4062,13 @@
           <a:bodyPr/>
           <a:lstStyle/>
           <a:p>
-            <a:fld id="{07F39D79-7497-4A8A-8B71-6E93BD0E3C8A}" type="datetimeFigureOut">
-              <a:rPr lang="en-GB" smtClean="0"/>
-              <a:t>29/04/2025</a:t>
-            </a:fld>
             <a:endParaRPr lang="en-GB"/>
           </a:p>
         </p:txBody>
       </p:sp>
       <p:sp>
         <p:nvSpPr>
-          <p:cNvPr id="8" name="Footer Placeholder 7">
-            <a:extLst>
-              <a:ext uri="{FF2B5EF4-FFF2-40B4-BE49-F238E27FC236}">
-                <a16:creationId xmlns:a16="http://schemas.microsoft.com/office/drawing/2014/main" id="{EF7179D5-3772-87C7-88FA-CB1E807FB655}"/>
-              </a:ext>
-            </a:extLst>
-          </p:cNvPr>
-          <p:cNvSpPr>
-            <a:spLocks noGrp="1"/>
-          </p:cNvSpPr>
-          <p:nvPr>
-            <p:ph type="ftr" sz="quarter" idx="11"/>
-          </p:nvPr>
-        </p:nvSpPr>
-        <p:spPr/>
-        <p:txBody>
-          <a:bodyPr/>
-          <a:lstStyle/>
-          <a:p>
-            <a:endParaRPr lang="en-GB"/>
-          </a:p>
-        </p:txBody>
-      </p:sp>
-      <p:sp>
-        <p:nvSpPr>
-          <p:cNvPr id="9" name="Slide Number Placeholder 8">
-            <a:extLst>
-              <a:ext uri="{FF2B5EF4-FFF2-40B4-BE49-F238E27FC236}">
-                <a16:creationId xmlns:a16="http://schemas.microsoft.com/office/drawing/2014/main" id="{A461DE05-AE12-2347-3455-9890618B6390}"/>
-              </a:ext>
-            </a:extLst>
-          </p:cNvPr>
+          <p:cNvPr id="9" name="Slide Number Placeholder 8"/>
           <p:cNvSpPr>
             <a:spLocks noGrp="1"/>
           </p:cNvSpPr>
@@ -1890,7 +4092,7 @@
     </p:spTree>
     <p:extLst>
       <p:ext uri="{BB962C8B-B14F-4D97-AF65-F5344CB8AC3E}">
-        <p14:creationId xmlns:p14="http://schemas.microsoft.com/office/powerpoint/2010/main" val="385772475"/>
+        <p14:creationId xmlns:p14="http://schemas.microsoft.com/office/powerpoint/2010/main" val="886808345"/>
       </p:ext>
     </p:extLst>
   </p:cSld>
@@ -1903,6 +4105,11 @@
 <file path=ppt/slideLayouts/slideLayout6.xml><?xml version="1.0" encoding="utf-8"?>
 <p:sldLayout xmlns:a="http://schemas.openxmlformats.org/drawingml/2006/main" xmlns:r="http://schemas.openxmlformats.org/officeDocument/2006/relationships" xmlns:p="http://schemas.openxmlformats.org/presentationml/2006/main" type="titleOnly" preserve="1">
   <p:cSld name="Title Only">
+    <p:bg>
+      <p:bgRef idx="1003">
+        <a:schemeClr val="bg2"/>
+      </p:bgRef>
+    </p:bg>
     <p:spTree>
       <p:nvGrpSpPr>
         <p:cNvPr id="1" name=""/>
@@ -1919,13 +4126,7 @@
       </p:grpSpPr>
       <p:sp>
         <p:nvSpPr>
-          <p:cNvPr id="2" name="Title 1">
-            <a:extLst>
-              <a:ext uri="{FF2B5EF4-FFF2-40B4-BE49-F238E27FC236}">
-                <a16:creationId xmlns:a16="http://schemas.microsoft.com/office/drawing/2014/main" id="{085B8651-A417-55CF-982B-6DAB3FD3C052}"/>
-              </a:ext>
-            </a:extLst>
-          </p:cNvPr>
+          <p:cNvPr id="2" name="Title 1"/>
           <p:cNvSpPr>
             <a:spLocks noGrp="1"/>
           </p:cNvSpPr>
@@ -1942,19 +4143,13 @@
               <a:rPr lang="en-US"/>
               <a:t>Click to edit Master title style</a:t>
             </a:r>
-            <a:endParaRPr lang="en-GB"/>
-          </a:p>
-        </p:txBody>
-      </p:sp>
-      <p:sp>
-        <p:nvSpPr>
-          <p:cNvPr id="3" name="Date Placeholder 2">
-            <a:extLst>
-              <a:ext uri="{FF2B5EF4-FFF2-40B4-BE49-F238E27FC236}">
-                <a16:creationId xmlns:a16="http://schemas.microsoft.com/office/drawing/2014/main" id="{8FFDC640-A535-83B4-7EE1-95A79F39D6E8}"/>
-              </a:ext>
-            </a:extLst>
-          </p:cNvPr>
+            <a:endParaRPr lang="en-US" dirty="0"/>
+          </a:p>
+        </p:txBody>
+      </p:sp>
+      <p:sp>
+        <p:nvSpPr>
+          <p:cNvPr id="3" name="Date Placeholder 2"/>
           <p:cNvSpPr>
             <a:spLocks noGrp="1"/>
           </p:cNvSpPr>
@@ -1969,7 +4164,7 @@
           <a:p>
             <a:fld id="{07F39D79-7497-4A8A-8B71-6E93BD0E3C8A}" type="datetimeFigureOut">
               <a:rPr lang="en-GB" smtClean="0"/>
-              <a:t>29/04/2025</a:t>
+              <a:t>09/05/2025</a:t>
             </a:fld>
             <a:endParaRPr lang="en-GB"/>
           </a:p>
@@ -1977,13 +4172,7 @@
       </p:sp>
       <p:sp>
         <p:nvSpPr>
-          <p:cNvPr id="4" name="Footer Placeholder 3">
-            <a:extLst>
-              <a:ext uri="{FF2B5EF4-FFF2-40B4-BE49-F238E27FC236}">
-                <a16:creationId xmlns:a16="http://schemas.microsoft.com/office/drawing/2014/main" id="{3E210368-4271-B584-6829-7C67F39224A7}"/>
-              </a:ext>
-            </a:extLst>
-          </p:cNvPr>
+          <p:cNvPr id="4" name="Footer Placeholder 3"/>
           <p:cNvSpPr>
             <a:spLocks noGrp="1"/>
           </p:cNvSpPr>
@@ -2002,13 +4191,7 @@
       </p:sp>
       <p:sp>
         <p:nvSpPr>
-          <p:cNvPr id="5" name="Slide Number Placeholder 4">
-            <a:extLst>
-              <a:ext uri="{FF2B5EF4-FFF2-40B4-BE49-F238E27FC236}">
-                <a16:creationId xmlns:a16="http://schemas.microsoft.com/office/drawing/2014/main" id="{0ADD8462-B9B7-016B-CC4F-350589F23A39}"/>
-              </a:ext>
-            </a:extLst>
-          </p:cNvPr>
+          <p:cNvPr id="5" name="Slide Number Placeholder 4"/>
           <p:cNvSpPr>
             <a:spLocks noGrp="1"/>
           </p:cNvSpPr>
@@ -2032,12 +4215,12 @@
     </p:spTree>
     <p:extLst>
       <p:ext uri="{BB962C8B-B14F-4D97-AF65-F5344CB8AC3E}">
-        <p14:creationId xmlns:p14="http://schemas.microsoft.com/office/powerpoint/2010/main" val="209069299"/>
+        <p14:creationId xmlns:p14="http://schemas.microsoft.com/office/powerpoint/2010/main" val="3656151546"/>
       </p:ext>
     </p:extLst>
   </p:cSld>
   <p:clrMapOvr>
-    <a:masterClrMapping/>
+    <a:overrideClrMapping bg1="dk1" tx1="lt1" bg2="dk2" tx2="lt2" accent1="accent1" accent2="accent2" accent3="accent3" accent4="accent4" accent5="accent5" accent6="accent6" hlink="hlink" folHlink="folHlink"/>
   </p:clrMapOvr>
 </p:sldLayout>
 </file>
@@ -2061,13 +4244,7 @@
       </p:grpSpPr>
       <p:sp>
         <p:nvSpPr>
-          <p:cNvPr id="2" name="Date Placeholder 1">
-            <a:extLst>
-              <a:ext uri="{FF2B5EF4-FFF2-40B4-BE49-F238E27FC236}">
-                <a16:creationId xmlns:a16="http://schemas.microsoft.com/office/drawing/2014/main" id="{0901A616-EFE8-9A18-D846-003A778C8BBF}"/>
-              </a:ext>
-            </a:extLst>
-          </p:cNvPr>
+          <p:cNvPr id="2" name="Date Placeholder 1"/>
           <p:cNvSpPr>
             <a:spLocks noGrp="1"/>
           </p:cNvSpPr>
@@ -2082,7 +4259,7 @@
           <a:p>
             <a:fld id="{07F39D79-7497-4A8A-8B71-6E93BD0E3C8A}" type="datetimeFigureOut">
               <a:rPr lang="en-GB" smtClean="0"/>
-              <a:t>29/04/2025</a:t>
+              <a:t>09/05/2025</a:t>
             </a:fld>
             <a:endParaRPr lang="en-GB"/>
           </a:p>
@@ -2090,13 +4267,7 @@
       </p:sp>
       <p:sp>
         <p:nvSpPr>
-          <p:cNvPr id="3" name="Footer Placeholder 2">
-            <a:extLst>
-              <a:ext uri="{FF2B5EF4-FFF2-40B4-BE49-F238E27FC236}">
-                <a16:creationId xmlns:a16="http://schemas.microsoft.com/office/drawing/2014/main" id="{EEA99AB8-CE30-7F65-03A2-8FF034F0E93C}"/>
-              </a:ext>
-            </a:extLst>
-          </p:cNvPr>
+          <p:cNvPr id="3" name="Footer Placeholder 2"/>
           <p:cNvSpPr>
             <a:spLocks noGrp="1"/>
           </p:cNvSpPr>
@@ -2115,13 +4286,7 @@
       </p:sp>
       <p:sp>
         <p:nvSpPr>
-          <p:cNvPr id="4" name="Slide Number Placeholder 3">
-            <a:extLst>
-              <a:ext uri="{FF2B5EF4-FFF2-40B4-BE49-F238E27FC236}">
-                <a16:creationId xmlns:a16="http://schemas.microsoft.com/office/drawing/2014/main" id="{AA51E6B2-DFDA-D0AB-539D-B2BB3A2AEB9D}"/>
-              </a:ext>
-            </a:extLst>
-          </p:cNvPr>
+          <p:cNvPr id="4" name="Slide Number Placeholder 3"/>
           <p:cNvSpPr>
             <a:spLocks noGrp="1"/>
           </p:cNvSpPr>
@@ -2145,7 +4310,7 @@
     </p:spTree>
     <p:extLst>
       <p:ext uri="{BB962C8B-B14F-4D97-AF65-F5344CB8AC3E}">
-        <p14:creationId xmlns:p14="http://schemas.microsoft.com/office/powerpoint/2010/main" val="3499949960"/>
+        <p14:creationId xmlns:p14="http://schemas.microsoft.com/office/powerpoint/2010/main" val="2434712418"/>
       </p:ext>
     </p:extLst>
   </p:cSld>
@@ -2174,13 +4339,7 @@
       </p:grpSpPr>
       <p:sp>
         <p:nvSpPr>
-          <p:cNvPr id="2" name="Title 1">
-            <a:extLst>
-              <a:ext uri="{FF2B5EF4-FFF2-40B4-BE49-F238E27FC236}">
-                <a16:creationId xmlns:a16="http://schemas.microsoft.com/office/drawing/2014/main" id="{60972FC7-D875-71CE-B149-51372E07BF68}"/>
-              </a:ext>
-            </a:extLst>
-          </p:cNvPr>
+          <p:cNvPr id="2" name="Title 1"/>
           <p:cNvSpPr>
             <a:spLocks noGrp="1"/>
           </p:cNvSpPr>
@@ -2190,141 +4349,135 @@
         </p:nvSpPr>
         <p:spPr>
           <a:xfrm>
-            <a:off x="839788" y="457200"/>
-            <a:ext cx="3932237" cy="1600200"/>
+            <a:off x="1141411" y="1600200"/>
+            <a:ext cx="3549121" cy="1371600"/>
           </a:xfrm>
         </p:spPr>
         <p:txBody>
-          <a:bodyPr anchor="b"/>
+          <a:bodyPr anchor="b">
+            <a:normAutofit/>
+          </a:bodyPr>
+          <a:lstStyle>
+            <a:lvl1pPr algn="l">
+              <a:defRPr sz="2400" b="0"/>
+            </a:lvl1pPr>
+          </a:lstStyle>
+          <a:p>
+            <a:r>
+              <a:rPr lang="en-US"/>
+              <a:t>Click to edit Master title style</a:t>
+            </a:r>
+            <a:endParaRPr lang="en-US" dirty="0"/>
+          </a:p>
+        </p:txBody>
+      </p:sp>
+      <p:sp>
+        <p:nvSpPr>
+          <p:cNvPr id="3" name="Content Placeholder 2"/>
+          <p:cNvSpPr>
+            <a:spLocks noGrp="1"/>
+          </p:cNvSpPr>
+          <p:nvPr>
+            <p:ph idx="1"/>
+          </p:nvPr>
+        </p:nvSpPr>
+        <p:spPr>
+          <a:xfrm>
+            <a:off x="5103812" y="609601"/>
+            <a:ext cx="5943601" cy="5181600"/>
+          </a:xfrm>
+        </p:spPr>
+        <p:txBody>
+          <a:bodyPr anchor="ctr">
+            <a:normAutofit/>
+          </a:bodyPr>
           <a:lstStyle>
             <a:lvl1pPr>
-              <a:defRPr sz="3200"/>
+              <a:defRPr sz="2000"/>
             </a:lvl1pPr>
+            <a:lvl2pPr>
+              <a:defRPr sz="1800"/>
+            </a:lvl2pPr>
+            <a:lvl3pPr>
+              <a:defRPr sz="1600"/>
+            </a:lvl3pPr>
+            <a:lvl4pPr>
+              <a:defRPr sz="1400"/>
+            </a:lvl4pPr>
+            <a:lvl5pPr>
+              <a:defRPr sz="1400"/>
+            </a:lvl5pPr>
+            <a:lvl6pPr>
+              <a:defRPr sz="1400"/>
+            </a:lvl6pPr>
+            <a:lvl7pPr>
+              <a:defRPr sz="1400"/>
+            </a:lvl7pPr>
+            <a:lvl8pPr>
+              <a:defRPr sz="1400"/>
+            </a:lvl8pPr>
+            <a:lvl9pPr>
+              <a:defRPr sz="1400"/>
+            </a:lvl9pPr>
           </a:lstStyle>
           <a:p>
+            <a:pPr lvl="0"/>
             <a:r>
               <a:rPr lang="en-US"/>
-              <a:t>Click to edit Master title style</a:t>
-            </a:r>
-            <a:endParaRPr lang="en-GB"/>
-          </a:p>
-        </p:txBody>
-      </p:sp>
-      <p:sp>
-        <p:nvSpPr>
-          <p:cNvPr id="3" name="Content Placeholder 2">
-            <a:extLst>
-              <a:ext uri="{FF2B5EF4-FFF2-40B4-BE49-F238E27FC236}">
-                <a16:creationId xmlns:a16="http://schemas.microsoft.com/office/drawing/2014/main" id="{7E0F225D-CA80-C5BA-7E08-8A5936B9E762}"/>
-              </a:ext>
-            </a:extLst>
-          </p:cNvPr>
-          <p:cNvSpPr>
-            <a:spLocks noGrp="1"/>
-          </p:cNvSpPr>
-          <p:nvPr>
-            <p:ph idx="1"/>
+              <a:t>Click to edit Master text styles</a:t>
+            </a:r>
+          </a:p>
+          <a:p>
+            <a:pPr lvl="1"/>
+            <a:r>
+              <a:rPr lang="en-US"/>
+              <a:t>Second level</a:t>
+            </a:r>
+          </a:p>
+          <a:p>
+            <a:pPr lvl="2"/>
+            <a:r>
+              <a:rPr lang="en-US"/>
+              <a:t>Third level</a:t>
+            </a:r>
+          </a:p>
+          <a:p>
+            <a:pPr lvl="3"/>
+            <a:r>
+              <a:rPr lang="en-US"/>
+              <a:t>Fourth level</a:t>
+            </a:r>
+          </a:p>
+          <a:p>
+            <a:pPr lvl="4"/>
+            <a:r>
+              <a:rPr lang="en-US"/>
+              <a:t>Fifth level</a:t>
+            </a:r>
+            <a:endParaRPr lang="en-US" dirty="0"/>
+          </a:p>
+        </p:txBody>
+      </p:sp>
+      <p:sp>
+        <p:nvSpPr>
+          <p:cNvPr id="4" name="Text Placeholder 3"/>
+          <p:cNvSpPr>
+            <a:spLocks noGrp="1"/>
+          </p:cNvSpPr>
+          <p:nvPr>
+            <p:ph type="body" sz="half" idx="2"/>
           </p:nvPr>
         </p:nvSpPr>
         <p:spPr>
           <a:xfrm>
-            <a:off x="5183188" y="987425"/>
-            <a:ext cx="6172200" cy="4873625"/>
+            <a:off x="1141411" y="2971800"/>
+            <a:ext cx="3549121" cy="1828800"/>
           </a:xfrm>
         </p:spPr>
         <p:txBody>
-          <a:bodyPr/>
-          <a:lstStyle>
-            <a:lvl1pPr>
-              <a:defRPr sz="3200"/>
-            </a:lvl1pPr>
-            <a:lvl2pPr>
-              <a:defRPr sz="2800"/>
-            </a:lvl2pPr>
-            <a:lvl3pPr>
-              <a:defRPr sz="2400"/>
-            </a:lvl3pPr>
-            <a:lvl4pPr>
-              <a:defRPr sz="2000"/>
-            </a:lvl4pPr>
-            <a:lvl5pPr>
-              <a:defRPr sz="2000"/>
-            </a:lvl5pPr>
-            <a:lvl6pPr>
-              <a:defRPr sz="2000"/>
-            </a:lvl6pPr>
-            <a:lvl7pPr>
-              <a:defRPr sz="2000"/>
-            </a:lvl7pPr>
-            <a:lvl8pPr>
-              <a:defRPr sz="2000"/>
-            </a:lvl8pPr>
-            <a:lvl9pPr>
-              <a:defRPr sz="2000"/>
-            </a:lvl9pPr>
-          </a:lstStyle>
-          <a:p>
-            <a:pPr lvl="0"/>
-            <a:r>
-              <a:rPr lang="en-US"/>
-              <a:t>Click to edit Master text styles</a:t>
-            </a:r>
-          </a:p>
-          <a:p>
-            <a:pPr lvl="1"/>
-            <a:r>
-              <a:rPr lang="en-US"/>
-              <a:t>Second level</a:t>
-            </a:r>
-          </a:p>
-          <a:p>
-            <a:pPr lvl="2"/>
-            <a:r>
-              <a:rPr lang="en-US"/>
-              <a:t>Third level</a:t>
-            </a:r>
-          </a:p>
-          <a:p>
-            <a:pPr lvl="3"/>
-            <a:r>
-              <a:rPr lang="en-US"/>
-              <a:t>Fourth level</a:t>
-            </a:r>
-          </a:p>
-          <a:p>
-            <a:pPr lvl="4"/>
-            <a:r>
-              <a:rPr lang="en-US"/>
-              <a:t>Fifth level</a:t>
-            </a:r>
-            <a:endParaRPr lang="en-GB"/>
-          </a:p>
-        </p:txBody>
-      </p:sp>
-      <p:sp>
-        <p:nvSpPr>
-          <p:cNvPr id="4" name="Text Placeholder 3">
-            <a:extLst>
-              <a:ext uri="{FF2B5EF4-FFF2-40B4-BE49-F238E27FC236}">
-                <a16:creationId xmlns:a16="http://schemas.microsoft.com/office/drawing/2014/main" id="{A83A889F-7F6A-C16E-34E8-23598C62FC88}"/>
-              </a:ext>
-            </a:extLst>
-          </p:cNvPr>
-          <p:cNvSpPr>
-            <a:spLocks noGrp="1"/>
-          </p:cNvSpPr>
-          <p:nvPr>
-            <p:ph type="body" sz="half" idx="2"/>
-          </p:nvPr>
-        </p:nvSpPr>
-        <p:spPr>
-          <a:xfrm>
-            <a:off x="839788" y="2057400"/>
-            <a:ext cx="3932237" cy="3811588"/>
-          </a:xfrm>
-        </p:spPr>
-        <p:txBody>
-          <a:bodyPr/>
+          <a:bodyPr>
+            <a:normAutofit/>
+          </a:bodyPr>
           <a:lstStyle>
             <a:lvl1pPr marL="0" indent="0">
               <a:buNone/>
@@ -2332,35 +4485,35 @@
             </a:lvl1pPr>
             <a:lvl2pPr marL="457200" indent="0">
               <a:buNone/>
-              <a:defRPr sz="1400"/>
+              <a:defRPr sz="1200"/>
             </a:lvl2pPr>
             <a:lvl3pPr marL="914400" indent="0">
               <a:buNone/>
-              <a:defRPr sz="1200"/>
+              <a:defRPr sz="1000"/>
             </a:lvl3pPr>
             <a:lvl4pPr marL="1371600" indent="0">
               <a:buNone/>
-              <a:defRPr sz="1000"/>
+              <a:defRPr sz="900"/>
             </a:lvl4pPr>
             <a:lvl5pPr marL="1828800" indent="0">
               <a:buNone/>
-              <a:defRPr sz="1000"/>
+              <a:defRPr sz="900"/>
             </a:lvl5pPr>
             <a:lvl6pPr marL="2286000" indent="0">
               <a:buNone/>
-              <a:defRPr sz="1000"/>
+              <a:defRPr sz="900"/>
             </a:lvl6pPr>
             <a:lvl7pPr marL="2743200" indent="0">
               <a:buNone/>
-              <a:defRPr sz="1000"/>
+              <a:defRPr sz="900"/>
             </a:lvl7pPr>
             <a:lvl8pPr marL="3200400" indent="0">
               <a:buNone/>
-              <a:defRPr sz="1000"/>
+              <a:defRPr sz="900"/>
             </a:lvl8pPr>
             <a:lvl9pPr marL="3657600" indent="0">
               <a:buNone/>
-              <a:defRPr sz="1000"/>
+              <a:defRPr sz="900"/>
             </a:lvl9pPr>
           </a:lstStyle>
           <a:p>
@@ -2374,13 +4527,7 @@
       </p:sp>
       <p:sp>
         <p:nvSpPr>
-          <p:cNvPr id="5" name="Date Placeholder 4">
-            <a:extLst>
-              <a:ext uri="{FF2B5EF4-FFF2-40B4-BE49-F238E27FC236}">
-                <a16:creationId xmlns:a16="http://schemas.microsoft.com/office/drawing/2014/main" id="{4A84679A-0227-AB74-9D52-8311A7F62902}"/>
-              </a:ext>
-            </a:extLst>
-          </p:cNvPr>
+          <p:cNvPr id="5" name="Date Placeholder 4"/>
           <p:cNvSpPr>
             <a:spLocks noGrp="1"/>
           </p:cNvSpPr>
@@ -2395,7 +4542,7 @@
           <a:p>
             <a:fld id="{07F39D79-7497-4A8A-8B71-6E93BD0E3C8A}" type="datetimeFigureOut">
               <a:rPr lang="en-GB" smtClean="0"/>
-              <a:t>29/04/2025</a:t>
+              <a:t>09/05/2025</a:t>
             </a:fld>
             <a:endParaRPr lang="en-GB"/>
           </a:p>
@@ -2403,13 +4550,7 @@
       </p:sp>
       <p:sp>
         <p:nvSpPr>
-          <p:cNvPr id="6" name="Footer Placeholder 5">
-            <a:extLst>
-              <a:ext uri="{FF2B5EF4-FFF2-40B4-BE49-F238E27FC236}">
-                <a16:creationId xmlns:a16="http://schemas.microsoft.com/office/drawing/2014/main" id="{7926DB88-5136-02AC-0CAF-FB9BBC9A289C}"/>
-              </a:ext>
-            </a:extLst>
-          </p:cNvPr>
+          <p:cNvPr id="6" name="Footer Placeholder 5"/>
           <p:cNvSpPr>
             <a:spLocks noGrp="1"/>
           </p:cNvSpPr>
@@ -2428,13 +4569,7 @@
       </p:sp>
       <p:sp>
         <p:nvSpPr>
-          <p:cNvPr id="7" name="Slide Number Placeholder 6">
-            <a:extLst>
-              <a:ext uri="{FF2B5EF4-FFF2-40B4-BE49-F238E27FC236}">
-                <a16:creationId xmlns:a16="http://schemas.microsoft.com/office/drawing/2014/main" id="{AA206A0D-08E9-9DA3-B98F-7C2C58240F8F}"/>
-              </a:ext>
-            </a:extLst>
-          </p:cNvPr>
+          <p:cNvPr id="7" name="Slide Number Placeholder 6"/>
           <p:cNvSpPr>
             <a:spLocks noGrp="1"/>
           </p:cNvSpPr>
@@ -2458,7 +4593,7 @@
     </p:spTree>
     <p:extLst>
       <p:ext uri="{BB962C8B-B14F-4D97-AF65-F5344CB8AC3E}">
-        <p14:creationId xmlns:p14="http://schemas.microsoft.com/office/powerpoint/2010/main" val="1045912020"/>
+        <p14:creationId xmlns:p14="http://schemas.microsoft.com/office/powerpoint/2010/main" val="3795463768"/>
       </p:ext>
     </p:extLst>
   </p:cSld>
@@ -2487,13 +4622,7 @@
       </p:grpSpPr>
       <p:sp>
         <p:nvSpPr>
-          <p:cNvPr id="2" name="Title 1">
-            <a:extLst>
-              <a:ext uri="{FF2B5EF4-FFF2-40B4-BE49-F238E27FC236}">
-                <a16:creationId xmlns:a16="http://schemas.microsoft.com/office/drawing/2014/main" id="{F0FB8396-B4B6-C6A5-41D7-C52DD36E41AB}"/>
-              </a:ext>
-            </a:extLst>
-          </p:cNvPr>
+          <p:cNvPr id="2" name="Title 1"/>
           <p:cNvSpPr>
             <a:spLocks noGrp="1"/>
           </p:cNvSpPr>
@@ -2503,15 +4632,17 @@
         </p:nvSpPr>
         <p:spPr>
           <a:xfrm>
-            <a:off x="839788" y="457200"/>
-            <a:ext cx="3932237" cy="1600200"/>
+            <a:off x="1141411" y="1600200"/>
+            <a:ext cx="5334001" cy="1371600"/>
           </a:xfrm>
         </p:spPr>
         <p:txBody>
-          <a:bodyPr anchor="b"/>
+          <a:bodyPr anchor="b">
+            <a:normAutofit/>
+          </a:bodyPr>
           <a:lstStyle>
-            <a:lvl1pPr>
-              <a:defRPr sz="3200"/>
+            <a:lvl1pPr algn="l">
+              <a:defRPr sz="2800" b="0"/>
             </a:lvl1pPr>
           </a:lstStyle>
           <a:p>
@@ -2519,21 +4650,15 @@
               <a:rPr lang="en-US"/>
               <a:t>Click to edit Master title style</a:t>
             </a:r>
-            <a:endParaRPr lang="en-GB"/>
-          </a:p>
-        </p:txBody>
-      </p:sp>
-      <p:sp>
-        <p:nvSpPr>
-          <p:cNvPr id="3" name="Picture Placeholder 2">
-            <a:extLst>
-              <a:ext uri="{FF2B5EF4-FFF2-40B4-BE49-F238E27FC236}">
-                <a16:creationId xmlns:a16="http://schemas.microsoft.com/office/drawing/2014/main" id="{B8C324B8-AD7E-8F9A-99C1-1B1A972ED156}"/>
-              </a:ext>
-            </a:extLst>
-          </p:cNvPr>
-          <p:cNvSpPr>
-            <a:spLocks noGrp="1"/>
+            <a:endParaRPr lang="en-US" dirty="0"/>
+          </a:p>
+        </p:txBody>
+      </p:sp>
+      <p:sp>
+        <p:nvSpPr>
+          <p:cNvPr id="14" name="Picture Placeholder 2"/>
+          <p:cNvSpPr>
+            <a:spLocks noGrp="1" noChangeAspect="1"/>
           </p:cNvSpPr>
           <p:nvPr>
             <p:ph type="pic" idx="1"/>
@@ -2541,118 +4666,143 @@
         </p:nvSpPr>
         <p:spPr>
           <a:xfrm>
-            <a:off x="5183188" y="987425"/>
-            <a:ext cx="6172200" cy="4873625"/>
+            <a:off x="7433733" y="-18288"/>
+            <a:ext cx="3276599" cy="6903720"/>
           </a:xfrm>
+          <a:ln w="38100">
+            <a:gradFill flip="none" rotWithShape="1">
+              <a:gsLst>
+                <a:gs pos="0">
+                  <a:schemeClr val="bg2"/>
+                </a:gs>
+                <a:gs pos="100000">
+                  <a:schemeClr val="bg2">
+                    <a:lumMod val="75000"/>
+                  </a:schemeClr>
+                </a:gs>
+              </a:gsLst>
+              <a:lin ang="5400000" scaled="0"/>
+              <a:tileRect/>
+            </a:gradFill>
+          </a:ln>
+          <a:effectLst>
+            <a:innerShdw blurRad="57150" dist="38100" dir="10800000">
+              <a:srgbClr val="000000">
+                <a:alpha val="70000"/>
+              </a:srgbClr>
+            </a:innerShdw>
+          </a:effectLst>
         </p:spPr>
         <p:txBody>
-          <a:bodyPr/>
+          <a:bodyPr anchor="t">
+            <a:normAutofit/>
+          </a:bodyPr>
           <a:lstStyle>
-            <a:lvl1pPr marL="0" indent="0">
-              <a:buNone/>
-              <a:defRPr sz="3200"/>
-            </a:lvl1pPr>
-            <a:lvl2pPr marL="457200" indent="0">
-              <a:buNone/>
-              <a:defRPr sz="2800"/>
-            </a:lvl2pPr>
-            <a:lvl3pPr marL="914400" indent="0">
-              <a:buNone/>
-              <a:defRPr sz="2400"/>
-            </a:lvl3pPr>
-            <a:lvl4pPr marL="1371600" indent="0">
-              <a:buNone/>
-              <a:defRPr sz="2000"/>
-            </a:lvl4pPr>
-            <a:lvl5pPr marL="1828800" indent="0">
-              <a:buNone/>
-              <a:defRPr sz="2000"/>
-            </a:lvl5pPr>
-            <a:lvl6pPr marL="2286000" indent="0">
-              <a:buNone/>
-              <a:defRPr sz="2000"/>
-            </a:lvl6pPr>
-            <a:lvl7pPr marL="2743200" indent="0">
-              <a:buNone/>
-              <a:defRPr sz="2000"/>
-            </a:lvl7pPr>
-            <a:lvl8pPr marL="3200400" indent="0">
-              <a:buNone/>
-              <a:defRPr sz="2000"/>
-            </a:lvl8pPr>
-            <a:lvl9pPr marL="3657600" indent="0">
-              <a:buNone/>
-              <a:defRPr sz="2000"/>
-            </a:lvl9pPr>
-          </a:lstStyle>
-          <a:p>
-            <a:endParaRPr lang="en-GB"/>
-          </a:p>
-        </p:txBody>
-      </p:sp>
-      <p:sp>
-        <p:nvSpPr>
-          <p:cNvPr id="4" name="Text Placeholder 3">
-            <a:extLst>
-              <a:ext uri="{FF2B5EF4-FFF2-40B4-BE49-F238E27FC236}">
-                <a16:creationId xmlns:a16="http://schemas.microsoft.com/office/drawing/2014/main" id="{0489EE92-D433-6BB8-FD38-437877B9ECD6}"/>
-              </a:ext>
-            </a:extLst>
-          </p:cNvPr>
-          <p:cNvSpPr>
-            <a:spLocks noGrp="1"/>
-          </p:cNvSpPr>
-          <p:nvPr>
-            <p:ph type="body" sz="half" idx="2"/>
-          </p:nvPr>
-        </p:nvSpPr>
-        <p:spPr>
-          <a:xfrm>
-            <a:off x="839788" y="2057400"/>
-            <a:ext cx="3932237" cy="3811588"/>
-          </a:xfrm>
-        </p:spPr>
-        <p:txBody>
-          <a:bodyPr/>
-          <a:lstStyle>
-            <a:lvl1pPr marL="0" indent="0">
+            <a:lvl1pPr marL="0" indent="0" algn="ctr">
               <a:buNone/>
               <a:defRPr sz="1600"/>
             </a:lvl1pPr>
             <a:lvl2pPr marL="457200" indent="0">
               <a:buNone/>
-              <a:defRPr sz="1400"/>
+              <a:defRPr sz="1600"/>
             </a:lvl2pPr>
             <a:lvl3pPr marL="914400" indent="0">
               <a:buNone/>
-              <a:defRPr sz="1200"/>
+              <a:defRPr sz="1600"/>
             </a:lvl3pPr>
             <a:lvl4pPr marL="1371600" indent="0">
               <a:buNone/>
-              <a:defRPr sz="1000"/>
+              <a:defRPr sz="1600"/>
             </a:lvl4pPr>
             <a:lvl5pPr marL="1828800" indent="0">
               <a:buNone/>
-              <a:defRPr sz="1000"/>
+              <a:defRPr sz="1600"/>
             </a:lvl5pPr>
             <a:lvl6pPr marL="2286000" indent="0">
               <a:buNone/>
-              <a:defRPr sz="1000"/>
+              <a:defRPr sz="1600"/>
             </a:lvl6pPr>
             <a:lvl7pPr marL="2743200" indent="0">
               <a:buNone/>
-              <a:defRPr sz="1000"/>
+              <a:defRPr sz="1600"/>
             </a:lvl7pPr>
             <a:lvl8pPr marL="3200400" indent="0">
               <a:buNone/>
-              <a:defRPr sz="1000"/>
+              <a:defRPr sz="1600"/>
             </a:lvl8pPr>
             <a:lvl9pPr marL="3657600" indent="0">
               <a:buNone/>
-              <a:defRPr sz="1000"/>
+              <a:defRPr sz="1600"/>
             </a:lvl9pPr>
           </a:lstStyle>
           <a:p>
+            <a:r>
+              <a:rPr lang="en-US"/>
+              <a:t>Click icon to add picture</a:t>
+            </a:r>
+            <a:endParaRPr lang="en-US" dirty="0"/>
+          </a:p>
+        </p:txBody>
+      </p:sp>
+      <p:sp>
+        <p:nvSpPr>
+          <p:cNvPr id="4" name="Text Placeholder 3"/>
+          <p:cNvSpPr>
+            <a:spLocks noGrp="1"/>
+          </p:cNvSpPr>
+          <p:nvPr>
+            <p:ph type="body" sz="half" idx="2"/>
+          </p:nvPr>
+        </p:nvSpPr>
+        <p:spPr>
+          <a:xfrm>
+            <a:off x="1141411" y="2971800"/>
+            <a:ext cx="5334001" cy="1828800"/>
+          </a:xfrm>
+        </p:spPr>
+        <p:txBody>
+          <a:bodyPr>
+            <a:normAutofit/>
+          </a:bodyPr>
+          <a:lstStyle>
+            <a:lvl1pPr marL="0" indent="0">
+              <a:buNone/>
+              <a:defRPr sz="1800"/>
+            </a:lvl1pPr>
+            <a:lvl2pPr marL="457200" indent="0">
+              <a:buNone/>
+              <a:defRPr sz="1200"/>
+            </a:lvl2pPr>
+            <a:lvl3pPr marL="914400" indent="0">
+              <a:buNone/>
+              <a:defRPr sz="1000"/>
+            </a:lvl3pPr>
+            <a:lvl4pPr marL="1371600" indent="0">
+              <a:buNone/>
+              <a:defRPr sz="900"/>
+            </a:lvl4pPr>
+            <a:lvl5pPr marL="1828800" indent="0">
+              <a:buNone/>
+              <a:defRPr sz="900"/>
+            </a:lvl5pPr>
+            <a:lvl6pPr marL="2286000" indent="0">
+              <a:buNone/>
+              <a:defRPr sz="900"/>
+            </a:lvl6pPr>
+            <a:lvl7pPr marL="2743200" indent="0">
+              <a:buNone/>
+              <a:defRPr sz="900"/>
+            </a:lvl7pPr>
+            <a:lvl8pPr marL="3200400" indent="0">
+              <a:buNone/>
+              <a:defRPr sz="900"/>
+            </a:lvl8pPr>
+            <a:lvl9pPr marL="3657600" indent="0">
+              <a:buNone/>
+              <a:defRPr sz="900"/>
+            </a:lvl9pPr>
+          </a:lstStyle>
+          <a:p>
             <a:pPr lvl="0"/>
             <a:r>
               <a:rPr lang="en-US"/>
@@ -2663,13 +4813,7 @@
       </p:sp>
       <p:sp>
         <p:nvSpPr>
-          <p:cNvPr id="5" name="Date Placeholder 4">
-            <a:extLst>
-              <a:ext uri="{FF2B5EF4-FFF2-40B4-BE49-F238E27FC236}">
-                <a16:creationId xmlns:a16="http://schemas.microsoft.com/office/drawing/2014/main" id="{1F445286-057B-48AD-2489-061CDA3CAB2B}"/>
-              </a:ext>
-            </a:extLst>
-          </p:cNvPr>
+          <p:cNvPr id="5" name="Date Placeholder 4"/>
           <p:cNvSpPr>
             <a:spLocks noGrp="1"/>
           </p:cNvSpPr>
@@ -2677,14 +4821,19 @@
             <p:ph type="dt" sz="half" idx="10"/>
           </p:nvPr>
         </p:nvSpPr>
-        <p:spPr/>
+        <p:spPr>
+          <a:xfrm>
+            <a:off x="6399212" y="5883275"/>
+            <a:ext cx="914400" cy="365125"/>
+          </a:xfrm>
+        </p:spPr>
         <p:txBody>
           <a:bodyPr/>
           <a:lstStyle/>
           <a:p>
             <a:fld id="{07F39D79-7497-4A8A-8B71-6E93BD0E3C8A}" type="datetimeFigureOut">
               <a:rPr lang="en-GB" smtClean="0"/>
-              <a:t>29/04/2025</a:t>
+              <a:t>09/05/2025</a:t>
             </a:fld>
             <a:endParaRPr lang="en-GB"/>
           </a:p>
@@ -2692,13 +4841,7 @@
       </p:sp>
       <p:sp>
         <p:nvSpPr>
-          <p:cNvPr id="6" name="Footer Placeholder 5">
-            <a:extLst>
-              <a:ext uri="{FF2B5EF4-FFF2-40B4-BE49-F238E27FC236}">
-                <a16:creationId xmlns:a16="http://schemas.microsoft.com/office/drawing/2014/main" id="{A319FF95-253F-AA68-BC19-B883B17DB648}"/>
-              </a:ext>
-            </a:extLst>
-          </p:cNvPr>
+          <p:cNvPr id="6" name="Footer Placeholder 5"/>
           <p:cNvSpPr>
             <a:spLocks noGrp="1"/>
           </p:cNvSpPr>
@@ -2706,7 +4849,12 @@
             <p:ph type="ftr" sz="quarter" idx="11"/>
           </p:nvPr>
         </p:nvSpPr>
-        <p:spPr/>
+        <p:spPr>
+          <a:xfrm>
+            <a:off x="1141412" y="5883275"/>
+            <a:ext cx="5105400" cy="365125"/>
+          </a:xfrm>
+        </p:spPr>
         <p:txBody>
           <a:bodyPr/>
           <a:lstStyle/>
@@ -2717,13 +4865,7 @@
       </p:sp>
       <p:sp>
         <p:nvSpPr>
-          <p:cNvPr id="7" name="Slide Number Placeholder 6">
-            <a:extLst>
-              <a:ext uri="{FF2B5EF4-FFF2-40B4-BE49-F238E27FC236}">
-                <a16:creationId xmlns:a16="http://schemas.microsoft.com/office/drawing/2014/main" id="{902D338A-03A7-6943-9E32-E88B283C6839}"/>
-              </a:ext>
-            </a:extLst>
-          </p:cNvPr>
+          <p:cNvPr id="7" name="Slide Number Placeholder 6"/>
           <p:cNvSpPr>
             <a:spLocks noGrp="1"/>
           </p:cNvSpPr>
@@ -2731,7 +4873,12 @@
             <p:ph type="sldNum" sz="quarter" idx="12"/>
           </p:nvPr>
         </p:nvSpPr>
-        <p:spPr/>
+        <p:spPr>
+          <a:xfrm>
+            <a:off x="10742612" y="5883275"/>
+            <a:ext cx="322567" cy="365125"/>
+          </a:xfrm>
+        </p:spPr>
         <p:txBody>
           <a:bodyPr/>
           <a:lstStyle/>
@@ -2747,7 +4894,7 @@
     </p:spTree>
     <p:extLst>
       <p:ext uri="{BB962C8B-B14F-4D97-AF65-F5344CB8AC3E}">
-        <p14:creationId xmlns:p14="http://schemas.microsoft.com/office/powerpoint/2010/main" val="2950599826"/>
+        <p14:creationId xmlns:p14="http://schemas.microsoft.com/office/powerpoint/2010/main" val="2588970456"/>
       </p:ext>
     </p:extLst>
   </p:cSld>
@@ -2761,8 +4908,8 @@
 <p:sldMaster xmlns:a="http://schemas.openxmlformats.org/drawingml/2006/main" xmlns:r="http://schemas.openxmlformats.org/officeDocument/2006/relationships" xmlns:p="http://schemas.openxmlformats.org/presentationml/2006/main">
   <p:cSld>
     <p:bg>
-      <p:bgRef idx="1001">
-        <a:schemeClr val="bg1"/>
+      <p:bgRef idx="1003">
+        <a:schemeClr val="bg2"/>
       </p:bgRef>
     </p:bg>
     <p:spTree>
@@ -2781,13 +4928,7 @@
       </p:grpSpPr>
       <p:sp>
         <p:nvSpPr>
-          <p:cNvPr id="2" name="Title Placeholder 1">
-            <a:extLst>
-              <a:ext uri="{FF2B5EF4-FFF2-40B4-BE49-F238E27FC236}">
-                <a16:creationId xmlns:a16="http://schemas.microsoft.com/office/drawing/2014/main" id="{3A459E3C-EA7D-5102-B452-BC47A3D16AF1}"/>
-              </a:ext>
-            </a:extLst>
-          </p:cNvPr>
+          <p:cNvPr id="2" name="Title Placeholder 1"/>
           <p:cNvSpPr>
             <a:spLocks noGrp="1"/>
           </p:cNvSpPr>
@@ -2797,8 +4938,8 @@
         </p:nvSpPr>
         <p:spPr>
           <a:xfrm>
-            <a:off x="838200" y="365125"/>
-            <a:ext cx="10515600" cy="1325563"/>
+            <a:off x="1141413" y="609600"/>
+            <a:ext cx="9905998" cy="1905000"/>
           </a:xfrm>
           <a:prstGeom prst="rect">
             <a:avLst/>
@@ -2814,19 +4955,13 @@
               <a:rPr lang="en-US"/>
               <a:t>Click to edit Master title style</a:t>
             </a:r>
-            <a:endParaRPr lang="en-GB"/>
-          </a:p>
-        </p:txBody>
-      </p:sp>
-      <p:sp>
-        <p:nvSpPr>
-          <p:cNvPr id="3" name="Text Placeholder 2">
-            <a:extLst>
-              <a:ext uri="{FF2B5EF4-FFF2-40B4-BE49-F238E27FC236}">
-                <a16:creationId xmlns:a16="http://schemas.microsoft.com/office/drawing/2014/main" id="{97D7AF86-C14C-C51C-0D57-881211219FAA}"/>
-              </a:ext>
-            </a:extLst>
-          </p:cNvPr>
+            <a:endParaRPr lang="en-US" dirty="0"/>
+          </a:p>
+        </p:txBody>
+      </p:sp>
+      <p:sp>
+        <p:nvSpPr>
+          <p:cNvPr id="3" name="Text Placeholder 2"/>
           <p:cNvSpPr>
             <a:spLocks noGrp="1"/>
           </p:cNvSpPr>
@@ -2836,15 +4971,15 @@
         </p:nvSpPr>
         <p:spPr>
           <a:xfrm>
-            <a:off x="838200" y="1825625"/>
-            <a:ext cx="10515600" cy="4351338"/>
+            <a:off x="1141413" y="2666999"/>
+            <a:ext cx="9905998" cy="3124201"/>
           </a:xfrm>
           <a:prstGeom prst="rect">
             <a:avLst/>
           </a:prstGeom>
         </p:spPr>
         <p:txBody>
-          <a:bodyPr vert="horz" lIns="91440" tIns="45720" rIns="91440" bIns="45720" rtlCol="0">
+          <a:bodyPr vert="horz" lIns="91440" tIns="45720" rIns="91440" bIns="45720" rtlCol="0" anchor="ctr">
             <a:normAutofit/>
           </a:bodyPr>
           <a:lstStyle/>
@@ -2882,19 +5017,13 @@
               <a:rPr lang="en-US"/>
               <a:t>Fifth level</a:t>
             </a:r>
-            <a:endParaRPr lang="en-GB"/>
-          </a:p>
-        </p:txBody>
-      </p:sp>
-      <p:sp>
-        <p:nvSpPr>
-          <p:cNvPr id="4" name="Date Placeholder 3">
-            <a:extLst>
-              <a:ext uri="{FF2B5EF4-FFF2-40B4-BE49-F238E27FC236}">
-                <a16:creationId xmlns:a16="http://schemas.microsoft.com/office/drawing/2014/main" id="{DBC3A27D-D32F-8F48-13A4-11EAFB7FEF2B}"/>
-              </a:ext>
-            </a:extLst>
-          </p:cNvPr>
+            <a:endParaRPr lang="en-US" dirty="0"/>
+          </a:p>
+        </p:txBody>
+      </p:sp>
+      <p:sp>
+        <p:nvSpPr>
+          <p:cNvPr id="4" name="Date Placeholder 3"/>
           <p:cNvSpPr>
             <a:spLocks noGrp="1"/>
           </p:cNvSpPr>
@@ -2904,8 +5033,8 @@
         </p:nvSpPr>
         <p:spPr>
           <a:xfrm>
-            <a:off x="838200" y="6356350"/>
-            <a:ext cx="2743200" cy="365125"/>
+            <a:off x="8837612" y="5883275"/>
+            <a:ext cx="1600200" cy="365125"/>
           </a:xfrm>
           <a:prstGeom prst="rect">
             <a:avLst/>
@@ -2914,20 +5043,28 @@
         <p:txBody>
           <a:bodyPr vert="horz" lIns="91440" tIns="45720" rIns="91440" bIns="45720" rtlCol="0" anchor="ctr"/>
           <a:lstStyle>
-            <a:lvl1pPr algn="l">
-              <a:defRPr sz="1200">
+            <a:lvl1pPr algn="r">
+              <a:defRPr sz="900" b="1" i="0">
                 <a:solidFill>
                   <a:schemeClr val="tx1">
-                    <a:tint val="82000"/>
+                    <a:lumMod val="75000"/>
                   </a:schemeClr>
                 </a:solidFill>
+                <a:effectLst>
+                  <a:outerShdw blurRad="50800" dist="38100" dir="2700000" algn="tl" rotWithShape="0">
+                    <a:srgbClr val="000000">
+                      <a:alpha val="43000"/>
+                    </a:srgbClr>
+                  </a:outerShdw>
+                </a:effectLst>
+                <a:latin typeface="+mn-lt"/>
               </a:defRPr>
             </a:lvl1pPr>
           </a:lstStyle>
           <a:p>
             <a:fld id="{07F39D79-7497-4A8A-8B71-6E93BD0E3C8A}" type="datetimeFigureOut">
               <a:rPr lang="en-GB" smtClean="0"/>
-              <a:t>29/04/2025</a:t>
+              <a:t>09/05/2025</a:t>
             </a:fld>
             <a:endParaRPr lang="en-GB"/>
           </a:p>
@@ -2935,13 +5072,7 @@
       </p:sp>
       <p:sp>
         <p:nvSpPr>
-          <p:cNvPr id="5" name="Footer Placeholder 4">
-            <a:extLst>
-              <a:ext uri="{FF2B5EF4-FFF2-40B4-BE49-F238E27FC236}">
-                <a16:creationId xmlns:a16="http://schemas.microsoft.com/office/drawing/2014/main" id="{F2064983-8773-B680-18C9-83D3F3FA0492}"/>
-              </a:ext>
-            </a:extLst>
-          </p:cNvPr>
+          <p:cNvPr id="5" name="Footer Placeholder 4"/>
           <p:cNvSpPr>
             <a:spLocks noGrp="1"/>
           </p:cNvSpPr>
@@ -2951,8 +5082,8 @@
         </p:nvSpPr>
         <p:spPr>
           <a:xfrm>
-            <a:off x="4038600" y="6356350"/>
-            <a:ext cx="4114800" cy="365125"/>
+            <a:off x="1141412" y="5883275"/>
+            <a:ext cx="7543800" cy="365125"/>
           </a:xfrm>
           <a:prstGeom prst="rect">
             <a:avLst/>
@@ -2961,13 +5092,21 @@
         <p:txBody>
           <a:bodyPr vert="horz" lIns="91440" tIns="45720" rIns="91440" bIns="45720" rtlCol="0" anchor="ctr"/>
           <a:lstStyle>
-            <a:lvl1pPr algn="ctr">
-              <a:defRPr sz="1200">
+            <a:lvl1pPr algn="l">
+              <a:defRPr sz="900" b="1" i="0">
                 <a:solidFill>
                   <a:schemeClr val="tx1">
-                    <a:tint val="82000"/>
+                    <a:lumMod val="75000"/>
                   </a:schemeClr>
                 </a:solidFill>
+                <a:effectLst>
+                  <a:outerShdw blurRad="50800" dist="38100" dir="2700000" algn="tl" rotWithShape="0">
+                    <a:srgbClr val="000000">
+                      <a:alpha val="43000"/>
+                    </a:srgbClr>
+                  </a:outerShdw>
+                </a:effectLst>
+                <a:latin typeface="+mn-lt"/>
               </a:defRPr>
             </a:lvl1pPr>
           </a:lstStyle>
@@ -2978,13 +5117,7 @@
       </p:sp>
       <p:sp>
         <p:nvSpPr>
-          <p:cNvPr id="6" name="Slide Number Placeholder 5">
-            <a:extLst>
-              <a:ext uri="{FF2B5EF4-FFF2-40B4-BE49-F238E27FC236}">
-                <a16:creationId xmlns:a16="http://schemas.microsoft.com/office/drawing/2014/main" id="{CAA00A1F-DBBE-D897-6258-A38249B3566B}"/>
-              </a:ext>
-            </a:extLst>
-          </p:cNvPr>
+          <p:cNvPr id="6" name="Slide Number Placeholder 5"/>
           <p:cNvSpPr>
             <a:spLocks noGrp="1"/>
           </p:cNvSpPr>
@@ -2994,8 +5127,8 @@
         </p:nvSpPr>
         <p:spPr>
           <a:xfrm>
-            <a:off x="8610600" y="6356350"/>
-            <a:ext cx="2743200" cy="365125"/>
+            <a:off x="10514012" y="5883275"/>
+            <a:ext cx="551167" cy="365125"/>
           </a:xfrm>
           <a:prstGeom prst="rect">
             <a:avLst/>
@@ -3005,12 +5138,20 @@
           <a:bodyPr vert="horz" lIns="91440" tIns="45720" rIns="91440" bIns="45720" rtlCol="0" anchor="ctr"/>
           <a:lstStyle>
             <a:lvl1pPr algn="r">
-              <a:defRPr sz="1200">
+              <a:defRPr sz="900" b="1" i="0">
                 <a:solidFill>
                   <a:schemeClr val="tx1">
-                    <a:tint val="82000"/>
+                    <a:lumMod val="75000"/>
                   </a:schemeClr>
                 </a:solidFill>
+                <a:effectLst>
+                  <a:outerShdw blurRad="50800" dist="38100" dir="2700000" algn="tl" rotWithShape="0">
+                    <a:srgbClr val="000000">
+                      <a:alpha val="43000"/>
+                    </a:srgbClr>
+                  </a:outerShdw>
+                </a:effectLst>
+                <a:latin typeface="+mn-lt"/>
               </a:defRPr>
             </a:lvl1pPr>
           </a:lstStyle>
@@ -3026,202 +5167,440 @@
     </p:spTree>
     <p:extLst>
       <p:ext uri="{BB962C8B-B14F-4D97-AF65-F5344CB8AC3E}">
-        <p14:creationId xmlns:p14="http://schemas.microsoft.com/office/powerpoint/2010/main" val="2508811700"/>
+        <p14:creationId xmlns:p14="http://schemas.microsoft.com/office/powerpoint/2010/main" val="125800347"/>
       </p:ext>
     </p:extLst>
   </p:cSld>
-  <p:clrMap bg1="lt1" tx1="dk1" bg2="lt2" tx2="dk2" accent1="accent1" accent2="accent2" accent3="accent3" accent4="accent4" accent5="accent5" accent6="accent6" hlink="hlink" folHlink="folHlink"/>
+  <p:clrMap bg1="dk1" tx1="lt1" bg2="dk2" tx2="lt2" accent1="accent1" accent2="accent2" accent3="accent3" accent4="accent4" accent5="accent5" accent6="accent6" hlink="hlink" folHlink="folHlink"/>
   <p:sldLayoutIdLst>
-    <p:sldLayoutId id="2147483649" r:id="rId1"/>
-    <p:sldLayoutId id="2147483650" r:id="rId2"/>
-    <p:sldLayoutId id="2147483651" r:id="rId3"/>
-    <p:sldLayoutId id="2147483652" r:id="rId4"/>
-    <p:sldLayoutId id="2147483653" r:id="rId5"/>
-    <p:sldLayoutId id="2147483654" r:id="rId6"/>
-    <p:sldLayoutId id="2147483655" r:id="rId7"/>
-    <p:sldLayoutId id="2147483656" r:id="rId8"/>
-    <p:sldLayoutId id="2147483657" r:id="rId9"/>
-    <p:sldLayoutId id="2147483658" r:id="rId10"/>
-    <p:sldLayoutId id="2147483659" r:id="rId11"/>
+    <p:sldLayoutId id="2147483715" r:id="rId1"/>
+    <p:sldLayoutId id="2147483716" r:id="rId2"/>
+    <p:sldLayoutId id="2147483717" r:id="rId3"/>
+    <p:sldLayoutId id="2147483718" r:id="rId4"/>
+    <p:sldLayoutId id="2147483719" r:id="rId5"/>
+    <p:sldLayoutId id="2147483720" r:id="rId6"/>
+    <p:sldLayoutId id="2147483721" r:id="rId7"/>
+    <p:sldLayoutId id="2147483722" r:id="rId8"/>
+    <p:sldLayoutId id="2147483723" r:id="rId9"/>
+    <p:sldLayoutId id="2147483724" r:id="rId10"/>
+    <p:sldLayoutId id="2147483725" r:id="rId11"/>
+    <p:sldLayoutId id="2147483726" r:id="rId12"/>
+    <p:sldLayoutId id="2147483727" r:id="rId13"/>
+    <p:sldLayoutId id="2147483728" r:id="rId14"/>
+    <p:sldLayoutId id="2147483729" r:id="rId15"/>
+    <p:sldLayoutId id="2147483730" r:id="rId16"/>
+    <p:sldLayoutId id="2147483731" r:id="rId17"/>
   </p:sldLayoutIdLst>
   <p:txStyles>
     <p:titleStyle>
-      <a:lvl1pPr algn="l" defTabSz="914400" rtl="0" eaLnBrk="1" latinLnBrk="0" hangingPunct="1">
-        <a:lnSpc>
-          <a:spcPct val="90000"/>
-        </a:lnSpc>
+      <a:lvl1pPr algn="l" defTabSz="457200" rtl="0" eaLnBrk="1" latinLnBrk="0" hangingPunct="1">
         <a:spcBef>
           <a:spcPct val="0"/>
         </a:spcBef>
         <a:buNone/>
-        <a:defRPr sz="4400" kern="1200">
+        <a:defRPr sz="3200" kern="1200" cap="all">
+          <a:ln w="3175" cmpd="sng">
+            <a:noFill/>
+          </a:ln>
           <a:solidFill>
-            <a:schemeClr val="tx1"/>
+            <a:schemeClr val="accent1"/>
           </a:solidFill>
+          <a:effectLst>
+            <a:glow rad="38100">
+              <a:schemeClr val="bg1">
+                <a:lumMod val="65000"/>
+                <a:lumOff val="35000"/>
+                <a:alpha val="40000"/>
+              </a:schemeClr>
+            </a:glow>
+            <a:outerShdw blurRad="28575" dist="38100" dir="14040000" algn="tl" rotWithShape="0">
+              <a:srgbClr val="000000">
+                <a:alpha val="25000"/>
+              </a:srgbClr>
+            </a:outerShdw>
+          </a:effectLst>
           <a:latin typeface="+mj-lt"/>
           <a:ea typeface="+mj-ea"/>
           <a:cs typeface="+mj-cs"/>
         </a:defRPr>
       </a:lvl1pPr>
+      <a:lvl2pPr eaLnBrk="1" hangingPunct="1">
+        <a:defRPr>
+          <a:solidFill>
+            <a:schemeClr val="tx2"/>
+          </a:solidFill>
+        </a:defRPr>
+      </a:lvl2pPr>
+      <a:lvl3pPr eaLnBrk="1" hangingPunct="1">
+        <a:defRPr>
+          <a:solidFill>
+            <a:schemeClr val="tx2"/>
+          </a:solidFill>
+        </a:defRPr>
+      </a:lvl3pPr>
+      <a:lvl4pPr eaLnBrk="1" hangingPunct="1">
+        <a:defRPr>
+          <a:solidFill>
+            <a:schemeClr val="tx2"/>
+          </a:solidFill>
+        </a:defRPr>
+      </a:lvl4pPr>
+      <a:lvl5pPr eaLnBrk="1" hangingPunct="1">
+        <a:defRPr>
+          <a:solidFill>
+            <a:schemeClr val="tx2"/>
+          </a:solidFill>
+        </a:defRPr>
+      </a:lvl5pPr>
+      <a:lvl6pPr eaLnBrk="1" hangingPunct="1">
+        <a:defRPr>
+          <a:solidFill>
+            <a:schemeClr val="tx2"/>
+          </a:solidFill>
+        </a:defRPr>
+      </a:lvl6pPr>
+      <a:lvl7pPr eaLnBrk="1" hangingPunct="1">
+        <a:defRPr>
+          <a:solidFill>
+            <a:schemeClr val="tx2"/>
+          </a:solidFill>
+        </a:defRPr>
+      </a:lvl7pPr>
+      <a:lvl8pPr eaLnBrk="1" hangingPunct="1">
+        <a:defRPr>
+          <a:solidFill>
+            <a:schemeClr val="tx2"/>
+          </a:solidFill>
+        </a:defRPr>
+      </a:lvl8pPr>
+      <a:lvl9pPr eaLnBrk="1" hangingPunct="1">
+        <a:defRPr>
+          <a:solidFill>
+            <a:schemeClr val="tx2"/>
+          </a:solidFill>
+        </a:defRPr>
+      </a:lvl9pPr>
     </p:titleStyle>
     <p:bodyStyle>
-      <a:lvl1pPr marL="228600" indent="-228600" algn="l" defTabSz="914400" rtl="0" eaLnBrk="1" latinLnBrk="0" hangingPunct="1">
-        <a:lnSpc>
-          <a:spcPct val="90000"/>
-        </a:lnSpc>
+      <a:lvl1pPr marL="285750" indent="-285750" algn="l" defTabSz="457200" rtl="0" eaLnBrk="1" latinLnBrk="0" hangingPunct="1">
         <a:spcBef>
-          <a:spcPts val="1000"/>
+          <a:spcPct val="20000"/>
         </a:spcBef>
-        <a:buFont typeface="Arial" panose="020B0604020202020204" pitchFamily="34" charset="0"/>
+        <a:spcAft>
+          <a:spcPts val="600"/>
+        </a:spcAft>
+        <a:buClr>
+          <a:schemeClr val="accent1"/>
+        </a:buClr>
+        <a:buSzPct val="100000"/>
+        <a:buFont typeface="Arial"/>
         <a:buChar char="•"/>
-        <a:defRPr sz="2800" kern="1200">
+        <a:defRPr sz="2000" kern="1200" cap="small">
           <a:solidFill>
             <a:schemeClr val="tx1"/>
           </a:solidFill>
+          <a:effectLst>
+            <a:glow rad="38100">
+              <a:schemeClr val="bg1">
+                <a:lumMod val="50000"/>
+                <a:lumOff val="50000"/>
+                <a:alpha val="20000"/>
+              </a:schemeClr>
+            </a:glow>
+            <a:outerShdw blurRad="44450" dist="12700" dir="13860000" algn="tl" rotWithShape="0">
+              <a:srgbClr val="000000">
+                <a:alpha val="20000"/>
+              </a:srgbClr>
+            </a:outerShdw>
+          </a:effectLst>
           <a:latin typeface="+mn-lt"/>
           <a:ea typeface="+mn-ea"/>
           <a:cs typeface="+mn-cs"/>
         </a:defRPr>
       </a:lvl1pPr>
-      <a:lvl2pPr marL="685800" indent="-228600" algn="l" defTabSz="914400" rtl="0" eaLnBrk="1" latinLnBrk="0" hangingPunct="1">
-        <a:lnSpc>
-          <a:spcPct val="90000"/>
-        </a:lnSpc>
+      <a:lvl2pPr marL="742950" indent="-285750" algn="l" defTabSz="457200" rtl="0" eaLnBrk="1" latinLnBrk="0" hangingPunct="1">
         <a:spcBef>
-          <a:spcPts val="500"/>
+          <a:spcPct val="20000"/>
         </a:spcBef>
-        <a:buFont typeface="Arial" panose="020B0604020202020204" pitchFamily="34" charset="0"/>
+        <a:spcAft>
+          <a:spcPts val="600"/>
+        </a:spcAft>
+        <a:buClr>
+          <a:schemeClr val="accent1"/>
+        </a:buClr>
+        <a:buSzPct val="100000"/>
+        <a:buFont typeface="Arial"/>
         <a:buChar char="•"/>
-        <a:defRPr sz="2400" kern="1200">
+        <a:defRPr sz="1800" kern="1200" cap="small">
           <a:solidFill>
             <a:schemeClr val="tx1"/>
           </a:solidFill>
+          <a:effectLst>
+            <a:glow rad="38100">
+              <a:schemeClr val="bg1">
+                <a:lumMod val="50000"/>
+                <a:lumOff val="50000"/>
+                <a:alpha val="20000"/>
+              </a:schemeClr>
+            </a:glow>
+            <a:outerShdw blurRad="44450" dist="12700" dir="13860000" algn="tl" rotWithShape="0">
+              <a:srgbClr val="000000">
+                <a:alpha val="20000"/>
+              </a:srgbClr>
+            </a:outerShdw>
+          </a:effectLst>
           <a:latin typeface="+mn-lt"/>
           <a:ea typeface="+mn-ea"/>
           <a:cs typeface="+mn-cs"/>
         </a:defRPr>
       </a:lvl2pPr>
-      <a:lvl3pPr marL="1143000" indent="-228600" algn="l" defTabSz="914400" rtl="0" eaLnBrk="1" latinLnBrk="0" hangingPunct="1">
-        <a:lnSpc>
-          <a:spcPct val="90000"/>
-        </a:lnSpc>
+      <a:lvl3pPr marL="1200150" indent="-285750" algn="l" defTabSz="457200" rtl="0" eaLnBrk="1" latinLnBrk="0" hangingPunct="1">
         <a:spcBef>
-          <a:spcPts val="500"/>
+          <a:spcPct val="20000"/>
         </a:spcBef>
-        <a:buFont typeface="Arial" panose="020B0604020202020204" pitchFamily="34" charset="0"/>
+        <a:spcAft>
+          <a:spcPts val="600"/>
+        </a:spcAft>
+        <a:buClr>
+          <a:schemeClr val="accent1"/>
+        </a:buClr>
+        <a:buSzPct val="100000"/>
+        <a:buFont typeface="Arial"/>
         <a:buChar char="•"/>
-        <a:defRPr sz="2000" kern="1200">
+        <a:defRPr sz="1600" kern="1200" cap="small">
           <a:solidFill>
             <a:schemeClr val="tx1"/>
           </a:solidFill>
+          <a:effectLst>
+            <a:glow rad="38100">
+              <a:schemeClr val="bg1">
+                <a:lumMod val="50000"/>
+                <a:lumOff val="50000"/>
+                <a:alpha val="20000"/>
+              </a:schemeClr>
+            </a:glow>
+            <a:outerShdw blurRad="44450" dist="12700" dir="13860000" algn="tl" rotWithShape="0">
+              <a:srgbClr val="000000">
+                <a:alpha val="20000"/>
+              </a:srgbClr>
+            </a:outerShdw>
+          </a:effectLst>
           <a:latin typeface="+mn-lt"/>
           <a:ea typeface="+mn-ea"/>
           <a:cs typeface="+mn-cs"/>
         </a:defRPr>
       </a:lvl3pPr>
-      <a:lvl4pPr marL="1600200" indent="-228600" algn="l" defTabSz="914400" rtl="0" eaLnBrk="1" latinLnBrk="0" hangingPunct="1">
-        <a:lnSpc>
-          <a:spcPct val="90000"/>
-        </a:lnSpc>
+      <a:lvl4pPr marL="1543050" indent="-171450" algn="l" defTabSz="457200" rtl="0" eaLnBrk="1" latinLnBrk="0" hangingPunct="1">
         <a:spcBef>
-          <a:spcPts val="500"/>
+          <a:spcPct val="20000"/>
         </a:spcBef>
-        <a:buFont typeface="Arial" panose="020B0604020202020204" pitchFamily="34" charset="0"/>
+        <a:spcAft>
+          <a:spcPts val="600"/>
+        </a:spcAft>
+        <a:buClr>
+          <a:schemeClr val="accent1"/>
+        </a:buClr>
+        <a:buSzPct val="100000"/>
+        <a:buFont typeface="Arial"/>
         <a:buChar char="•"/>
-        <a:defRPr sz="1800" kern="1200">
+        <a:defRPr sz="1400" kern="1200" cap="small">
           <a:solidFill>
             <a:schemeClr val="tx1"/>
           </a:solidFill>
+          <a:effectLst>
+            <a:glow rad="38100">
+              <a:schemeClr val="bg1">
+                <a:lumMod val="50000"/>
+                <a:lumOff val="50000"/>
+                <a:alpha val="20000"/>
+              </a:schemeClr>
+            </a:glow>
+            <a:outerShdw blurRad="44450" dist="12700" dir="13860000" algn="tl" rotWithShape="0">
+              <a:srgbClr val="000000">
+                <a:alpha val="20000"/>
+              </a:srgbClr>
+            </a:outerShdw>
+          </a:effectLst>
           <a:latin typeface="+mn-lt"/>
           <a:ea typeface="+mn-ea"/>
           <a:cs typeface="+mn-cs"/>
         </a:defRPr>
       </a:lvl4pPr>
-      <a:lvl5pPr marL="2057400" indent="-228600" algn="l" defTabSz="914400" rtl="0" eaLnBrk="1" latinLnBrk="0" hangingPunct="1">
-        <a:lnSpc>
-          <a:spcPct val="90000"/>
-        </a:lnSpc>
+      <a:lvl5pPr marL="2000250" indent="-171450" algn="l" defTabSz="457200" rtl="0" eaLnBrk="1" latinLnBrk="0" hangingPunct="1">
         <a:spcBef>
-          <a:spcPts val="500"/>
+          <a:spcPct val="20000"/>
         </a:spcBef>
-        <a:buFont typeface="Arial" panose="020B0604020202020204" pitchFamily="34" charset="0"/>
+        <a:spcAft>
+          <a:spcPts val="600"/>
+        </a:spcAft>
+        <a:buClr>
+          <a:schemeClr val="accent1"/>
+        </a:buClr>
+        <a:buSzPct val="100000"/>
+        <a:buFont typeface="Arial"/>
         <a:buChar char="•"/>
-        <a:defRPr sz="1800" kern="1200">
+        <a:defRPr sz="1400" kern="1200" cap="small">
           <a:solidFill>
             <a:schemeClr val="tx1"/>
           </a:solidFill>
+          <a:effectLst>
+            <a:glow rad="38100">
+              <a:schemeClr val="bg1">
+                <a:lumMod val="50000"/>
+                <a:lumOff val="50000"/>
+                <a:alpha val="20000"/>
+              </a:schemeClr>
+            </a:glow>
+            <a:outerShdw blurRad="44450" dist="12700" dir="13860000" algn="tl" rotWithShape="0">
+              <a:srgbClr val="000000">
+                <a:alpha val="20000"/>
+              </a:srgbClr>
+            </a:outerShdw>
+          </a:effectLst>
           <a:latin typeface="+mn-lt"/>
           <a:ea typeface="+mn-ea"/>
           <a:cs typeface="+mn-cs"/>
         </a:defRPr>
       </a:lvl5pPr>
-      <a:lvl6pPr marL="2514600" indent="-228600" algn="l" defTabSz="914400" rtl="0" eaLnBrk="1" latinLnBrk="0" hangingPunct="1">
-        <a:lnSpc>
-          <a:spcPct val="90000"/>
-        </a:lnSpc>
+      <a:lvl6pPr marL="2514600" indent="-228600" algn="l" defTabSz="457200" rtl="0" eaLnBrk="1" latinLnBrk="0" hangingPunct="1">
         <a:spcBef>
-          <a:spcPts val="500"/>
+          <a:spcPct val="20000"/>
         </a:spcBef>
-        <a:buFont typeface="Arial" panose="020B0604020202020204" pitchFamily="34" charset="0"/>
+        <a:spcAft>
+          <a:spcPts val="600"/>
+        </a:spcAft>
+        <a:buClr>
+          <a:schemeClr val="accent1"/>
+        </a:buClr>
+        <a:buSzPct val="100000"/>
+        <a:buFont typeface="Arial"/>
         <a:buChar char="•"/>
-        <a:defRPr sz="1800" kern="1200">
+        <a:defRPr sz="1200" kern="1200" cap="small">
           <a:solidFill>
             <a:schemeClr val="tx1"/>
           </a:solidFill>
+          <a:effectLst>
+            <a:glow rad="38100">
+              <a:schemeClr val="bg1">
+                <a:lumMod val="50000"/>
+                <a:lumOff val="50000"/>
+                <a:alpha val="20000"/>
+              </a:schemeClr>
+            </a:glow>
+            <a:outerShdw blurRad="44450" dist="12700" dir="13860000" algn="tl" rotWithShape="0">
+              <a:srgbClr val="000000">
+                <a:alpha val="20000"/>
+              </a:srgbClr>
+            </a:outerShdw>
+          </a:effectLst>
           <a:latin typeface="+mn-lt"/>
           <a:ea typeface="+mn-ea"/>
           <a:cs typeface="+mn-cs"/>
         </a:defRPr>
       </a:lvl6pPr>
-      <a:lvl7pPr marL="2971800" indent="-228600" algn="l" defTabSz="914400" rtl="0" eaLnBrk="1" latinLnBrk="0" hangingPunct="1">
-        <a:lnSpc>
-          <a:spcPct val="90000"/>
-        </a:lnSpc>
+      <a:lvl7pPr marL="2971800" indent="-228600" algn="l" defTabSz="457200" rtl="0" eaLnBrk="1" latinLnBrk="0" hangingPunct="1">
         <a:spcBef>
-          <a:spcPts val="500"/>
+          <a:spcPct val="20000"/>
         </a:spcBef>
-        <a:buFont typeface="Arial" panose="020B0604020202020204" pitchFamily="34" charset="0"/>
+        <a:spcAft>
+          <a:spcPts val="600"/>
+        </a:spcAft>
+        <a:buClr>
+          <a:schemeClr val="accent1"/>
+        </a:buClr>
+        <a:buSzPct val="100000"/>
+        <a:buFont typeface="Arial"/>
         <a:buChar char="•"/>
-        <a:defRPr sz="1800" kern="1200">
+        <a:defRPr sz="1200" kern="1200" cap="small">
           <a:solidFill>
             <a:schemeClr val="tx1"/>
           </a:solidFill>
+          <a:effectLst>
+            <a:glow rad="38100">
+              <a:schemeClr val="bg1">
+                <a:lumMod val="50000"/>
+                <a:lumOff val="50000"/>
+                <a:alpha val="20000"/>
+              </a:schemeClr>
+            </a:glow>
+            <a:outerShdw blurRad="44450" dist="12700" dir="13860000" algn="tl" rotWithShape="0">
+              <a:srgbClr val="000000">
+                <a:alpha val="20000"/>
+              </a:srgbClr>
+            </a:outerShdw>
+          </a:effectLst>
           <a:latin typeface="+mn-lt"/>
           <a:ea typeface="+mn-ea"/>
           <a:cs typeface="+mn-cs"/>
         </a:defRPr>
       </a:lvl7pPr>
-      <a:lvl8pPr marL="3429000" indent="-228600" algn="l" defTabSz="914400" rtl="0" eaLnBrk="1" latinLnBrk="0" hangingPunct="1">
-        <a:lnSpc>
-          <a:spcPct val="90000"/>
-        </a:lnSpc>
+      <a:lvl8pPr marL="3429000" indent="-228600" algn="l" defTabSz="457200" rtl="0" eaLnBrk="1" latinLnBrk="0" hangingPunct="1">
         <a:spcBef>
-          <a:spcPts val="500"/>
+          <a:spcPct val="20000"/>
         </a:spcBef>
-        <a:buFont typeface="Arial" panose="020B0604020202020204" pitchFamily="34" charset="0"/>
+        <a:spcAft>
+          <a:spcPts val="600"/>
+        </a:spcAft>
+        <a:buClr>
+          <a:schemeClr val="accent1"/>
+        </a:buClr>
+        <a:buSzPct val="100000"/>
+        <a:buFont typeface="Arial"/>
         <a:buChar char="•"/>
-        <a:defRPr sz="1800" kern="1200">
+        <a:defRPr sz="1200" kern="1200" cap="small">
           <a:solidFill>
             <a:schemeClr val="tx1"/>
           </a:solidFill>
+          <a:effectLst>
+            <a:glow rad="38100">
+              <a:schemeClr val="bg1">
+                <a:lumMod val="50000"/>
+                <a:lumOff val="50000"/>
+                <a:alpha val="20000"/>
+              </a:schemeClr>
+            </a:glow>
+            <a:outerShdw blurRad="44450" dist="12700" dir="13860000" algn="tl" rotWithShape="0">
+              <a:srgbClr val="000000">
+                <a:alpha val="20000"/>
+              </a:srgbClr>
+            </a:outerShdw>
+          </a:effectLst>
           <a:latin typeface="+mn-lt"/>
           <a:ea typeface="+mn-ea"/>
           <a:cs typeface="+mn-cs"/>
         </a:defRPr>
       </a:lvl8pPr>
-      <a:lvl9pPr marL="3886200" indent="-228600" algn="l" defTabSz="914400" rtl="0" eaLnBrk="1" latinLnBrk="0" hangingPunct="1">
-        <a:lnSpc>
-          <a:spcPct val="90000"/>
-        </a:lnSpc>
+      <a:lvl9pPr marL="3886200" indent="-228600" algn="l" defTabSz="457200" rtl="0" eaLnBrk="1" latinLnBrk="0" hangingPunct="1">
         <a:spcBef>
-          <a:spcPts val="500"/>
+          <a:spcPct val="20000"/>
         </a:spcBef>
-        <a:buFont typeface="Arial" panose="020B0604020202020204" pitchFamily="34" charset="0"/>
+        <a:spcAft>
+          <a:spcPts val="600"/>
+        </a:spcAft>
+        <a:buClr>
+          <a:schemeClr val="accent1"/>
+        </a:buClr>
+        <a:buSzPct val="100000"/>
+        <a:buFont typeface="Arial"/>
         <a:buChar char="•"/>
-        <a:defRPr sz="1800" kern="1200">
+        <a:defRPr sz="1200" kern="1200" cap="small">
           <a:solidFill>
             <a:schemeClr val="tx1"/>
           </a:solidFill>
+          <a:effectLst>
+            <a:glow rad="38100">
+              <a:schemeClr val="bg1">
+                <a:lumMod val="50000"/>
+                <a:lumOff val="50000"/>
+                <a:alpha val="20000"/>
+              </a:schemeClr>
+            </a:glow>
+            <a:outerShdw blurRad="44450" dist="12700" dir="13860000" algn="tl" rotWithShape="0">
+              <a:srgbClr val="000000">
+                <a:alpha val="20000"/>
+              </a:srgbClr>
+            </a:outerShdw>
+          </a:effectLst>
           <a:latin typeface="+mn-lt"/>
           <a:ea typeface="+mn-ea"/>
           <a:cs typeface="+mn-cs"/>
@@ -3232,7 +5611,7 @@
       <a:defPPr>
         <a:defRPr lang="en-US"/>
       </a:defPPr>
-      <a:lvl1pPr marL="0" algn="l" defTabSz="914400" rtl="0" eaLnBrk="1" latinLnBrk="0" hangingPunct="1">
+      <a:lvl1pPr marL="0" algn="l" defTabSz="457200" rtl="0" eaLnBrk="1" latinLnBrk="0" hangingPunct="1">
         <a:defRPr sz="1800" kern="1200">
           <a:solidFill>
             <a:schemeClr val="tx1"/>
@@ -3242,7 +5621,7 @@
           <a:cs typeface="+mn-cs"/>
         </a:defRPr>
       </a:lvl1pPr>
-      <a:lvl2pPr marL="457200" algn="l" defTabSz="914400" rtl="0" eaLnBrk="1" latinLnBrk="0" hangingPunct="1">
+      <a:lvl2pPr marL="457200" algn="l" defTabSz="457200" rtl="0" eaLnBrk="1" latinLnBrk="0" hangingPunct="1">
         <a:defRPr sz="1800" kern="1200">
           <a:solidFill>
             <a:schemeClr val="tx1"/>
@@ -3252,7 +5631,7 @@
           <a:cs typeface="+mn-cs"/>
         </a:defRPr>
       </a:lvl2pPr>
-      <a:lvl3pPr marL="914400" algn="l" defTabSz="914400" rtl="0" eaLnBrk="1" latinLnBrk="0" hangingPunct="1">
+      <a:lvl3pPr marL="914400" algn="l" defTabSz="457200" rtl="0" eaLnBrk="1" latinLnBrk="0" hangingPunct="1">
         <a:defRPr sz="1800" kern="1200">
           <a:solidFill>
             <a:schemeClr val="tx1"/>
@@ -3262,7 +5641,7 @@
           <a:cs typeface="+mn-cs"/>
         </a:defRPr>
       </a:lvl3pPr>
-      <a:lvl4pPr marL="1371600" algn="l" defTabSz="914400" rtl="0" eaLnBrk="1" latinLnBrk="0" hangingPunct="1">
+      <a:lvl4pPr marL="1371600" algn="l" defTabSz="457200" rtl="0" eaLnBrk="1" latinLnBrk="0" hangingPunct="1">
         <a:defRPr sz="1800" kern="1200">
           <a:solidFill>
             <a:schemeClr val="tx1"/>
@@ -3272,7 +5651,7 @@
           <a:cs typeface="+mn-cs"/>
         </a:defRPr>
       </a:lvl4pPr>
-      <a:lvl5pPr marL="1828800" algn="l" defTabSz="914400" rtl="0" eaLnBrk="1" latinLnBrk="0" hangingPunct="1">
+      <a:lvl5pPr marL="1828800" algn="l" defTabSz="457200" rtl="0" eaLnBrk="1" latinLnBrk="0" hangingPunct="1">
         <a:defRPr sz="1800" kern="1200">
           <a:solidFill>
             <a:schemeClr val="tx1"/>
@@ -3282,7 +5661,7 @@
           <a:cs typeface="+mn-cs"/>
         </a:defRPr>
       </a:lvl5pPr>
-      <a:lvl6pPr marL="2286000" algn="l" defTabSz="914400" rtl="0" eaLnBrk="1" latinLnBrk="0" hangingPunct="1">
+      <a:lvl6pPr marL="2286000" algn="l" defTabSz="457200" rtl="0" eaLnBrk="1" latinLnBrk="0" hangingPunct="1">
         <a:defRPr sz="1800" kern="1200">
           <a:solidFill>
             <a:schemeClr val="tx1"/>
@@ -3292,7 +5671,7 @@
           <a:cs typeface="+mn-cs"/>
         </a:defRPr>
       </a:lvl6pPr>
-      <a:lvl7pPr marL="2743200" algn="l" defTabSz="914400" rtl="0" eaLnBrk="1" latinLnBrk="0" hangingPunct="1">
+      <a:lvl7pPr marL="2743200" algn="l" defTabSz="457200" rtl="0" eaLnBrk="1" latinLnBrk="0" hangingPunct="1">
         <a:defRPr sz="1800" kern="1200">
           <a:solidFill>
             <a:schemeClr val="tx1"/>
@@ -3302,7 +5681,7 @@
           <a:cs typeface="+mn-cs"/>
         </a:defRPr>
       </a:lvl7pPr>
-      <a:lvl8pPr marL="3200400" algn="l" defTabSz="914400" rtl="0" eaLnBrk="1" latinLnBrk="0" hangingPunct="1">
+      <a:lvl8pPr marL="3200400" algn="l" defTabSz="457200" rtl="0" eaLnBrk="1" latinLnBrk="0" hangingPunct="1">
         <a:defRPr sz="1800" kern="1200">
           <a:solidFill>
             <a:schemeClr val="tx1"/>
@@ -3312,7 +5691,7 @@
           <a:cs typeface="+mn-cs"/>
         </a:defRPr>
       </a:lvl8pPr>
-      <a:lvl9pPr marL="3657600" algn="l" defTabSz="914400" rtl="0" eaLnBrk="1" latinLnBrk="0" hangingPunct="1">
+      <a:lvl9pPr marL="3657600" algn="l" defTabSz="457200" rtl="0" eaLnBrk="1" latinLnBrk="0" hangingPunct="1">
         <a:defRPr sz="1800" kern="1200">
           <a:solidFill>
             <a:schemeClr val="tx1"/>
@@ -3332,9 +5711,24 @@
   <p:cSld>
     <p:bg>
       <p:bgPr>
-        <a:solidFill>
-          <a:schemeClr val="bg1"/>
-        </a:solidFill>
+        <a:blipFill rotWithShape="1">
+          <a:blip r:embed="rId2">
+            <a:duotone>
+              <a:schemeClr val="bg2">
+                <a:shade val="28000"/>
+                <a:satMod val="94000"/>
+                <a:lumMod val="20000"/>
+              </a:schemeClr>
+              <a:schemeClr val="bg2">
+                <a:tint val="94000"/>
+                <a:shade val="84000"/>
+                <a:satMod val="148000"/>
+                <a:lumMod val="114000"/>
+              </a:schemeClr>
+            </a:duotone>
+          </a:blip>
+          <a:stretch/>
+        </a:blipFill>
         <a:effectLst/>
       </p:bgPr>
     </p:bg>
@@ -3354,10 +5748,10 @@
       </p:grpSpPr>
       <p:sp useBgFill="1">
         <p:nvSpPr>
-          <p:cNvPr id="14" name="Rectangle 13">
+          <p:cNvPr id="4" name="Rectangle 3">
             <a:extLst>
               <a:ext uri="{FF2B5EF4-FFF2-40B4-BE49-F238E27FC236}">
-                <a16:creationId xmlns:a16="http://schemas.microsoft.com/office/drawing/2014/main" id="{4522B21E-B2B9-4C72-9A71-C87EFD137480}"/>
+                <a16:creationId xmlns:a16="http://schemas.microsoft.com/office/drawing/2014/main" id="{69BA26BC-113C-4698-8859-A985C8324074}"/>
               </a:ext>
               <a:ext uri="{C183D7F6-B498-43B3-948B-1728B52AA6E4}">
                 <adec:decorative xmlns:adec="http://schemas.microsoft.com/office/drawing/2017/decorative" val="1"/>
@@ -3378,7 +5772,7 @@
         <p:spPr>
           <a:xfrm>
             <a:off x="0" y="0"/>
-            <a:ext cx="12191999" cy="6857365"/>
+            <a:ext cx="12192000" cy="6858000"/>
           </a:xfrm>
           <a:prstGeom prst="rect">
             <a:avLst/>
@@ -3414,10 +5808,10 @@
       </p:sp>
       <p:sp>
         <p:nvSpPr>
-          <p:cNvPr id="16" name="Rectangle 15">
+          <p:cNvPr id="5" name="Rounded Rectangle 9">
             <a:extLst>
               <a:ext uri="{FF2B5EF4-FFF2-40B4-BE49-F238E27FC236}">
-                <a16:creationId xmlns:a16="http://schemas.microsoft.com/office/drawing/2014/main" id="{5EB7D2A2-F448-44D4-938C-DC84CBCB3B1E}"/>
+                <a16:creationId xmlns:a16="http://schemas.microsoft.com/office/drawing/2014/main" id="{A68B73B6-D77B-4B55-8538-206CEFD2AF91}"/>
               </a:ext>
               <a:ext uri="{C183D7F6-B498-43B3-948B-1728B52AA6E4}">
                 <adec:decorative xmlns:adec="http://schemas.microsoft.com/office/drawing/2017/decorative" val="1"/>
@@ -3437,18 +5831,42 @@
         </p:nvSpPr>
         <p:spPr>
           <a:xfrm>
-            <a:off x="0" y="2"/>
-            <a:ext cx="12192000" cy="4412583"/>
+            <a:off x="1596889" y="1846512"/>
+            <a:ext cx="8998224" cy="3164976"/>
           </a:xfrm>
-          <a:prstGeom prst="rect">
-            <a:avLst/>
+          <a:prstGeom prst="roundRect">
+            <a:avLst>
+              <a:gd name="adj" fmla="val 4629"/>
+            </a:avLst>
           </a:prstGeom>
           <a:solidFill>
-            <a:schemeClr val="accent4"/>
+            <a:schemeClr val="bg2"/>
           </a:solidFill>
-          <a:ln>
-            <a:noFill/>
+          <a:ln w="44450">
+            <a:gradFill>
+              <a:gsLst>
+                <a:gs pos="0">
+                  <a:schemeClr val="bg2">
+                    <a:alpha val="65000"/>
+                  </a:schemeClr>
+                </a:gs>
+                <a:gs pos="98000">
+                  <a:schemeClr val="bg2">
+                    <a:lumMod val="75000"/>
+                    <a:alpha val="55000"/>
+                  </a:schemeClr>
+                </a:gs>
+              </a:gsLst>
+              <a:lin ang="5400000" scaled="1"/>
+            </a:gradFill>
           </a:ln>
+          <a:effectLst>
+            <a:innerShdw blurRad="63500" dist="50800" dir="14460000">
+              <a:prstClr val="black">
+                <a:alpha val="70000"/>
+              </a:prstClr>
+            </a:innerShdw>
+          </a:effectLst>
         </p:spPr>
         <p:style>
           <a:lnRef idx="2">
@@ -3456,8 +5874,8 @@
               <a:shade val="50000"/>
             </a:schemeClr>
           </a:lnRef>
-          <a:fillRef idx="1">
-            <a:schemeClr val="accent1"/>
+          <a:fillRef idx="1003">
+            <a:schemeClr val="dk2"/>
           </a:fillRef>
           <a:effectRef idx="0">
             <a:schemeClr val="accent1"/>
@@ -3471,76 +5889,6 @@
           <a:lstStyle/>
           <a:p>
             <a:pPr algn="ctr"/>
-            <a:endParaRPr lang="en-US" dirty="0"/>
-          </a:p>
-        </p:txBody>
-      </p:sp>
-      <p:sp>
-        <p:nvSpPr>
-          <p:cNvPr id="18" name="Rectangle 17">
-            <a:extLst>
-              <a:ext uri="{FF2B5EF4-FFF2-40B4-BE49-F238E27FC236}">
-                <a16:creationId xmlns:a16="http://schemas.microsoft.com/office/drawing/2014/main" id="{871AEA07-1E14-44B4-8E55-64EF049CD66F}"/>
-              </a:ext>
-              <a:ext uri="{C183D7F6-B498-43B3-948B-1728B52AA6E4}">
-                <adec:decorative xmlns:adec="http://schemas.microsoft.com/office/drawing/2017/decorative" val="1"/>
-              </a:ext>
-            </a:extLst>
-          </p:cNvPr>
-          <p:cNvSpPr>
-            <a:spLocks noGrp="1" noRot="1" noChangeAspect="1" noMove="1" noResize="1" noEditPoints="1" noAdjustHandles="1" noChangeArrowheads="1" noChangeShapeType="1" noTextEdit="1"/>
-          </p:cNvSpPr>
-          <p:nvPr>
-            <p:extLst>
-              <p:ext uri="{386F3935-93C4-4BCD-93E2-E3B085C9AB24}">
-                <p16:designElem xmlns:p16="http://schemas.microsoft.com/office/powerpoint/2015/main" val="1"/>
-              </p:ext>
-            </p:extLst>
-          </p:nvPr>
-        </p:nvSpPr>
-        <p:spPr>
-          <a:xfrm>
-            <a:off x="596464" y="551962"/>
-            <a:ext cx="10999072" cy="4618549"/>
-          </a:xfrm>
-          <a:prstGeom prst="rect">
-            <a:avLst/>
-          </a:prstGeom>
-          <a:solidFill>
-            <a:schemeClr val="bg1"/>
-          </a:solidFill>
-          <a:ln>
-            <a:noFill/>
-          </a:ln>
-          <a:effectLst>
-            <a:outerShdw blurRad="139700" dist="127000" dir="5400000" algn="t" rotWithShape="0">
-              <a:prstClr val="black">
-                <a:alpha val="15000"/>
-              </a:prstClr>
-            </a:outerShdw>
-          </a:effectLst>
-        </p:spPr>
-        <p:style>
-          <a:lnRef idx="2">
-            <a:schemeClr val="accent1">
-              <a:shade val="50000"/>
-            </a:schemeClr>
-          </a:lnRef>
-          <a:fillRef idx="1">
-            <a:schemeClr val="accent1"/>
-          </a:fillRef>
-          <a:effectRef idx="0">
-            <a:schemeClr val="accent1"/>
-          </a:effectRef>
-          <a:fontRef idx="minor">
-            <a:schemeClr val="lt1"/>
-          </a:fontRef>
-        </p:style>
-        <p:txBody>
-          <a:bodyPr rtlCol="0" anchor="ctr"/>
-          <a:lstStyle/>
-          <a:p>
-            <a:pPr algn="ctr"/>
             <a:endParaRPr lang="en-US"/>
           </a:p>
         </p:txBody>
@@ -3563,76 +5911,32 @@
         </p:nvSpPr>
         <p:spPr>
           <a:xfrm>
-            <a:off x="1523999" y="1516956"/>
-            <a:ext cx="9144000" cy="3274592"/>
+            <a:off x="1751012" y="2007703"/>
+            <a:ext cx="8676222" cy="1802297"/>
           </a:xfrm>
         </p:spPr>
         <p:txBody>
-          <a:bodyPr vert="horz" lIns="91440" tIns="45720" rIns="91440" bIns="45720" rtlCol="0" anchor="ctr">
+          <a:bodyPr vert="horz" lIns="91440" tIns="45720" rIns="91440" bIns="45720" rtlCol="0">
             <a:normAutofit/>
           </a:bodyPr>
           <a:lstStyle/>
           <a:p>
             <a:r>
-              <a:rPr lang="en-US" sz="7200" dirty="0" err="1"/>
-              <a:t>AutoDorm</a:t>
-            </a:r>
-            <a:endParaRPr lang="en-US" sz="7200" dirty="0"/>
-          </a:p>
-        </p:txBody>
-      </p:sp>
-      <p:cxnSp>
-        <p:nvCxnSpPr>
-          <p:cNvPr id="20" name="Straight Connector 19">
-            <a:extLst>
-              <a:ext uri="{FF2B5EF4-FFF2-40B4-BE49-F238E27FC236}">
-                <a16:creationId xmlns:a16="http://schemas.microsoft.com/office/drawing/2014/main" id="{F7C8EA93-3210-4C62-99E9-153C275E3A87}"/>
-              </a:ext>
-              <a:ext uri="{C183D7F6-B498-43B3-948B-1728B52AA6E4}">
-                <adec:decorative xmlns:adec="http://schemas.microsoft.com/office/drawing/2017/decorative" val="1"/>
-              </a:ext>
-            </a:extLst>
-          </p:cNvPr>
-          <p:cNvCxnSpPr>
-            <a:cxnSpLocks noGrp="1" noRot="1" noChangeAspect="1" noMove="1" noResize="1" noEditPoints="1" noAdjustHandles="1" noChangeArrowheads="1" noChangeShapeType="1"/>
-          </p:cNvCxnSpPr>
-          <p:nvPr>
-            <p:extLst>
-              <p:ext uri="{386F3935-93C4-4BCD-93E2-E3B085C9AB24}">
-                <p16:designElem xmlns:p16="http://schemas.microsoft.com/office/powerpoint/2015/main" val="1"/>
-              </p:ext>
-            </p:extLst>
-          </p:nvPr>
-        </p:nvCxnSpPr>
-        <p:spPr>
-          <a:xfrm flipH="1">
-            <a:off x="596464" y="6354708"/>
-            <a:ext cx="11000232" cy="0"/>
-          </a:xfrm>
-          <a:prstGeom prst="line">
-            <a:avLst/>
-          </a:prstGeom>
-          <a:ln w="101600">
-            <a:solidFill>
-              <a:schemeClr val="accent4"/>
-            </a:solidFill>
-          </a:ln>
-        </p:spPr>
-        <p:style>
-          <a:lnRef idx="1">
-            <a:schemeClr val="accent1"/>
-          </a:lnRef>
-          <a:fillRef idx="0">
-            <a:schemeClr val="accent1"/>
-          </a:fillRef>
-          <a:effectRef idx="0">
-            <a:schemeClr val="accent1"/>
-          </a:effectRef>
-          <a:fontRef idx="minor">
-            <a:schemeClr val="tx1"/>
-          </a:fontRef>
-        </p:style>
-      </p:cxnSp>
+              <a:rPr lang="en-US" dirty="0" err="1">
+                <a:solidFill>
+                  <a:srgbClr val="FF0000"/>
+                </a:solidFill>
+              </a:rPr>
+              <a:t>Autodorm</a:t>
+            </a:r>
+            <a:endParaRPr lang="en-US" dirty="0">
+              <a:solidFill>
+                <a:srgbClr val="FF0000"/>
+              </a:solidFill>
+            </a:endParaRPr>
+          </a:p>
+        </p:txBody>
+      </p:sp>
     </p:spTree>
     <p:extLst>
       <p:ext uri="{BB962C8B-B14F-4D97-AF65-F5344CB8AC3E}">
@@ -3643,13 +5947,13 @@
   <p:clrMapOvr>
     <a:masterClrMapping/>
   </p:clrMapOvr>
-  <mc:AlternateContent xmlns:mc="http://schemas.openxmlformats.org/markup-compatibility/2006">
-    <mc:Choice xmlns:p159="http://schemas.microsoft.com/office/powerpoint/2015/09/main" Requires="p159">
+  <mc:AlternateContent xmlns:mc="http://schemas.openxmlformats.org/markup-compatibility/2006" xmlns:p159="http://schemas.microsoft.com/office/powerpoint/2015/09/main">
+    <mc:Choice Requires="p159">
       <p:transition xmlns:p14="http://schemas.microsoft.com/office/powerpoint/2010/main" spd="slow" p14:dur="2000">
         <p159:morph option="byObject"/>
       </p:transition>
     </mc:Choice>
-    <mc:Fallback>
+    <mc:Fallback xmlns="">
       <p:transition spd="slow">
         <p:fade/>
       </p:transition>
@@ -3775,348 +6079,6 @@
           <a:chExt cx="0" cy="0"/>
         </a:xfrm>
       </p:grpSpPr>
-      <p:sp useBgFill="1">
-        <p:nvSpPr>
-          <p:cNvPr id="19" name="Rectangle 18">
-            <a:extLst>
-              <a:ext uri="{FF2B5EF4-FFF2-40B4-BE49-F238E27FC236}">
-                <a16:creationId xmlns:a16="http://schemas.microsoft.com/office/drawing/2014/main" id="{B6CDA21F-E7AF-4C75-8395-33F58D5B0E45}"/>
-              </a:ext>
-              <a:ext uri="{C183D7F6-B498-43B3-948B-1728B52AA6E4}">
-                <adec:decorative xmlns:adec="http://schemas.microsoft.com/office/drawing/2017/decorative" val="1"/>
-              </a:ext>
-            </a:extLst>
-          </p:cNvPr>
-          <p:cNvSpPr>
-            <a:spLocks noGrp="1" noRot="1" noChangeAspect="1" noMove="1" noResize="1" noEditPoints="1" noAdjustHandles="1" noChangeArrowheads="1" noChangeShapeType="1" noTextEdit="1"/>
-          </p:cNvSpPr>
-          <p:nvPr>
-            <p:extLst>
-              <p:ext uri="{386F3935-93C4-4BCD-93E2-E3B085C9AB24}">
-                <p16:designElem xmlns:p16="http://schemas.microsoft.com/office/powerpoint/2015/main" val="1"/>
-              </p:ext>
-            </p:extLst>
-          </p:nvPr>
-        </p:nvSpPr>
-        <p:spPr>
-          <a:xfrm>
-            <a:off x="0" y="0"/>
-            <a:ext cx="12191999" cy="6857365"/>
-          </a:xfrm>
-          <a:prstGeom prst="rect">
-            <a:avLst/>
-          </a:prstGeom>
-          <a:ln>
-            <a:noFill/>
-          </a:ln>
-        </p:spPr>
-        <p:style>
-          <a:lnRef idx="2">
-            <a:schemeClr val="accent1">
-              <a:shade val="50000"/>
-            </a:schemeClr>
-          </a:lnRef>
-          <a:fillRef idx="1">
-            <a:schemeClr val="accent1"/>
-          </a:fillRef>
-          <a:effectRef idx="0">
-            <a:schemeClr val="accent1"/>
-          </a:effectRef>
-          <a:fontRef idx="minor">
-            <a:schemeClr val="lt1"/>
-          </a:fontRef>
-        </p:style>
-        <p:txBody>
-          <a:bodyPr rtlCol="0" anchor="ctr"/>
-          <a:lstStyle/>
-          <a:p>
-            <a:pPr algn="ctr"/>
-            <a:endParaRPr lang="en-US"/>
-          </a:p>
-        </p:txBody>
-      </p:sp>
-      <p:grpSp>
-        <p:nvGrpSpPr>
-          <p:cNvPr id="21" name="Group 20">
-            <a:extLst>
-              <a:ext uri="{FF2B5EF4-FFF2-40B4-BE49-F238E27FC236}">
-                <a16:creationId xmlns:a16="http://schemas.microsoft.com/office/drawing/2014/main" id="{AE1C45F0-260A-458C-96ED-C1F6D2151219}"/>
-              </a:ext>
-              <a:ext uri="{C183D7F6-B498-43B3-948B-1728B52AA6E4}">
-                <adec:decorative xmlns:adec="http://schemas.microsoft.com/office/drawing/2017/decorative" val="1"/>
-              </a:ext>
-            </a:extLst>
-          </p:cNvPr>
-          <p:cNvGrpSpPr>
-            <a:grpSpLocks noGrp="1" noUngrp="1" noRot="1" noChangeAspect="1" noMove="1" noResize="1"/>
-          </p:cNvGrpSpPr>
-          <p:nvPr>
-            <p:extLst>
-              <p:ext uri="{386F3935-93C4-4BCD-93E2-E3B085C9AB24}">
-                <p16:designElem xmlns:p16="http://schemas.microsoft.com/office/powerpoint/2015/main" val="1"/>
-              </p:ext>
-            </p:extLst>
-          </p:nvPr>
-        </p:nvGrpSpPr>
-        <p:grpSpPr>
-          <a:xfrm>
-            <a:off x="4" y="1216597"/>
-            <a:ext cx="731521" cy="673460"/>
-            <a:chOff x="3940602" y="308034"/>
-            <a:chExt cx="2116791" cy="3428999"/>
-          </a:xfrm>
-          <a:solidFill>
-            <a:schemeClr val="accent4"/>
-          </a:solidFill>
-        </p:grpSpPr>
-        <p:sp>
-          <p:nvSpPr>
-            <p:cNvPr id="22" name="Rectangle 21">
-              <a:extLst>
-                <a:ext uri="{FF2B5EF4-FFF2-40B4-BE49-F238E27FC236}">
-                  <a16:creationId xmlns:a16="http://schemas.microsoft.com/office/drawing/2014/main" id="{A6604B49-AD5C-4590-B051-06C8222ECD99}"/>
-                </a:ext>
-                <a:ext uri="{C183D7F6-B498-43B3-948B-1728B52AA6E4}">
-                  <adec:decorative xmlns:adec="http://schemas.microsoft.com/office/drawing/2017/decorative" val="1"/>
-                </a:ext>
-              </a:extLst>
-            </p:cNvPr>
-            <p:cNvSpPr/>
-            <p:nvPr>
-              <p:extLst>
-                <p:ext uri="{386F3935-93C4-4BCD-93E2-E3B085C9AB24}">
-                  <p16:designElem xmlns:p16="http://schemas.microsoft.com/office/powerpoint/2015/main" val="1"/>
-                </p:ext>
-              </p:extLst>
-            </p:nvPr>
-          </p:nvSpPr>
-          <p:spPr>
-            <a:xfrm>
-              <a:off x="3940602" y="308034"/>
-              <a:ext cx="566743" cy="3428999"/>
-            </a:xfrm>
-            <a:prstGeom prst="rect">
-              <a:avLst/>
-            </a:prstGeom>
-            <a:grpFill/>
-            <a:ln>
-              <a:noFill/>
-            </a:ln>
-          </p:spPr>
-          <p:style>
-            <a:lnRef idx="2">
-              <a:schemeClr val="accent1">
-                <a:shade val="50000"/>
-              </a:schemeClr>
-            </a:lnRef>
-            <a:fillRef idx="1">
-              <a:schemeClr val="accent1"/>
-            </a:fillRef>
-            <a:effectRef idx="0">
-              <a:schemeClr val="accent1"/>
-            </a:effectRef>
-            <a:fontRef idx="minor">
-              <a:schemeClr val="lt1"/>
-            </a:fontRef>
-          </p:style>
-          <p:txBody>
-            <a:bodyPr rtlCol="0" anchor="ctr"/>
-            <a:lstStyle/>
-            <a:p>
-              <a:pPr algn="ctr"/>
-              <a:endParaRPr lang="en-US"/>
-            </a:p>
-          </p:txBody>
-        </p:sp>
-        <p:sp>
-          <p:nvSpPr>
-            <p:cNvPr id="23" name="Rectangle 22">
-              <a:extLst>
-                <a:ext uri="{FF2B5EF4-FFF2-40B4-BE49-F238E27FC236}">
-                  <a16:creationId xmlns:a16="http://schemas.microsoft.com/office/drawing/2014/main" id="{743ECCAF-29C5-4537-947C-7EA1292463DB}"/>
-                </a:ext>
-                <a:ext uri="{C183D7F6-B498-43B3-948B-1728B52AA6E4}">
-                  <adec:decorative xmlns:adec="http://schemas.microsoft.com/office/drawing/2017/decorative" val="1"/>
-                </a:ext>
-              </a:extLst>
-            </p:cNvPr>
-            <p:cNvSpPr/>
-            <p:nvPr>
-              <p:extLst>
-                <p:ext uri="{386F3935-93C4-4BCD-93E2-E3B085C9AB24}">
-                  <p16:designElem xmlns:p16="http://schemas.microsoft.com/office/powerpoint/2015/main" val="1"/>
-                </p:ext>
-              </p:extLst>
-            </p:nvPr>
-          </p:nvSpPr>
-          <p:spPr>
-            <a:xfrm>
-              <a:off x="4715626" y="308034"/>
-              <a:ext cx="566743" cy="3428999"/>
-            </a:xfrm>
-            <a:prstGeom prst="rect">
-              <a:avLst/>
-            </a:prstGeom>
-            <a:grpFill/>
-            <a:ln>
-              <a:noFill/>
-            </a:ln>
-          </p:spPr>
-          <p:style>
-            <a:lnRef idx="2">
-              <a:schemeClr val="accent1">
-                <a:shade val="50000"/>
-              </a:schemeClr>
-            </a:lnRef>
-            <a:fillRef idx="1">
-              <a:schemeClr val="accent1"/>
-            </a:fillRef>
-            <a:effectRef idx="0">
-              <a:schemeClr val="accent1"/>
-            </a:effectRef>
-            <a:fontRef idx="minor">
-              <a:schemeClr val="lt1"/>
-            </a:fontRef>
-          </p:style>
-          <p:txBody>
-            <a:bodyPr rtlCol="0" anchor="ctr"/>
-            <a:lstStyle/>
-            <a:p>
-              <a:pPr algn="ctr"/>
-              <a:endParaRPr lang="en-US"/>
-            </a:p>
-          </p:txBody>
-        </p:sp>
-        <p:sp>
-          <p:nvSpPr>
-            <p:cNvPr id="24" name="Rectangle 23">
-              <a:extLst>
-                <a:ext uri="{FF2B5EF4-FFF2-40B4-BE49-F238E27FC236}">
-                  <a16:creationId xmlns:a16="http://schemas.microsoft.com/office/drawing/2014/main" id="{ED49787B-8DE6-4467-AD0A-8DECC6E0C2D6}"/>
-                </a:ext>
-                <a:ext uri="{C183D7F6-B498-43B3-948B-1728B52AA6E4}">
-                  <adec:decorative xmlns:adec="http://schemas.microsoft.com/office/drawing/2017/decorative" val="1"/>
-                </a:ext>
-              </a:extLst>
-            </p:cNvPr>
-            <p:cNvSpPr/>
-            <p:nvPr>
-              <p:extLst>
-                <p:ext uri="{386F3935-93C4-4BCD-93E2-E3B085C9AB24}">
-                  <p16:designElem xmlns:p16="http://schemas.microsoft.com/office/powerpoint/2015/main" val="1"/>
-                </p:ext>
-              </p:extLst>
-            </p:nvPr>
-          </p:nvSpPr>
-          <p:spPr>
-            <a:xfrm>
-              <a:off x="5490650" y="308034"/>
-              <a:ext cx="566743" cy="3428999"/>
-            </a:xfrm>
-            <a:prstGeom prst="rect">
-              <a:avLst/>
-            </a:prstGeom>
-            <a:grpFill/>
-            <a:ln>
-              <a:noFill/>
-            </a:ln>
-          </p:spPr>
-          <p:style>
-            <a:lnRef idx="2">
-              <a:schemeClr val="accent1">
-                <a:shade val="50000"/>
-              </a:schemeClr>
-            </a:lnRef>
-            <a:fillRef idx="1">
-              <a:schemeClr val="accent1"/>
-            </a:fillRef>
-            <a:effectRef idx="0">
-              <a:schemeClr val="accent1"/>
-            </a:effectRef>
-            <a:fontRef idx="minor">
-              <a:schemeClr val="lt1"/>
-            </a:fontRef>
-          </p:style>
-          <p:txBody>
-            <a:bodyPr rtlCol="0" anchor="ctr"/>
-            <a:lstStyle/>
-            <a:p>
-              <a:pPr algn="ctr"/>
-              <a:endParaRPr lang="en-US"/>
-            </a:p>
-          </p:txBody>
-        </p:sp>
-      </p:grpSp>
-      <p:sp>
-        <p:nvSpPr>
-          <p:cNvPr id="26" name="Rectangle 25">
-            <a:extLst>
-              <a:ext uri="{FF2B5EF4-FFF2-40B4-BE49-F238E27FC236}">
-                <a16:creationId xmlns:a16="http://schemas.microsoft.com/office/drawing/2014/main" id="{D5B0017B-2ECA-49AF-B397-DC140825DF8D}"/>
-              </a:ext>
-              <a:ext uri="{C183D7F6-B498-43B3-948B-1728B52AA6E4}">
-                <adec:decorative xmlns:adec="http://schemas.microsoft.com/office/drawing/2017/decorative" val="1"/>
-              </a:ext>
-            </a:extLst>
-          </p:cNvPr>
-          <p:cNvSpPr>
-            <a:spLocks noGrp="1" noRot="1" noChangeAspect="1" noMove="1" noResize="1" noEditPoints="1" noAdjustHandles="1" noChangeArrowheads="1" noChangeShapeType="1" noTextEdit="1"/>
-          </p:cNvSpPr>
-          <p:nvPr>
-            <p:extLst>
-              <p:ext uri="{386F3935-93C4-4BCD-93E2-E3B085C9AB24}">
-                <p16:designElem xmlns:p16="http://schemas.microsoft.com/office/powerpoint/2015/main" val="1"/>
-              </p:ext>
-            </p:extLst>
-          </p:nvPr>
-        </p:nvSpPr>
-        <p:spPr>
-          <a:xfrm>
-            <a:off x="640079" y="613954"/>
-            <a:ext cx="10907487" cy="1894116"/>
-          </a:xfrm>
-          <a:prstGeom prst="rect">
-            <a:avLst/>
-          </a:prstGeom>
-          <a:solidFill>
-            <a:schemeClr val="bg1"/>
-          </a:solidFill>
-          <a:ln>
-            <a:noFill/>
-          </a:ln>
-          <a:effectLst>
-            <a:outerShdw blurRad="139700" dist="127000" dir="5400000" algn="t" rotWithShape="0">
-              <a:prstClr val="black">
-                <a:alpha val="15000"/>
-              </a:prstClr>
-            </a:outerShdw>
-          </a:effectLst>
-        </p:spPr>
-        <p:style>
-          <a:lnRef idx="2">
-            <a:schemeClr val="accent1">
-              <a:shade val="50000"/>
-            </a:schemeClr>
-          </a:lnRef>
-          <a:fillRef idx="1">
-            <a:schemeClr val="accent1"/>
-          </a:fillRef>
-          <a:effectRef idx="0">
-            <a:schemeClr val="accent1"/>
-          </a:effectRef>
-          <a:fontRef idx="minor">
-            <a:schemeClr val="lt1"/>
-          </a:fontRef>
-        </p:style>
-        <p:txBody>
-          <a:bodyPr rtlCol="0" anchor="ctr"/>
-          <a:lstStyle/>
-          <a:p>
-            <a:pPr algn="ctr"/>
-            <a:endParaRPr lang="en-US"/>
-          </a:p>
-        </p:txBody>
-      </p:sp>
       <p:sp>
         <p:nvSpPr>
           <p:cNvPr id="2" name="Title 1">
@@ -4135,7 +6097,7 @@
         </p:nvSpPr>
         <p:spPr>
           <a:xfrm>
-            <a:off x="1043631" y="809898"/>
+            <a:off x="2249284" y="447282"/>
             <a:ext cx="9942716" cy="1554480"/>
           </a:xfrm>
         </p:spPr>
@@ -4146,10 +6108,18 @@
           <a:lstStyle/>
           <a:p>
             <a:r>
-              <a:rPr lang="bg-BG" sz="4800"/>
+              <a:rPr lang="bg-BG" sz="4800" dirty="0">
+                <a:solidFill>
+                  <a:srgbClr val="FF0000"/>
+                </a:solidFill>
+              </a:rPr>
               <a:t>Участници</a:t>
             </a:r>
-            <a:endParaRPr lang="en-GB" sz="4800"/>
+            <a:endParaRPr lang="en-GB" sz="4800" dirty="0">
+              <a:solidFill>
+                <a:srgbClr val="FF0000"/>
+              </a:solidFill>
+            </a:endParaRPr>
           </a:p>
         </p:txBody>
       </p:sp>
@@ -4172,7 +6142,7 @@
         <p:spPr>
           <a:xfrm>
             <a:off x="195859" y="3510978"/>
-            <a:ext cx="13295376" cy="3226523"/>
+            <a:ext cx="11927315" cy="3226523"/>
           </a:xfrm>
         </p:spPr>
         <p:txBody>
@@ -4190,7 +6160,7 @@
             </a:r>
             <a:r>
               <a:rPr lang="en-US" sz="2200" dirty="0"/>
-              <a:t>      </a:t>
+              <a:t>     </a:t>
             </a:r>
             <a:r>
               <a:rPr lang="bg-BG" sz="2200" dirty="0"/>
@@ -4198,15 +6168,19 @@
             </a:r>
             <a:r>
               <a:rPr lang="en-US" sz="2200" dirty="0"/>
-              <a:t>       </a:t>
+              <a:t>    </a:t>
+            </a:r>
+            <a:r>
+              <a:rPr lang="bg-BG" sz="2200" dirty="0" err="1"/>
+              <a:t>Берай</a:t>
             </a:r>
             <a:r>
               <a:rPr lang="bg-BG" sz="2200" dirty="0"/>
-              <a:t>Берай Гюнер Нури</a:t>
+              <a:t> Гюнер Нури</a:t>
             </a:r>
             <a:r>
               <a:rPr lang="en-US" sz="2200" dirty="0"/>
-              <a:t>    </a:t>
+              <a:t>   </a:t>
             </a:r>
             <a:r>
               <a:rPr lang="bg-BG" sz="2200" dirty="0"/>
@@ -4219,84 +6193,334 @@
             </a:pPr>
             <a:r>
               <a:rPr lang="en-GB" sz="2000" dirty="0"/>
+              <a:t>   </a:t>
+            </a:r>
+            <a:r>
+              <a:rPr lang="en-GB" sz="2000" dirty="0">
+                <a:solidFill>
+                  <a:srgbClr val="FF0000"/>
+                </a:solidFill>
+              </a:rPr>
               <a:t>Scrum trainer</a:t>
             </a:r>
             <a:r>
-              <a:rPr lang="bg-BG" dirty="0"/>
+              <a:rPr lang="bg-BG" dirty="0">
+                <a:solidFill>
+                  <a:srgbClr val="FF0000"/>
+                </a:solidFill>
+              </a:rPr>
               <a:t>	</a:t>
             </a:r>
             <a:r>
-              <a:rPr lang="en-US" dirty="0"/>
-              <a:t>              </a:t>
-            </a:r>
-            <a:r>
-              <a:rPr lang="en-US" sz="2000" dirty="0"/>
+              <a:rPr lang="en-US" dirty="0">
+                <a:solidFill>
+                  <a:srgbClr val="FF0000"/>
+                </a:solidFill>
+              </a:rPr>
+              <a:t>                       </a:t>
+            </a:r>
+            <a:r>
+              <a:rPr lang="en-US" sz="2000" dirty="0">
+                <a:solidFill>
+                  <a:srgbClr val="FF0000"/>
+                </a:solidFill>
+              </a:rPr>
               <a:t>HTML Developer</a:t>
             </a:r>
             <a:r>
-              <a:rPr lang="en-US" dirty="0"/>
-              <a:t>                    </a:t>
-            </a:r>
-            <a:r>
-              <a:rPr lang="en-US" sz="2000" dirty="0"/>
-              <a:t>CSS Developer                          Designer</a:t>
-            </a:r>
-            <a:endParaRPr lang="bg-BG" dirty="0"/>
-          </a:p>
-        </p:txBody>
-      </p:sp>
-      <p:cxnSp>
-        <p:nvCxnSpPr>
-          <p:cNvPr id="28" name="Straight Connector 27">
+              <a:rPr lang="en-US" dirty="0">
+                <a:solidFill>
+                  <a:srgbClr val="FF0000"/>
+                </a:solidFill>
+              </a:rPr>
+              <a:t>                 </a:t>
+            </a:r>
+            <a:r>
+              <a:rPr lang="en-US" sz="2000" dirty="0">
+                <a:solidFill>
+                  <a:srgbClr val="FF0000"/>
+                </a:solidFill>
+              </a:rPr>
+              <a:t>CSS Developer                    Designer</a:t>
+            </a:r>
+            <a:endParaRPr lang="bg-BG" dirty="0">
+              <a:solidFill>
+                <a:srgbClr val="FF0000"/>
+              </a:solidFill>
+            </a:endParaRPr>
+          </a:p>
+        </p:txBody>
+      </p:sp>
+      <mc:AlternateContent xmlns:mc="http://schemas.openxmlformats.org/markup-compatibility/2006">
+        <mc:Choice xmlns:p14="http://schemas.microsoft.com/office/powerpoint/2010/main" Requires="p14">
+          <p:contentPart p14:bwMode="auto" r:id="rId2">
+            <p14:nvContentPartPr>
+              <p14:cNvPr id="6" name="Ink 5">
+                <a:extLst>
+                  <a:ext uri="{FF2B5EF4-FFF2-40B4-BE49-F238E27FC236}">
+                    <a16:creationId xmlns:a16="http://schemas.microsoft.com/office/drawing/2014/main" id="{D7D346EB-75B2-4A37-02FC-C39E0241B885}"/>
+                  </a:ext>
+                </a:extLst>
+              </p14:cNvPr>
+              <p14:cNvContentPartPr/>
+              <p14:nvPr/>
+            </p14:nvContentPartPr>
+            <p14:xfrm>
+              <a:off x="9402920" y="2234920"/>
+              <a:ext cx="360" cy="360"/>
+            </p14:xfrm>
+          </p:contentPart>
+        </mc:Choice>
+        <mc:Fallback>
+          <p:pic>
+            <p:nvPicPr>
+              <p:cNvPr id="6" name="Ink 5">
+                <a:extLst>
+                  <a:ext uri="{FF2B5EF4-FFF2-40B4-BE49-F238E27FC236}">
+                    <a16:creationId xmlns:a16="http://schemas.microsoft.com/office/drawing/2014/main" id="{D7D346EB-75B2-4A37-02FC-C39E0241B885}"/>
+                  </a:ext>
+                </a:extLst>
+              </p:cNvPr>
+              <p:cNvPicPr/>
+              <p:nvPr/>
+            </p:nvPicPr>
+            <p:blipFill>
+              <a:blip r:embed="rId3"/>
+              <a:stretch>
+                <a:fillRect/>
+              </a:stretch>
+            </p:blipFill>
+            <p:spPr>
+              <a:xfrm>
+                <a:off x="9394280" y="2226280"/>
+                <a:ext cx="18000" cy="18000"/>
+              </a:xfrm>
+              <a:prstGeom prst="rect">
+                <a:avLst/>
+              </a:prstGeom>
+            </p:spPr>
+          </p:pic>
+        </mc:Fallback>
+      </mc:AlternateContent>
+      <p:pic>
+        <p:nvPicPr>
+          <p:cNvPr id="13" name="Picture 12" descr="A child taking a selfie&#10;&#10;AI-generated content may be incorrect.">
             <a:extLst>
               <a:ext uri="{FF2B5EF4-FFF2-40B4-BE49-F238E27FC236}">
-                <a16:creationId xmlns:a16="http://schemas.microsoft.com/office/drawing/2014/main" id="{6CF1BAF6-AD41-4082-B212-8A1F9A2E8779}"/>
-              </a:ext>
-              <a:ext uri="{C183D7F6-B498-43B3-948B-1728B52AA6E4}">
-                <adec:decorative xmlns:adec="http://schemas.microsoft.com/office/drawing/2017/decorative" val="1"/>
+                <a16:creationId xmlns:a16="http://schemas.microsoft.com/office/drawing/2014/main" id="{26B614F8-2DC7-F58A-D2F6-9211F09DC711}"/>
               </a:ext>
             </a:extLst>
           </p:cNvPr>
-          <p:cNvCxnSpPr>
-            <a:cxnSpLocks noGrp="1" noRot="1" noChangeAspect="1" noMove="1" noResize="1" noEditPoints="1" noAdjustHandles="1" noChangeArrowheads="1" noChangeShapeType="1"/>
-          </p:cNvCxnSpPr>
-          <p:nvPr>
-            <p:extLst>
-              <p:ext uri="{386F3935-93C4-4BCD-93E2-E3B085C9AB24}">
-                <p16:designElem xmlns:p16="http://schemas.microsoft.com/office/powerpoint/2015/main" val="1"/>
-              </p:ext>
-            </p:extLst>
-          </p:nvPr>
-        </p:nvCxnSpPr>
+          <p:cNvPicPr>
+            <a:picLocks noChangeAspect="1"/>
+          </p:cNvPicPr>
+          <p:nvPr/>
+        </p:nvPicPr>
+        <p:blipFill>
+          <a:blip r:embed="rId4">
+            <a:extLst>
+              <a:ext uri="{BEBA8EAE-BF5A-486C-A8C5-ECC9F3942E4B}">
+                <a14:imgProps xmlns:a14="http://schemas.microsoft.com/office/drawing/2010/main">
+                  <a14:imgLayer r:embed="rId5">
+                    <a14:imgEffect>
+                      <a14:backgroundRemoval t="962" b="98558" l="2885" r="98558">
+                        <a14:foregroundMark x1="47115" y1="43269" x2="42308" y2="6250"/>
+                        <a14:foregroundMark x1="39904" y1="5769" x2="47596" y2="4327"/>
+                        <a14:foregroundMark x1="85096" y1="37019" x2="77885" y2="42788"/>
+                        <a14:foregroundMark x1="76442" y1="42308" x2="65865" y2="77885"/>
+                        <a14:foregroundMark x1="65865" y1="77885" x2="62500" y2="73558"/>
+                        <a14:foregroundMark x1="9615" y1="28846" x2="38942" y2="93750"/>
+                        <a14:foregroundMark x1="38942" y1="93750" x2="47596" y2="91346"/>
+                        <a14:foregroundMark x1="14423" y1="74038" x2="27885" y2="73077"/>
+                        <a14:foregroundMark x1="12981" y1="52404" x2="19712" y2="76923"/>
+                        <a14:foregroundMark x1="19712" y1="76923" x2="6250" y2="56250"/>
+                        <a14:foregroundMark x1="6250" y1="56250" x2="6250" y2="49038"/>
+                        <a14:foregroundMark x1="8654" y1="37019" x2="14423" y2="17308"/>
+                        <a14:foregroundMark x1="44231" y1="962" x2="67788" y2="12981"/>
+                        <a14:foregroundMark x1="67788" y1="12981" x2="67788" y2="12981"/>
+                        <a14:foregroundMark x1="60577" y1="6731" x2="83173" y2="21635"/>
+                        <a14:foregroundMark x1="80769" y1="18750" x2="90865" y2="35577"/>
+                        <a14:foregroundMark x1="94712" y1="39423" x2="88942" y2="50000"/>
+                        <a14:foregroundMark x1="88942" y1="58654" x2="85096" y2="70192"/>
+                        <a14:foregroundMark x1="3846" y1="39904" x2="5288" y2="51442"/>
+                        <a14:foregroundMark x1="21154" y1="82212" x2="47596" y2="92308"/>
+                        <a14:foregroundMark x1="47596" y1="92308" x2="57692" y2="90865"/>
+                        <a14:foregroundMark x1="36058" y1="90865" x2="19712" y2="86058"/>
+                        <a14:foregroundMark x1="20192" y1="86058" x2="47596" y2="92308"/>
+                        <a14:foregroundMark x1="65385" y1="88942" x2="79808" y2="74519"/>
+                        <a14:foregroundMark x1="70673" y1="90865" x2="53846" y2="93269"/>
+                        <a14:foregroundMark x1="98558" y1="37019" x2="99038" y2="64423"/>
+                        <a14:foregroundMark x1="67788" y1="96154" x2="41827" y2="95673"/>
+                        <a14:foregroundMark x1="41827" y1="95673" x2="43750" y2="98558"/>
+                        <a14:backgroundMark x1="6731" y1="10096" x2="2404" y2="5769"/>
+                      </a14:backgroundRemoval>
+                    </a14:imgEffect>
+                  </a14:imgLayer>
+                </a14:imgProps>
+              </a:ext>
+              <a:ext uri="{28A0092B-C50C-407E-A947-70E740481C1C}">
+                <a14:useLocalDpi xmlns:a14="http://schemas.microsoft.com/office/drawing/2010/main" val="0"/>
+              </a:ext>
+            </a:extLst>
+          </a:blip>
+          <a:stretch>
+            <a:fillRect/>
+          </a:stretch>
+        </p:blipFill>
         <p:spPr>
-          <a:xfrm flipH="1">
-            <a:off x="838200" y="6485313"/>
-            <a:ext cx="10515600" cy="0"/>
+          <a:xfrm>
+            <a:off x="6776885" y="2364378"/>
+            <a:ext cx="2308122" cy="2308122"/>
           </a:xfrm>
-          <a:prstGeom prst="line">
+          <a:prstGeom prst="rect">
             <a:avLst/>
           </a:prstGeom>
-          <a:ln w="57150">
-            <a:solidFill>
-              <a:schemeClr val="accent4"/>
-            </a:solidFill>
-          </a:ln>
         </p:spPr>
-        <p:style>
-          <a:lnRef idx="1">
-            <a:schemeClr val="accent1"/>
-          </a:lnRef>
-          <a:fillRef idx="0">
-            <a:schemeClr val="accent1"/>
-          </a:fillRef>
-          <a:effectRef idx="0">
-            <a:schemeClr val="accent1"/>
-          </a:effectRef>
-          <a:fontRef idx="minor">
-            <a:schemeClr val="tx1"/>
-          </a:fontRef>
-        </p:style>
-      </p:cxnSp>
+      </p:pic>
+      <p:pic>
+        <p:nvPicPr>
+          <p:cNvPr id="15" name="Picture 14" descr="A child wearing glasses and smiling">
+            <a:extLst>
+              <a:ext uri="{FF2B5EF4-FFF2-40B4-BE49-F238E27FC236}">
+                <a16:creationId xmlns:a16="http://schemas.microsoft.com/office/drawing/2014/main" id="{4E0F952B-0E6C-C57A-0D3F-8C7398E1F20A}"/>
+              </a:ext>
+            </a:extLst>
+          </p:cNvPr>
+          <p:cNvPicPr>
+            <a:picLocks noChangeAspect="1"/>
+          </p:cNvPicPr>
+          <p:nvPr/>
+        </p:nvPicPr>
+        <p:blipFill>
+          <a:blip r:embed="rId6">
+            <a:extLst>
+              <a:ext uri="{28A0092B-C50C-407E-A947-70E740481C1C}">
+                <a14:useLocalDpi xmlns:a14="http://schemas.microsoft.com/office/drawing/2010/main" val="0"/>
+              </a:ext>
+            </a:extLst>
+          </a:blip>
+          <a:stretch>
+            <a:fillRect/>
+          </a:stretch>
+        </p:blipFill>
+        <p:spPr>
+          <a:xfrm>
+            <a:off x="747100" y="2364378"/>
+            <a:ext cx="2108772" cy="2108772"/>
+          </a:xfrm>
+          <a:prstGeom prst="rect">
+            <a:avLst/>
+          </a:prstGeom>
+        </p:spPr>
+      </p:pic>
+      <p:pic>
+        <p:nvPicPr>
+          <p:cNvPr id="17" name="Picture 16" descr="A person in a white shirt">
+            <a:extLst>
+              <a:ext uri="{FF2B5EF4-FFF2-40B4-BE49-F238E27FC236}">
+                <a16:creationId xmlns:a16="http://schemas.microsoft.com/office/drawing/2014/main" id="{C642B02E-B36F-8A29-FA85-DB78D00B95C7}"/>
+              </a:ext>
+            </a:extLst>
+          </p:cNvPr>
+          <p:cNvPicPr>
+            <a:picLocks noChangeAspect="1"/>
+          </p:cNvPicPr>
+          <p:nvPr/>
+        </p:nvPicPr>
+        <p:blipFill>
+          <a:blip r:embed="rId7">
+            <a:extLst>
+              <a:ext uri="{28A0092B-C50C-407E-A947-70E740481C1C}">
+                <a14:useLocalDpi xmlns:a14="http://schemas.microsoft.com/office/drawing/2010/main" val="0"/>
+              </a:ext>
+            </a:extLst>
+          </a:blip>
+          <a:stretch>
+            <a:fillRect/>
+          </a:stretch>
+        </p:blipFill>
+        <p:spPr>
+          <a:xfrm>
+            <a:off x="9549704" y="2464053"/>
+            <a:ext cx="2108772" cy="2108772"/>
+          </a:xfrm>
+          <a:prstGeom prst="rect">
+            <a:avLst/>
+          </a:prstGeom>
+        </p:spPr>
+      </p:pic>
+      <p:pic>
+        <p:nvPicPr>
+          <p:cNvPr id="20" name="Picture 19" descr="A person in a white shirt">
+            <a:extLst>
+              <a:ext uri="{FF2B5EF4-FFF2-40B4-BE49-F238E27FC236}">
+                <a16:creationId xmlns:a16="http://schemas.microsoft.com/office/drawing/2014/main" id="{255A7280-6FDB-5F96-CCB8-35695093B67F}"/>
+              </a:ext>
+            </a:extLst>
+          </p:cNvPr>
+          <p:cNvPicPr>
+            <a:picLocks noChangeAspect="1"/>
+          </p:cNvPicPr>
+          <p:nvPr/>
+        </p:nvPicPr>
+        <p:blipFill>
+          <a:blip r:embed="rId8">
+            <a:extLst>
+              <a:ext uri="{28A0092B-C50C-407E-A947-70E740481C1C}">
+                <a14:useLocalDpi xmlns:a14="http://schemas.microsoft.com/office/drawing/2010/main" val="0"/>
+              </a:ext>
+            </a:extLst>
+          </a:blip>
+          <a:stretch>
+            <a:fillRect/>
+          </a:stretch>
+        </p:blipFill>
+        <p:spPr>
+          <a:xfrm>
+            <a:off x="4050744" y="2456592"/>
+            <a:ext cx="2108772" cy="2108772"/>
+          </a:xfrm>
+          <a:prstGeom prst="rect">
+            <a:avLst/>
+          </a:prstGeom>
+        </p:spPr>
+      </p:pic>
+      <p:pic>
+        <p:nvPicPr>
+          <p:cNvPr id="27" name="Picture 26" descr="A white line art of a car and a house">
+            <a:extLst>
+              <a:ext uri="{FF2B5EF4-FFF2-40B4-BE49-F238E27FC236}">
+                <a16:creationId xmlns:a16="http://schemas.microsoft.com/office/drawing/2014/main" id="{72905F46-9AAC-3DC4-4CF1-72F1F4621DF8}"/>
+              </a:ext>
+            </a:extLst>
+          </p:cNvPr>
+          <p:cNvPicPr>
+            <a:picLocks noChangeAspect="1"/>
+          </p:cNvPicPr>
+          <p:nvPr/>
+        </p:nvPicPr>
+        <p:blipFill>
+          <a:blip r:embed="rId9">
+            <a:extLst>
+              <a:ext uri="{28A0092B-C50C-407E-A947-70E740481C1C}">
+                <a14:useLocalDpi xmlns:a14="http://schemas.microsoft.com/office/drawing/2010/main" val="0"/>
+              </a:ext>
+            </a:extLst>
+          </a:blip>
+          <a:stretch>
+            <a:fillRect/>
+          </a:stretch>
+        </p:blipFill>
+        <p:spPr>
+          <a:xfrm>
+            <a:off x="45851" y="-7547"/>
+            <a:ext cx="2464139" cy="2464139"/>
+          </a:xfrm>
+          <a:prstGeom prst="rect">
+            <a:avLst/>
+          </a:prstGeom>
+        </p:spPr>
+      </p:pic>
     </p:spTree>
     <p:extLst>
       <p:ext uri="{BB962C8B-B14F-4D97-AF65-F5344CB8AC3E}">
@@ -4307,13 +6531,13 @@
   <p:clrMapOvr>
     <a:masterClrMapping/>
   </p:clrMapOvr>
-  <mc:AlternateContent xmlns:mc="http://schemas.openxmlformats.org/markup-compatibility/2006">
-    <mc:Choice xmlns:p159="http://schemas.microsoft.com/office/powerpoint/2015/09/main" Requires="p159">
+  <mc:AlternateContent xmlns:mc="http://schemas.openxmlformats.org/markup-compatibility/2006" xmlns:p159="http://schemas.microsoft.com/office/powerpoint/2015/09/main">
+    <mc:Choice Requires="p159">
       <p:transition xmlns:p14="http://schemas.microsoft.com/office/powerpoint/2010/main" spd="slow" p14:dur="2000">
         <p159:morph option="byObject"/>
       </p:transition>
     </mc:Choice>
-    <mc:Fallback>
+    <mc:Fallback xmlns="">
       <p:transition spd="slow">
         <p:fade/>
       </p:transition>
@@ -4347,66 +6571,6 @@
           <a:chExt cx="0" cy="0"/>
         </a:xfrm>
       </p:grpSpPr>
-      <p:sp useBgFill="1">
-        <p:nvSpPr>
-          <p:cNvPr id="29" name="Rectangle 28">
-            <a:extLst>
-              <a:ext uri="{FF2B5EF4-FFF2-40B4-BE49-F238E27FC236}">
-                <a16:creationId xmlns:a16="http://schemas.microsoft.com/office/drawing/2014/main" id="{DBF61EA3-B236-439E-9C0B-340980D56BEE}"/>
-              </a:ext>
-              <a:ext uri="{C183D7F6-B498-43B3-948B-1728B52AA6E4}">
-                <adec:decorative xmlns:adec="http://schemas.microsoft.com/office/drawing/2017/decorative" val="1"/>
-              </a:ext>
-            </a:extLst>
-          </p:cNvPr>
-          <p:cNvSpPr>
-            <a:spLocks noGrp="1" noRot="1" noChangeAspect="1" noMove="1" noResize="1" noEditPoints="1" noAdjustHandles="1" noChangeArrowheads="1" noChangeShapeType="1" noTextEdit="1"/>
-          </p:cNvSpPr>
-          <p:nvPr>
-            <p:extLst>
-              <p:ext uri="{386F3935-93C4-4BCD-93E2-E3B085C9AB24}">
-                <p16:designElem xmlns:p16="http://schemas.microsoft.com/office/powerpoint/2015/main" val="1"/>
-              </p:ext>
-            </p:extLst>
-          </p:nvPr>
-        </p:nvSpPr>
-        <p:spPr>
-          <a:xfrm>
-            <a:off x="0" y="0"/>
-            <a:ext cx="12191999" cy="6857365"/>
-          </a:xfrm>
-          <a:prstGeom prst="rect">
-            <a:avLst/>
-          </a:prstGeom>
-          <a:ln>
-            <a:noFill/>
-          </a:ln>
-        </p:spPr>
-        <p:style>
-          <a:lnRef idx="2">
-            <a:schemeClr val="accent1">
-              <a:shade val="50000"/>
-            </a:schemeClr>
-          </a:lnRef>
-          <a:fillRef idx="1">
-            <a:schemeClr val="accent1"/>
-          </a:fillRef>
-          <a:effectRef idx="0">
-            <a:schemeClr val="accent1"/>
-          </a:effectRef>
-          <a:fontRef idx="minor">
-            <a:schemeClr val="lt1"/>
-          </a:fontRef>
-        </p:style>
-        <p:txBody>
-          <a:bodyPr rtlCol="0" anchor="ctr"/>
-          <a:lstStyle/>
-          <a:p>
-            <a:pPr algn="ctr"/>
-            <a:endParaRPr lang="en-US"/>
-          </a:p>
-        </p:txBody>
-      </p:sp>
       <p:sp>
         <p:nvSpPr>
           <p:cNvPr id="2" name="Title 1">
@@ -4425,8 +6589,8 @@
         </p:nvSpPr>
         <p:spPr>
           <a:xfrm>
-            <a:off x="808638" y="386930"/>
-            <a:ext cx="9236700" cy="1188950"/>
+            <a:off x="6813198" y="657485"/>
+            <a:ext cx="2838802" cy="979920"/>
           </a:xfrm>
         </p:spPr>
         <p:txBody>
@@ -4435,263 +6599,103 @@
           </a:bodyPr>
           <a:lstStyle/>
           <a:p>
-            <a:endParaRPr lang="en-GB" sz="5400"/>
-          </a:p>
-        </p:txBody>
-      </p:sp>
-      <p:grpSp>
-        <p:nvGrpSpPr>
-          <p:cNvPr id="10" name="Group 9">
+            <a:r>
+              <a:rPr lang="bg-BG" sz="5400" dirty="0">
+                <a:solidFill>
+                  <a:srgbClr val="FF0000"/>
+                </a:solidFill>
+              </a:rPr>
+              <a:t>Мисия</a:t>
+            </a:r>
+            <a:endParaRPr lang="en-GB" sz="5400" dirty="0">
+              <a:solidFill>
+                <a:srgbClr val="FF0000"/>
+              </a:solidFill>
+            </a:endParaRPr>
+          </a:p>
+        </p:txBody>
+      </p:sp>
+      <p:pic>
+        <p:nvPicPr>
+          <p:cNvPr id="5" name="Content Placeholder 4" descr="A white line art of a car and a house">
             <a:extLst>
               <a:ext uri="{FF2B5EF4-FFF2-40B4-BE49-F238E27FC236}">
-                <a16:creationId xmlns:a16="http://schemas.microsoft.com/office/drawing/2014/main" id="{28FAF094-D087-493F-8DF9-A486C2D6BBAA}"/>
-              </a:ext>
-              <a:ext uri="{C183D7F6-B498-43B3-948B-1728B52AA6E4}">
-                <adec:decorative xmlns:adec="http://schemas.microsoft.com/office/drawing/2017/decorative" val="1"/>
+                <a16:creationId xmlns:a16="http://schemas.microsoft.com/office/drawing/2014/main" id="{89DAB849-D129-F0E1-FE85-31AD1C12CB1D}"/>
               </a:ext>
             </a:extLst>
           </p:cNvPr>
-          <p:cNvGrpSpPr>
-            <a:grpSpLocks noGrp="1" noUngrp="1" noRot="1" noChangeAspect="1" noMove="1" noResize="1"/>
-          </p:cNvGrpSpPr>
-          <p:nvPr>
-            <p:extLst>
-              <p:ext uri="{386F3935-93C4-4BCD-93E2-E3B085C9AB24}">
-                <p16:designElem xmlns:p16="http://schemas.microsoft.com/office/powerpoint/2015/main" val="1"/>
-              </p:ext>
-            </p:extLst>
-          </p:nvPr>
-        </p:nvGrpSpPr>
-        <p:grpSpPr>
+          <p:cNvPicPr>
+            <a:picLocks noGrp="1" noChangeAspect="1"/>
+          </p:cNvPicPr>
+          <p:nvPr>
+            <p:ph idx="1"/>
+          </p:nvPr>
+        </p:nvPicPr>
+        <p:blipFill>
+          <a:blip r:embed="rId2">
+            <a:extLst>
+              <a:ext uri="{28A0092B-C50C-407E-A947-70E740481C1C}">
+                <a14:useLocalDpi xmlns:a14="http://schemas.microsoft.com/office/drawing/2010/main" val="0"/>
+              </a:ext>
+            </a:extLst>
+          </a:blip>
+          <a:stretch>
+            <a:fillRect/>
+          </a:stretch>
+        </p:blipFill>
+        <p:spPr>
           <a:xfrm>
-            <a:off x="-2" y="1998368"/>
-            <a:ext cx="11695083" cy="782176"/>
-            <a:chOff x="-2" y="1998368"/>
-            <a:chExt cx="11695083" cy="782176"/>
+            <a:off x="9401124" y="-271956"/>
+            <a:ext cx="2838802" cy="2838802"/>
           </a:xfrm>
-        </p:grpSpPr>
-        <p:sp>
-          <p:nvSpPr>
-            <p:cNvPr id="30" name="Rectangle 29">
-              <a:extLst>
-                <a:ext uri="{FF2B5EF4-FFF2-40B4-BE49-F238E27FC236}">
-                  <a16:creationId xmlns:a16="http://schemas.microsoft.com/office/drawing/2014/main" id="{8D7C88D8-5509-4514-925A-9CE148E5CBD6}"/>
-                </a:ext>
-                <a:ext uri="{C183D7F6-B498-43B3-948B-1728B52AA6E4}">
-                  <adec:decorative xmlns:adec="http://schemas.microsoft.com/office/drawing/2017/decorative" val="1"/>
-                </a:ext>
-              </a:extLst>
-            </p:cNvPr>
-            <p:cNvSpPr/>
-            <p:nvPr>
-              <p:extLst>
-                <p:ext uri="{386F3935-93C4-4BCD-93E2-E3B085C9AB24}">
-                  <p16:designElem xmlns:p16="http://schemas.microsoft.com/office/powerpoint/2015/main" val="1"/>
-                </p:ext>
-              </p:extLst>
-            </p:nvPr>
-          </p:nvSpPr>
-          <p:spPr>
-            <a:xfrm rot="5400000">
-              <a:off x="11228040" y="2313027"/>
-              <a:ext cx="781700" cy="152382"/>
-            </a:xfrm>
-            <a:prstGeom prst="rect">
-              <a:avLst/>
-            </a:prstGeom>
-            <a:solidFill>
-              <a:schemeClr val="accent4"/>
-            </a:solidFill>
-            <a:ln>
-              <a:noFill/>
-            </a:ln>
-          </p:spPr>
-          <p:style>
-            <a:lnRef idx="2">
-              <a:schemeClr val="accent1">
-                <a:shade val="50000"/>
-              </a:schemeClr>
-            </a:lnRef>
-            <a:fillRef idx="1">
-              <a:schemeClr val="accent1"/>
-            </a:fillRef>
-            <a:effectRef idx="0">
-              <a:schemeClr val="accent1"/>
-            </a:effectRef>
-            <a:fontRef idx="minor">
-              <a:schemeClr val="lt1"/>
-            </a:fontRef>
-          </p:style>
-          <p:txBody>
-            <a:bodyPr rtlCol="0" anchor="ctr"/>
-            <a:lstStyle/>
-            <a:p>
-              <a:pPr algn="ctr"/>
-              <a:endParaRPr lang="en-US"/>
-            </a:p>
-          </p:txBody>
-        </p:sp>
-        <p:sp>
-          <p:nvSpPr>
-            <p:cNvPr id="31" name="Rectangle 30">
-              <a:extLst>
-                <a:ext uri="{FF2B5EF4-FFF2-40B4-BE49-F238E27FC236}">
-                  <a16:creationId xmlns:a16="http://schemas.microsoft.com/office/drawing/2014/main" id="{7275593D-F75E-4426-AE3E-2CDEFD228D25}"/>
-                </a:ext>
-                <a:ext uri="{C183D7F6-B498-43B3-948B-1728B52AA6E4}">
-                  <adec:decorative xmlns:adec="http://schemas.microsoft.com/office/drawing/2017/decorative" val="1"/>
-                </a:ext>
-              </a:extLst>
-            </p:cNvPr>
-            <p:cNvSpPr/>
-            <p:nvPr>
-              <p:extLst>
-                <p:ext uri="{386F3935-93C4-4BCD-93E2-E3B085C9AB24}">
-                  <p16:designElem xmlns:p16="http://schemas.microsoft.com/office/powerpoint/2015/main" val="1"/>
-                </p:ext>
-              </p:extLst>
-            </p:nvPr>
-          </p:nvSpPr>
-          <p:spPr>
-            <a:xfrm flipH="1" flipV="1">
-              <a:off x="-2" y="1998845"/>
-              <a:ext cx="11454595" cy="781699"/>
-            </a:xfrm>
-            <a:prstGeom prst="rect">
-              <a:avLst/>
-            </a:prstGeom>
-            <a:solidFill>
-              <a:schemeClr val="accent4"/>
-            </a:solidFill>
-            <a:ln>
-              <a:noFill/>
-            </a:ln>
-          </p:spPr>
-          <p:style>
-            <a:lnRef idx="2">
-              <a:schemeClr val="accent1">
-                <a:shade val="50000"/>
-              </a:schemeClr>
-            </a:lnRef>
-            <a:fillRef idx="1">
-              <a:schemeClr val="accent1"/>
-            </a:fillRef>
-            <a:effectRef idx="0">
-              <a:schemeClr val="accent1"/>
-            </a:effectRef>
-            <a:fontRef idx="minor">
-              <a:schemeClr val="lt1"/>
-            </a:fontRef>
-          </p:style>
-          <p:txBody>
-            <a:bodyPr rtlCol="0" anchor="ctr"/>
-            <a:lstStyle/>
-            <a:p>
-              <a:pPr algn="ctr"/>
-              <a:endParaRPr lang="en-US"/>
-            </a:p>
-          </p:txBody>
-        </p:sp>
-      </p:grpSp>
-      <p:sp>
-        <p:nvSpPr>
-          <p:cNvPr id="14" name="Rectangle 13">
+        </p:spPr>
+      </p:pic>
+      <p:sp>
+        <p:nvSpPr>
+          <p:cNvPr id="6" name="TextBox 5">
             <a:extLst>
               <a:ext uri="{FF2B5EF4-FFF2-40B4-BE49-F238E27FC236}">
-                <a16:creationId xmlns:a16="http://schemas.microsoft.com/office/drawing/2014/main" id="{E659831F-0D9A-4C63-9EBB-8435B85A440F}"/>
-              </a:ext>
-              <a:ext uri="{C183D7F6-B498-43B3-948B-1728B52AA6E4}">
-                <adec:decorative xmlns:adec="http://schemas.microsoft.com/office/drawing/2017/decorative" val="1"/>
+                <a16:creationId xmlns:a16="http://schemas.microsoft.com/office/drawing/2014/main" id="{47486339-0EA3-6DA9-4A02-B123286D2B6D}"/>
               </a:ext>
             </a:extLst>
           </p:cNvPr>
-          <p:cNvSpPr>
-            <a:spLocks noGrp="1" noRot="1" noChangeAspect="1" noMove="1" noResize="1" noEditPoints="1" noAdjustHandles="1" noChangeArrowheads="1" noChangeShapeType="1" noTextEdit="1"/>
-          </p:cNvSpPr>
-          <p:nvPr>
-            <p:extLst>
-              <p:ext uri="{386F3935-93C4-4BCD-93E2-E3B085C9AB24}">
-                <p16:designElem xmlns:p16="http://schemas.microsoft.com/office/powerpoint/2015/main" val="1"/>
-              </p:ext>
-            </p:extLst>
-          </p:nvPr>
+          <p:cNvSpPr txBox="1"/>
+          <p:nvPr/>
         </p:nvSpPr>
         <p:spPr>
           <a:xfrm>
-            <a:off x="0" y="2203079"/>
-            <a:ext cx="11383362" cy="4147845"/>
+            <a:off x="5800840" y="2197474"/>
+            <a:ext cx="5903479" cy="1631216"/>
           </a:xfrm>
           <a:prstGeom prst="rect">
             <a:avLst/>
           </a:prstGeom>
-          <a:solidFill>
-            <a:schemeClr val="bg1"/>
-          </a:solidFill>
-          <a:ln>
-            <a:noFill/>
-          </a:ln>
-          <a:effectLst>
-            <a:outerShdw blurRad="139700" dist="127000" dir="5400000" algn="t" rotWithShape="0">
-              <a:prstClr val="black">
-                <a:alpha val="15000"/>
-              </a:prstClr>
-            </a:outerShdw>
-          </a:effectLst>
+          <a:noFill/>
         </p:spPr>
-        <p:style>
-          <a:lnRef idx="2">
-            <a:schemeClr val="accent1">
-              <a:shade val="50000"/>
-            </a:schemeClr>
-          </a:lnRef>
-          <a:fillRef idx="1">
-            <a:schemeClr val="accent1"/>
-          </a:fillRef>
-          <a:effectRef idx="0">
-            <a:schemeClr val="accent1"/>
-          </a:effectRef>
-          <a:fontRef idx="minor">
-            <a:schemeClr val="lt1"/>
-          </a:fontRef>
-        </p:style>
-        <p:txBody>
-          <a:bodyPr rtlCol="0" anchor="ctr"/>
-          <a:lstStyle/>
-          <a:p>
-            <a:pPr algn="ctr"/>
-            <a:endParaRPr lang="en-US"/>
-          </a:p>
-        </p:txBody>
-      </p:sp>
-      <p:sp>
-        <p:nvSpPr>
-          <p:cNvPr id="3" name="Content Placeholder 2">
-            <a:extLst>
-              <a:ext uri="{FF2B5EF4-FFF2-40B4-BE49-F238E27FC236}">
-                <a16:creationId xmlns:a16="http://schemas.microsoft.com/office/drawing/2014/main" id="{90D92C49-0927-4788-D604-B41E24FB338F}"/>
-              </a:ext>
-            </a:extLst>
-          </p:cNvPr>
-          <p:cNvSpPr>
-            <a:spLocks noGrp="1"/>
-          </p:cNvSpPr>
-          <p:nvPr>
-            <p:ph idx="1"/>
-          </p:nvPr>
-        </p:nvSpPr>
-        <p:spPr>
-          <a:xfrm>
-            <a:off x="793660" y="2599509"/>
-            <a:ext cx="10143668" cy="3435531"/>
-          </a:xfrm>
-        </p:spPr>
-        <p:txBody>
-          <a:bodyPr anchor="ctr">
-            <a:normAutofit/>
+        <p:txBody>
+          <a:bodyPr wrap="square" rtlCol="0">
+            <a:spAutoFit/>
           </a:bodyPr>
           <a:lstStyle/>
           <a:p>
-            <a:endParaRPr lang="en-GB" sz="2400"/>
+            <a:pPr algn="ctr"/>
+            <a:r>
+              <a:rPr lang="en-US" sz="2000" dirty="0" err="1"/>
+              <a:t>AutoDorm</a:t>
+            </a:r>
+            <a:r>
+              <a:rPr lang="bg-BG" sz="2000" dirty="0"/>
+              <a:t> е иновативна платформа, създаден с мисията да улесни избора на автомобил под наем. Нашата платформа е насочена за хора със различни </a:t>
+            </a:r>
+            <a:r>
+              <a:rPr lang="bg-BG" sz="2000" dirty="0" err="1"/>
+              <a:t>въможности</a:t>
+            </a:r>
+            <a:r>
+              <a:rPr lang="bg-BG" sz="2000" dirty="0"/>
+              <a:t>.</a:t>
+            </a:r>
+            <a:endParaRPr lang="en-US" sz="2000" dirty="0"/>
           </a:p>
         </p:txBody>
       </p:sp>
@@ -4705,13 +6709,1064 @@
   <p:clrMapOvr>
     <a:masterClrMapping/>
   </p:clrMapOvr>
+  <mc:AlternateContent xmlns:mc="http://schemas.openxmlformats.org/markup-compatibility/2006">
+    <mc:Choice xmlns:p159="http://schemas.microsoft.com/office/powerpoint/2015/09/main" Requires="p159">
+      <p:transition xmlns:p14="http://schemas.microsoft.com/office/powerpoint/2010/main" spd="slow" p14:dur="2000">
+        <p159:morph option="byObject"/>
+      </p:transition>
+    </mc:Choice>
+    <mc:Fallback>
+      <p:transition spd="slow">
+        <p:fade/>
+      </p:transition>
+    </mc:Fallback>
+  </mc:AlternateContent>
+</p:sld>
+</file>
+
+<file path=ppt/slides/slide4.xml><?xml version="1.0" encoding="utf-8"?>
+<p:sld xmlns:a="http://schemas.openxmlformats.org/drawingml/2006/main" xmlns:r="http://schemas.openxmlformats.org/officeDocument/2006/relationships" xmlns:p="http://schemas.openxmlformats.org/presentationml/2006/main">
+  <p:cSld>
+    <p:bg>
+      <p:bgPr>
+        <a:solidFill>
+          <a:schemeClr val="bg1"/>
+        </a:solidFill>
+        <a:effectLst/>
+      </p:bgPr>
+    </p:bg>
+    <p:spTree>
+      <p:nvGrpSpPr>
+        <p:cNvPr id="1" name="">
+          <a:extLst>
+            <a:ext uri="{FF2B5EF4-FFF2-40B4-BE49-F238E27FC236}">
+              <a16:creationId xmlns:a16="http://schemas.microsoft.com/office/drawing/2014/main" id="{191A8381-05F0-69D3-B288-EC924420CC26}"/>
+            </a:ext>
+          </a:extLst>
+        </p:cNvPr>
+        <p:cNvGrpSpPr/>
+        <p:nvPr/>
+      </p:nvGrpSpPr>
+      <p:grpSpPr>
+        <a:xfrm>
+          <a:off x="0" y="0"/>
+          <a:ext cx="0" cy="0"/>
+          <a:chOff x="0" y="0"/>
+          <a:chExt cx="0" cy="0"/>
+        </a:xfrm>
+      </p:grpSpPr>
+      <p:sp>
+        <p:nvSpPr>
+          <p:cNvPr id="2" name="Title 1">
+            <a:extLst>
+              <a:ext uri="{FF2B5EF4-FFF2-40B4-BE49-F238E27FC236}">
+                <a16:creationId xmlns:a16="http://schemas.microsoft.com/office/drawing/2014/main" id="{D5AAC85E-CD6F-4EA7-FCC3-CCE67CBF4CD5}"/>
+              </a:ext>
+            </a:extLst>
+          </p:cNvPr>
+          <p:cNvSpPr>
+            <a:spLocks noGrp="1"/>
+          </p:cNvSpPr>
+          <p:nvPr>
+            <p:ph type="title"/>
+          </p:nvPr>
+        </p:nvSpPr>
+        <p:spPr>
+          <a:xfrm>
+            <a:off x="2249284" y="447282"/>
+            <a:ext cx="9942716" cy="1554480"/>
+          </a:xfrm>
+        </p:spPr>
+        <p:txBody>
+          <a:bodyPr anchor="ctr">
+            <a:normAutofit/>
+          </a:bodyPr>
+          <a:lstStyle/>
+          <a:p>
+            <a:r>
+              <a:rPr lang="bg-BG" sz="4800" dirty="0">
+                <a:solidFill>
+                  <a:srgbClr val="FF0000"/>
+                </a:solidFill>
+              </a:rPr>
+              <a:t>Технологии</a:t>
+            </a:r>
+            <a:endParaRPr lang="en-GB" sz="4800" dirty="0">
+              <a:solidFill>
+                <a:srgbClr val="FF0000"/>
+              </a:solidFill>
+            </a:endParaRPr>
+          </a:p>
+        </p:txBody>
+      </p:sp>
+      <mc:AlternateContent xmlns:mc="http://schemas.openxmlformats.org/markup-compatibility/2006">
+        <mc:Choice xmlns:p14="http://schemas.microsoft.com/office/powerpoint/2010/main" Requires="p14">
+          <p:contentPart p14:bwMode="auto" r:id="rId2">
+            <p14:nvContentPartPr>
+              <p14:cNvPr id="6" name="Ink 5">
+                <a:extLst>
+                  <a:ext uri="{FF2B5EF4-FFF2-40B4-BE49-F238E27FC236}">
+                    <a16:creationId xmlns:a16="http://schemas.microsoft.com/office/drawing/2014/main" id="{B894FF83-A71F-4824-8070-2A2DDE6310EE}"/>
+                  </a:ext>
+                </a:extLst>
+              </p14:cNvPr>
+              <p14:cNvContentPartPr/>
+              <p14:nvPr/>
+            </p14:nvContentPartPr>
+            <p14:xfrm>
+              <a:off x="9402920" y="2234920"/>
+              <a:ext cx="360" cy="360"/>
+            </p14:xfrm>
+          </p:contentPart>
+        </mc:Choice>
+        <mc:Fallback>
+          <p:pic>
+            <p:nvPicPr>
+              <p:cNvPr id="6" name="Ink 5">
+                <a:extLst>
+                  <a:ext uri="{FF2B5EF4-FFF2-40B4-BE49-F238E27FC236}">
+                    <a16:creationId xmlns:a16="http://schemas.microsoft.com/office/drawing/2014/main" id="{B894FF83-A71F-4824-8070-2A2DDE6310EE}"/>
+                  </a:ext>
+                </a:extLst>
+              </p:cNvPr>
+              <p:cNvPicPr/>
+              <p:nvPr/>
+            </p:nvPicPr>
+            <p:blipFill>
+              <a:blip r:embed="rId3"/>
+              <a:stretch>
+                <a:fillRect/>
+              </a:stretch>
+            </p:blipFill>
+            <p:spPr>
+              <a:xfrm>
+                <a:off x="9393920" y="2225920"/>
+                <a:ext cx="18000" cy="18000"/>
+              </a:xfrm>
+              <a:prstGeom prst="rect">
+                <a:avLst/>
+              </a:prstGeom>
+            </p:spPr>
+          </p:pic>
+        </mc:Fallback>
+      </mc:AlternateContent>
+      <p:pic>
+        <p:nvPicPr>
+          <p:cNvPr id="27" name="Picture 26" descr="A white line art of a car and a house">
+            <a:extLst>
+              <a:ext uri="{FF2B5EF4-FFF2-40B4-BE49-F238E27FC236}">
+                <a16:creationId xmlns:a16="http://schemas.microsoft.com/office/drawing/2014/main" id="{36BEA635-3C8A-EE89-127F-1BFC983E8BAF}"/>
+              </a:ext>
+            </a:extLst>
+          </p:cNvPr>
+          <p:cNvPicPr>
+            <a:picLocks noChangeAspect="1"/>
+          </p:cNvPicPr>
+          <p:nvPr/>
+        </p:nvPicPr>
+        <p:blipFill>
+          <a:blip r:embed="rId4">
+            <a:extLst>
+              <a:ext uri="{28A0092B-C50C-407E-A947-70E740481C1C}">
+                <a14:useLocalDpi xmlns:a14="http://schemas.microsoft.com/office/drawing/2010/main" val="0"/>
+              </a:ext>
+            </a:extLst>
+          </a:blip>
+          <a:stretch>
+            <a:fillRect/>
+          </a:stretch>
+        </p:blipFill>
+        <p:spPr>
+          <a:xfrm>
+            <a:off x="45851" y="-7547"/>
+            <a:ext cx="2464139" cy="2464139"/>
+          </a:xfrm>
+          <a:prstGeom prst="rect">
+            <a:avLst/>
+          </a:prstGeom>
+        </p:spPr>
+      </p:pic>
+      <p:pic>
+        <p:nvPicPr>
+          <p:cNvPr id="4" name="Picture 3">
+            <a:extLst>
+              <a:ext uri="{FF2B5EF4-FFF2-40B4-BE49-F238E27FC236}">
+                <a16:creationId xmlns:a16="http://schemas.microsoft.com/office/drawing/2014/main" id="{3712D450-B813-03FE-F608-5067ACF1B3D2}"/>
+              </a:ext>
+            </a:extLst>
+          </p:cNvPr>
+          <p:cNvPicPr>
+            <a:picLocks noChangeAspect="1"/>
+          </p:cNvPicPr>
+          <p:nvPr/>
+        </p:nvPicPr>
+        <p:blipFill>
+          <a:blip r:embed="rId5"/>
+          <a:stretch>
+            <a:fillRect/>
+          </a:stretch>
+        </p:blipFill>
+        <p:spPr>
+          <a:xfrm>
+            <a:off x="2664613" y="2001762"/>
+            <a:ext cx="1381274" cy="1381274"/>
+          </a:xfrm>
+          <a:prstGeom prst="rect">
+            <a:avLst/>
+          </a:prstGeom>
+        </p:spPr>
+      </p:pic>
+      <p:pic>
+        <p:nvPicPr>
+          <p:cNvPr id="5" name="Content Placeholder 4">
+            <a:extLst>
+              <a:ext uri="{FF2B5EF4-FFF2-40B4-BE49-F238E27FC236}">
+                <a16:creationId xmlns:a16="http://schemas.microsoft.com/office/drawing/2014/main" id="{7E2DA78F-C683-C7ED-F540-4430369D1575}"/>
+              </a:ext>
+            </a:extLst>
+          </p:cNvPr>
+          <p:cNvPicPr>
+            <a:picLocks noGrp="1" noChangeAspect="1"/>
+          </p:cNvPicPr>
+          <p:nvPr>
+            <p:ph idx="1"/>
+          </p:nvPr>
+        </p:nvPicPr>
+        <p:blipFill>
+          <a:blip r:embed="rId6"/>
+          <a:stretch>
+            <a:fillRect/>
+          </a:stretch>
+        </p:blipFill>
+        <p:spPr>
+          <a:xfrm>
+            <a:off x="2574214" y="3517029"/>
+            <a:ext cx="1562072" cy="1562072"/>
+          </a:xfrm>
+          <a:prstGeom prst="rect">
+            <a:avLst/>
+          </a:prstGeom>
+        </p:spPr>
+      </p:pic>
+      <p:pic>
+        <p:nvPicPr>
+          <p:cNvPr id="7" name="Picture 6" descr="A white cat in a circle&#10;&#10;Description automatically generated">
+            <a:extLst>
+              <a:ext uri="{FF2B5EF4-FFF2-40B4-BE49-F238E27FC236}">
+                <a16:creationId xmlns:a16="http://schemas.microsoft.com/office/drawing/2014/main" id="{04931F95-E5ED-DF42-6FE5-65AFDF0BCE9B}"/>
+              </a:ext>
+            </a:extLst>
+          </p:cNvPr>
+          <p:cNvPicPr>
+            <a:picLocks noChangeAspect="1"/>
+          </p:cNvPicPr>
+          <p:nvPr/>
+        </p:nvPicPr>
+        <p:blipFill>
+          <a:blip r:embed="rId7">
+            <a:extLst>
+              <a:ext uri="{28A0092B-C50C-407E-A947-70E740481C1C}">
+                <a14:useLocalDpi xmlns:a14="http://schemas.microsoft.com/office/drawing/2010/main" val="0"/>
+              </a:ext>
+            </a:extLst>
+          </a:blip>
+          <a:stretch>
+            <a:fillRect/>
+          </a:stretch>
+        </p:blipFill>
+        <p:spPr>
+          <a:xfrm>
+            <a:off x="2685131" y="5250983"/>
+            <a:ext cx="1340238" cy="1343385"/>
+          </a:xfrm>
+          <a:prstGeom prst="rect">
+            <a:avLst/>
+          </a:prstGeom>
+        </p:spPr>
+      </p:pic>
+      <p:pic>
+        <p:nvPicPr>
+          <p:cNvPr id="8" name="Picture 7" descr="A blue logo with black background&#10;&#10;Description automatically generated">
+            <a:extLst>
+              <a:ext uri="{FF2B5EF4-FFF2-40B4-BE49-F238E27FC236}">
+                <a16:creationId xmlns:a16="http://schemas.microsoft.com/office/drawing/2014/main" id="{D3E7CC34-8080-AA73-84C9-ECD70170E428}"/>
+              </a:ext>
+            </a:extLst>
+          </p:cNvPr>
+          <p:cNvPicPr>
+            <a:picLocks noChangeAspect="1"/>
+          </p:cNvPicPr>
+          <p:nvPr/>
+        </p:nvPicPr>
+        <p:blipFill>
+          <a:blip r:embed="rId8">
+            <a:extLst>
+              <a:ext uri="{28A0092B-C50C-407E-A947-70E740481C1C}">
+                <a14:useLocalDpi xmlns:a14="http://schemas.microsoft.com/office/drawing/2010/main" val="0"/>
+              </a:ext>
+            </a:extLst>
+          </a:blip>
+          <a:stretch>
+            <a:fillRect/>
+          </a:stretch>
+        </p:blipFill>
+        <p:spPr>
+          <a:xfrm>
+            <a:off x="5967183" y="2001762"/>
+            <a:ext cx="1253459" cy="1259726"/>
+          </a:xfrm>
+          <a:prstGeom prst="rect">
+            <a:avLst/>
+          </a:prstGeom>
+        </p:spPr>
+      </p:pic>
+      <p:pic>
+        <p:nvPicPr>
+          <p:cNvPr id="9" name="Picture 8">
+            <a:extLst>
+              <a:ext uri="{FF2B5EF4-FFF2-40B4-BE49-F238E27FC236}">
+                <a16:creationId xmlns:a16="http://schemas.microsoft.com/office/drawing/2014/main" id="{A8598C7D-FF49-1920-4F81-6E49C2940C17}"/>
+              </a:ext>
+            </a:extLst>
+          </p:cNvPr>
+          <p:cNvPicPr>
+            <a:picLocks noChangeAspect="1"/>
+          </p:cNvPicPr>
+          <p:nvPr/>
+        </p:nvPicPr>
+        <p:blipFill>
+          <a:blip r:embed="rId9"/>
+          <a:stretch>
+            <a:fillRect/>
+          </a:stretch>
+        </p:blipFill>
+        <p:spPr>
+          <a:xfrm>
+            <a:off x="5903275" y="3607428"/>
+            <a:ext cx="1381274" cy="1381274"/>
+          </a:xfrm>
+          <a:prstGeom prst="rect">
+            <a:avLst/>
+          </a:prstGeom>
+        </p:spPr>
+      </p:pic>
+      <p:pic>
+        <p:nvPicPr>
+          <p:cNvPr id="10" name="Picture 9" descr="A blue and white logo&#10;&#10;Description automatically generated">
+            <a:extLst>
+              <a:ext uri="{FF2B5EF4-FFF2-40B4-BE49-F238E27FC236}">
+                <a16:creationId xmlns:a16="http://schemas.microsoft.com/office/drawing/2014/main" id="{1EBED936-5080-BEE5-D42C-ECD169DE5137}"/>
+              </a:ext>
+            </a:extLst>
+          </p:cNvPr>
+          <p:cNvPicPr>
+            <a:picLocks noChangeAspect="1"/>
+          </p:cNvPicPr>
+          <p:nvPr/>
+        </p:nvPicPr>
+        <p:blipFill>
+          <a:blip r:embed="rId10">
+            <a:extLst>
+              <a:ext uri="{28A0092B-C50C-407E-A947-70E740481C1C}">
+                <a14:useLocalDpi xmlns:a14="http://schemas.microsoft.com/office/drawing/2010/main" val="0"/>
+              </a:ext>
+            </a:extLst>
+          </a:blip>
+          <a:stretch>
+            <a:fillRect/>
+          </a:stretch>
+        </p:blipFill>
+        <p:spPr>
+          <a:xfrm>
+            <a:off x="8451301" y="1940988"/>
+            <a:ext cx="1381274" cy="1381274"/>
+          </a:xfrm>
+          <a:prstGeom prst="rect">
+            <a:avLst/>
+          </a:prstGeom>
+        </p:spPr>
+      </p:pic>
+      <p:pic>
+        <p:nvPicPr>
+          <p:cNvPr id="11" name="Picture 10" descr="A logo with a letter p&#10;&#10;Description automatically generated">
+            <a:extLst>
+              <a:ext uri="{FF2B5EF4-FFF2-40B4-BE49-F238E27FC236}">
+                <a16:creationId xmlns:a16="http://schemas.microsoft.com/office/drawing/2014/main" id="{3FD19495-BDD2-33E7-FC65-321711CD328F}"/>
+              </a:ext>
+            </a:extLst>
+          </p:cNvPr>
+          <p:cNvPicPr>
+            <a:picLocks noChangeAspect="1"/>
+          </p:cNvPicPr>
+          <p:nvPr/>
+        </p:nvPicPr>
+        <p:blipFill>
+          <a:blip r:embed="rId11">
+            <a:extLst>
+              <a:ext uri="{28A0092B-C50C-407E-A947-70E740481C1C}">
+                <a14:useLocalDpi xmlns:a14="http://schemas.microsoft.com/office/drawing/2010/main" val="0"/>
+              </a:ext>
+            </a:extLst>
+          </a:blip>
+          <a:stretch>
+            <a:fillRect/>
+          </a:stretch>
+        </p:blipFill>
+        <p:spPr>
+          <a:xfrm>
+            <a:off x="8451301" y="3696503"/>
+            <a:ext cx="1484960" cy="1381274"/>
+          </a:xfrm>
+          <a:prstGeom prst="rect">
+            <a:avLst/>
+          </a:prstGeom>
+        </p:spPr>
+      </p:pic>
+      <p:pic>
+        <p:nvPicPr>
+          <p:cNvPr id="18" name="Picture 17" descr="A white letter d on a black background">
+            <a:extLst>
+              <a:ext uri="{FF2B5EF4-FFF2-40B4-BE49-F238E27FC236}">
+                <a16:creationId xmlns:a16="http://schemas.microsoft.com/office/drawing/2014/main" id="{4C5BA51B-9F49-6844-6669-BFCC83C8BB55}"/>
+              </a:ext>
+            </a:extLst>
+          </p:cNvPr>
+          <p:cNvPicPr>
+            <a:picLocks noChangeAspect="1"/>
+          </p:cNvPicPr>
+          <p:nvPr/>
+        </p:nvPicPr>
+        <p:blipFill>
+          <a:blip r:embed="rId12">
+            <a:extLst>
+              <a:ext uri="{28A0092B-C50C-407E-A947-70E740481C1C}">
+                <a14:useLocalDpi xmlns:a14="http://schemas.microsoft.com/office/drawing/2010/main" val="0"/>
+              </a:ext>
+            </a:extLst>
+          </a:blip>
+          <a:stretch>
+            <a:fillRect/>
+          </a:stretch>
+        </p:blipFill>
+        <p:spPr>
+          <a:xfrm>
+            <a:off x="5430104" y="5049819"/>
+            <a:ext cx="2327616" cy="1745712"/>
+          </a:xfrm>
+          <a:prstGeom prst="rect">
+            <a:avLst/>
+          </a:prstGeom>
+        </p:spPr>
+      </p:pic>
+    </p:spTree>
+    <p:extLst>
+      <p:ext uri="{BB962C8B-B14F-4D97-AF65-F5344CB8AC3E}">
+        <p14:creationId xmlns:p14="http://schemas.microsoft.com/office/powerpoint/2010/main" val="3392807497"/>
+      </p:ext>
+    </p:extLst>
+  </p:cSld>
+  <p:clrMapOvr>
+    <a:masterClrMapping/>
+  </p:clrMapOvr>
+  <mc:AlternateContent xmlns:mc="http://schemas.openxmlformats.org/markup-compatibility/2006">
+    <mc:Choice xmlns:p159="http://schemas.microsoft.com/office/powerpoint/2015/09/main" Requires="p159">
+      <p:transition xmlns:p14="http://schemas.microsoft.com/office/powerpoint/2010/main" spd="slow" p14:dur="2000">
+        <p159:morph option="byObject"/>
+      </p:transition>
+    </mc:Choice>
+    <mc:Fallback>
+      <p:transition spd="slow">
+        <p:fade/>
+      </p:transition>
+    </mc:Fallback>
+  </mc:AlternateContent>
+  <p:timing>
+    <p:tnLst>
+      <p:par>
+        <p:cTn id="1" dur="indefinite" restart="never" nodeType="tmRoot">
+          <p:childTnLst>
+            <p:seq concurrent="1" nextAc="seek">
+              <p:cTn id="2" dur="indefinite" nodeType="mainSeq">
+                <p:childTnLst>
+                  <p:par>
+                    <p:cTn id="3" fill="hold">
+                      <p:stCondLst>
+                        <p:cond delay="indefinite"/>
+                      </p:stCondLst>
+                      <p:childTnLst>
+                        <p:par>
+                          <p:cTn id="4" fill="hold">
+                            <p:stCondLst>
+                              <p:cond delay="0"/>
+                            </p:stCondLst>
+                            <p:childTnLst>
+                              <p:par>
+                                <p:cTn id="5" presetID="10" presetClass="entr" presetSubtype="0" fill="hold" nodeType="clickEffect">
+                                  <p:stCondLst>
+                                    <p:cond delay="0"/>
+                                  </p:stCondLst>
+                                  <p:childTnLst>
+                                    <p:set>
+                                      <p:cBhvr>
+                                        <p:cTn id="6" dur="1" fill="hold">
+                                          <p:stCondLst>
+                                            <p:cond delay="0"/>
+                                          </p:stCondLst>
+                                        </p:cTn>
+                                        <p:tgtEl>
+                                          <p:spTgt spid="4"/>
+                                        </p:tgtEl>
+                                        <p:attrNameLst>
+                                          <p:attrName>style.visibility</p:attrName>
+                                        </p:attrNameLst>
+                                      </p:cBhvr>
+                                      <p:to>
+                                        <p:strVal val="visible"/>
+                                      </p:to>
+                                    </p:set>
+                                    <p:animEffect transition="in" filter="fade">
+                                      <p:cBhvr>
+                                        <p:cTn id="7" dur="500"/>
+                                        <p:tgtEl>
+                                          <p:spTgt spid="4"/>
+                                        </p:tgtEl>
+                                      </p:cBhvr>
+                                    </p:animEffect>
+                                  </p:childTnLst>
+                                </p:cTn>
+                              </p:par>
+                            </p:childTnLst>
+                          </p:cTn>
+                        </p:par>
+                      </p:childTnLst>
+                    </p:cTn>
+                  </p:par>
+                  <p:par>
+                    <p:cTn id="8" fill="hold">
+                      <p:stCondLst>
+                        <p:cond delay="indefinite"/>
+                      </p:stCondLst>
+                      <p:childTnLst>
+                        <p:par>
+                          <p:cTn id="9" fill="hold">
+                            <p:stCondLst>
+                              <p:cond delay="0"/>
+                            </p:stCondLst>
+                            <p:childTnLst>
+                              <p:par>
+                                <p:cTn id="10" presetID="10" presetClass="entr" presetSubtype="0" fill="hold" nodeType="clickEffect">
+                                  <p:stCondLst>
+                                    <p:cond delay="0"/>
+                                  </p:stCondLst>
+                                  <p:childTnLst>
+                                    <p:set>
+                                      <p:cBhvr>
+                                        <p:cTn id="11" dur="1" fill="hold">
+                                          <p:stCondLst>
+                                            <p:cond delay="0"/>
+                                          </p:stCondLst>
+                                        </p:cTn>
+                                        <p:tgtEl>
+                                          <p:spTgt spid="5"/>
+                                        </p:tgtEl>
+                                        <p:attrNameLst>
+                                          <p:attrName>style.visibility</p:attrName>
+                                        </p:attrNameLst>
+                                      </p:cBhvr>
+                                      <p:to>
+                                        <p:strVal val="visible"/>
+                                      </p:to>
+                                    </p:set>
+                                    <p:animEffect transition="in" filter="fade">
+                                      <p:cBhvr>
+                                        <p:cTn id="12" dur="500"/>
+                                        <p:tgtEl>
+                                          <p:spTgt spid="5"/>
+                                        </p:tgtEl>
+                                      </p:cBhvr>
+                                    </p:animEffect>
+                                  </p:childTnLst>
+                                </p:cTn>
+                              </p:par>
+                            </p:childTnLst>
+                          </p:cTn>
+                        </p:par>
+                      </p:childTnLst>
+                    </p:cTn>
+                  </p:par>
+                  <p:par>
+                    <p:cTn id="13" fill="hold">
+                      <p:stCondLst>
+                        <p:cond delay="indefinite"/>
+                      </p:stCondLst>
+                      <p:childTnLst>
+                        <p:par>
+                          <p:cTn id="14" fill="hold">
+                            <p:stCondLst>
+                              <p:cond delay="0"/>
+                            </p:stCondLst>
+                            <p:childTnLst>
+                              <p:par>
+                                <p:cTn id="15" presetID="10" presetClass="entr" presetSubtype="0" fill="hold" nodeType="clickEffect">
+                                  <p:stCondLst>
+                                    <p:cond delay="0"/>
+                                  </p:stCondLst>
+                                  <p:childTnLst>
+                                    <p:set>
+                                      <p:cBhvr>
+                                        <p:cTn id="16" dur="1" fill="hold">
+                                          <p:stCondLst>
+                                            <p:cond delay="0"/>
+                                          </p:stCondLst>
+                                        </p:cTn>
+                                        <p:tgtEl>
+                                          <p:spTgt spid="7"/>
+                                        </p:tgtEl>
+                                        <p:attrNameLst>
+                                          <p:attrName>style.visibility</p:attrName>
+                                        </p:attrNameLst>
+                                      </p:cBhvr>
+                                      <p:to>
+                                        <p:strVal val="visible"/>
+                                      </p:to>
+                                    </p:set>
+                                    <p:animEffect transition="in" filter="fade">
+                                      <p:cBhvr>
+                                        <p:cTn id="17" dur="500"/>
+                                        <p:tgtEl>
+                                          <p:spTgt spid="7"/>
+                                        </p:tgtEl>
+                                      </p:cBhvr>
+                                    </p:animEffect>
+                                  </p:childTnLst>
+                                </p:cTn>
+                              </p:par>
+                            </p:childTnLst>
+                          </p:cTn>
+                        </p:par>
+                      </p:childTnLst>
+                    </p:cTn>
+                  </p:par>
+                  <p:par>
+                    <p:cTn id="18" fill="hold">
+                      <p:stCondLst>
+                        <p:cond delay="indefinite"/>
+                      </p:stCondLst>
+                      <p:childTnLst>
+                        <p:par>
+                          <p:cTn id="19" fill="hold">
+                            <p:stCondLst>
+                              <p:cond delay="0"/>
+                            </p:stCondLst>
+                            <p:childTnLst>
+                              <p:par>
+                                <p:cTn id="20" presetID="10" presetClass="entr" presetSubtype="0" fill="hold" nodeType="clickEffect">
+                                  <p:stCondLst>
+                                    <p:cond delay="0"/>
+                                  </p:stCondLst>
+                                  <p:childTnLst>
+                                    <p:set>
+                                      <p:cBhvr>
+                                        <p:cTn id="21" dur="1" fill="hold">
+                                          <p:stCondLst>
+                                            <p:cond delay="0"/>
+                                          </p:stCondLst>
+                                        </p:cTn>
+                                        <p:tgtEl>
+                                          <p:spTgt spid="8"/>
+                                        </p:tgtEl>
+                                        <p:attrNameLst>
+                                          <p:attrName>style.visibility</p:attrName>
+                                        </p:attrNameLst>
+                                      </p:cBhvr>
+                                      <p:to>
+                                        <p:strVal val="visible"/>
+                                      </p:to>
+                                    </p:set>
+                                    <p:animEffect transition="in" filter="fade">
+                                      <p:cBhvr>
+                                        <p:cTn id="22" dur="500"/>
+                                        <p:tgtEl>
+                                          <p:spTgt spid="8"/>
+                                        </p:tgtEl>
+                                      </p:cBhvr>
+                                    </p:animEffect>
+                                  </p:childTnLst>
+                                </p:cTn>
+                              </p:par>
+                            </p:childTnLst>
+                          </p:cTn>
+                        </p:par>
+                      </p:childTnLst>
+                    </p:cTn>
+                  </p:par>
+                  <p:par>
+                    <p:cTn id="23" fill="hold">
+                      <p:stCondLst>
+                        <p:cond delay="indefinite"/>
+                      </p:stCondLst>
+                      <p:childTnLst>
+                        <p:par>
+                          <p:cTn id="24" fill="hold">
+                            <p:stCondLst>
+                              <p:cond delay="0"/>
+                            </p:stCondLst>
+                            <p:childTnLst>
+                              <p:par>
+                                <p:cTn id="25" presetID="10" presetClass="entr" presetSubtype="0" fill="hold" nodeType="clickEffect">
+                                  <p:stCondLst>
+                                    <p:cond delay="0"/>
+                                  </p:stCondLst>
+                                  <p:childTnLst>
+                                    <p:set>
+                                      <p:cBhvr>
+                                        <p:cTn id="26" dur="1" fill="hold">
+                                          <p:stCondLst>
+                                            <p:cond delay="0"/>
+                                          </p:stCondLst>
+                                        </p:cTn>
+                                        <p:tgtEl>
+                                          <p:spTgt spid="9"/>
+                                        </p:tgtEl>
+                                        <p:attrNameLst>
+                                          <p:attrName>style.visibility</p:attrName>
+                                        </p:attrNameLst>
+                                      </p:cBhvr>
+                                      <p:to>
+                                        <p:strVal val="visible"/>
+                                      </p:to>
+                                    </p:set>
+                                    <p:animEffect transition="in" filter="fade">
+                                      <p:cBhvr>
+                                        <p:cTn id="27" dur="500"/>
+                                        <p:tgtEl>
+                                          <p:spTgt spid="9"/>
+                                        </p:tgtEl>
+                                      </p:cBhvr>
+                                    </p:animEffect>
+                                  </p:childTnLst>
+                                </p:cTn>
+                              </p:par>
+                            </p:childTnLst>
+                          </p:cTn>
+                        </p:par>
+                      </p:childTnLst>
+                    </p:cTn>
+                  </p:par>
+                  <p:par>
+                    <p:cTn id="28" fill="hold">
+                      <p:stCondLst>
+                        <p:cond delay="indefinite"/>
+                      </p:stCondLst>
+                      <p:childTnLst>
+                        <p:par>
+                          <p:cTn id="29" fill="hold">
+                            <p:stCondLst>
+                              <p:cond delay="0"/>
+                            </p:stCondLst>
+                            <p:childTnLst>
+                              <p:par>
+                                <p:cTn id="30" presetID="10" presetClass="entr" presetSubtype="0" fill="hold" nodeType="clickEffect">
+                                  <p:stCondLst>
+                                    <p:cond delay="0"/>
+                                  </p:stCondLst>
+                                  <p:childTnLst>
+                                    <p:set>
+                                      <p:cBhvr>
+                                        <p:cTn id="31" dur="1" fill="hold">
+                                          <p:stCondLst>
+                                            <p:cond delay="0"/>
+                                          </p:stCondLst>
+                                        </p:cTn>
+                                        <p:tgtEl>
+                                          <p:spTgt spid="10"/>
+                                        </p:tgtEl>
+                                        <p:attrNameLst>
+                                          <p:attrName>style.visibility</p:attrName>
+                                        </p:attrNameLst>
+                                      </p:cBhvr>
+                                      <p:to>
+                                        <p:strVal val="visible"/>
+                                      </p:to>
+                                    </p:set>
+                                    <p:animEffect transition="in" filter="fade">
+                                      <p:cBhvr>
+                                        <p:cTn id="32" dur="500"/>
+                                        <p:tgtEl>
+                                          <p:spTgt spid="10"/>
+                                        </p:tgtEl>
+                                      </p:cBhvr>
+                                    </p:animEffect>
+                                  </p:childTnLst>
+                                </p:cTn>
+                              </p:par>
+                            </p:childTnLst>
+                          </p:cTn>
+                        </p:par>
+                      </p:childTnLst>
+                    </p:cTn>
+                  </p:par>
+                  <p:par>
+                    <p:cTn id="33" fill="hold">
+                      <p:stCondLst>
+                        <p:cond delay="indefinite"/>
+                      </p:stCondLst>
+                      <p:childTnLst>
+                        <p:par>
+                          <p:cTn id="34" fill="hold">
+                            <p:stCondLst>
+                              <p:cond delay="0"/>
+                            </p:stCondLst>
+                            <p:childTnLst>
+                              <p:par>
+                                <p:cTn id="35" presetID="10" presetClass="entr" presetSubtype="0" fill="hold" nodeType="clickEffect">
+                                  <p:stCondLst>
+                                    <p:cond delay="0"/>
+                                  </p:stCondLst>
+                                  <p:childTnLst>
+                                    <p:set>
+                                      <p:cBhvr>
+                                        <p:cTn id="36" dur="1" fill="hold">
+                                          <p:stCondLst>
+                                            <p:cond delay="0"/>
+                                          </p:stCondLst>
+                                        </p:cTn>
+                                        <p:tgtEl>
+                                          <p:spTgt spid="11"/>
+                                        </p:tgtEl>
+                                        <p:attrNameLst>
+                                          <p:attrName>style.visibility</p:attrName>
+                                        </p:attrNameLst>
+                                      </p:cBhvr>
+                                      <p:to>
+                                        <p:strVal val="visible"/>
+                                      </p:to>
+                                    </p:set>
+                                    <p:animEffect transition="in" filter="fade">
+                                      <p:cBhvr>
+                                        <p:cTn id="37" dur="500"/>
+                                        <p:tgtEl>
+                                          <p:spTgt spid="11"/>
+                                        </p:tgtEl>
+                                      </p:cBhvr>
+                                    </p:animEffect>
+                                  </p:childTnLst>
+                                </p:cTn>
+                              </p:par>
+                            </p:childTnLst>
+                          </p:cTn>
+                        </p:par>
+                      </p:childTnLst>
+                    </p:cTn>
+                  </p:par>
+                </p:childTnLst>
+              </p:cTn>
+              <p:prevCondLst>
+                <p:cond evt="onPrev" delay="0">
+                  <p:tgtEl>
+                    <p:sldTgt/>
+                  </p:tgtEl>
+                </p:cond>
+              </p:prevCondLst>
+              <p:nextCondLst>
+                <p:cond evt="onNext" delay="0">
+                  <p:tgtEl>
+                    <p:sldTgt/>
+                  </p:tgtEl>
+                </p:cond>
+              </p:nextCondLst>
+            </p:seq>
+          </p:childTnLst>
+        </p:cTn>
+      </p:par>
+    </p:tnLst>
+  </p:timing>
+</p:sld>
+</file>
+
+<file path=ppt/slides/slide5.xml><?xml version="1.0" encoding="utf-8"?>
+<p:sld xmlns:a="http://schemas.openxmlformats.org/drawingml/2006/main" xmlns:r="http://schemas.openxmlformats.org/officeDocument/2006/relationships" xmlns:p="http://schemas.openxmlformats.org/presentationml/2006/main">
+  <p:cSld>
+    <p:bg>
+      <p:bgPr>
+        <a:solidFill>
+          <a:schemeClr val="bg1"/>
+        </a:solidFill>
+        <a:effectLst/>
+      </p:bgPr>
+    </p:bg>
+    <p:spTree>
+      <p:nvGrpSpPr>
+        <p:cNvPr id="1" name="">
+          <a:extLst>
+            <a:ext uri="{FF2B5EF4-FFF2-40B4-BE49-F238E27FC236}">
+              <a16:creationId xmlns:a16="http://schemas.microsoft.com/office/drawing/2014/main" id="{9D2A36C7-A749-F6E3-4402-617D23D64D83}"/>
+            </a:ext>
+          </a:extLst>
+        </p:cNvPr>
+        <p:cNvGrpSpPr/>
+        <p:nvPr/>
+      </p:nvGrpSpPr>
+      <p:grpSpPr>
+        <a:xfrm>
+          <a:off x="0" y="0"/>
+          <a:ext cx="0" cy="0"/>
+          <a:chOff x="0" y="0"/>
+          <a:chExt cx="0" cy="0"/>
+        </a:xfrm>
+      </p:grpSpPr>
+      <p:sp>
+        <p:nvSpPr>
+          <p:cNvPr id="2" name="Title 1">
+            <a:extLst>
+              <a:ext uri="{FF2B5EF4-FFF2-40B4-BE49-F238E27FC236}">
+                <a16:creationId xmlns:a16="http://schemas.microsoft.com/office/drawing/2014/main" id="{4FF15078-1D56-D9A7-7B50-3CD90C44E943}"/>
+              </a:ext>
+            </a:extLst>
+          </p:cNvPr>
+          <p:cNvSpPr>
+            <a:spLocks noGrp="1"/>
+          </p:cNvSpPr>
+          <p:nvPr>
+            <p:ph type="title"/>
+          </p:nvPr>
+        </p:nvSpPr>
+        <p:spPr>
+          <a:xfrm>
+            <a:off x="6813198" y="657485"/>
+            <a:ext cx="2838802" cy="979920"/>
+          </a:xfrm>
+        </p:spPr>
+        <p:txBody>
+          <a:bodyPr anchor="b">
+            <a:normAutofit/>
+          </a:bodyPr>
+          <a:lstStyle/>
+          <a:p>
+            <a:r>
+              <a:rPr lang="bg-BG" sz="5400" dirty="0" err="1">
+                <a:solidFill>
+                  <a:srgbClr val="FF0000"/>
+                </a:solidFill>
+              </a:rPr>
+              <a:t>ДЕмо</a:t>
+            </a:r>
+            <a:endParaRPr lang="en-GB" sz="5400" dirty="0">
+              <a:solidFill>
+                <a:srgbClr val="FF0000"/>
+              </a:solidFill>
+            </a:endParaRPr>
+          </a:p>
+        </p:txBody>
+      </p:sp>
+      <p:pic>
+        <p:nvPicPr>
+          <p:cNvPr id="5" name="Content Placeholder 4" descr="A white line art of a car and a house">
+            <a:extLst>
+              <a:ext uri="{FF2B5EF4-FFF2-40B4-BE49-F238E27FC236}">
+                <a16:creationId xmlns:a16="http://schemas.microsoft.com/office/drawing/2014/main" id="{497EA7C1-AAA7-97A5-6BB6-DF13B1777728}"/>
+              </a:ext>
+            </a:extLst>
+          </p:cNvPr>
+          <p:cNvPicPr>
+            <a:picLocks noGrp="1" noChangeAspect="1"/>
+          </p:cNvPicPr>
+          <p:nvPr>
+            <p:ph idx="1"/>
+          </p:nvPr>
+        </p:nvPicPr>
+        <p:blipFill>
+          <a:blip r:embed="rId2">
+            <a:extLst>
+              <a:ext uri="{28A0092B-C50C-407E-A947-70E740481C1C}">
+                <a14:useLocalDpi xmlns:a14="http://schemas.microsoft.com/office/drawing/2010/main" val="0"/>
+              </a:ext>
+            </a:extLst>
+          </a:blip>
+          <a:stretch>
+            <a:fillRect/>
+          </a:stretch>
+        </p:blipFill>
+        <p:spPr>
+          <a:xfrm>
+            <a:off x="9401124" y="-271956"/>
+            <a:ext cx="2838802" cy="2838802"/>
+          </a:xfrm>
+        </p:spPr>
+      </p:pic>
+      <p:sp>
+        <p:nvSpPr>
+          <p:cNvPr id="6" name="TextBox 5">
+            <a:extLst>
+              <a:ext uri="{FF2B5EF4-FFF2-40B4-BE49-F238E27FC236}">
+                <a16:creationId xmlns:a16="http://schemas.microsoft.com/office/drawing/2014/main" id="{DDA8E2F7-CDD4-91CA-9D84-8F89B2F0B4E3}"/>
+              </a:ext>
+            </a:extLst>
+          </p:cNvPr>
+          <p:cNvSpPr txBox="1"/>
+          <p:nvPr/>
+        </p:nvSpPr>
+        <p:spPr>
+          <a:xfrm>
+            <a:off x="3144260" y="2566846"/>
+            <a:ext cx="5903479" cy="2554545"/>
+          </a:xfrm>
+          <a:prstGeom prst="rect">
+            <a:avLst/>
+          </a:prstGeom>
+          <a:noFill/>
+        </p:spPr>
+        <p:txBody>
+          <a:bodyPr wrap="square" rtlCol="0">
+            <a:spAutoFit/>
+          </a:bodyPr>
+          <a:lstStyle/>
+          <a:p>
+            <a:pPr algn="ctr"/>
+            <a:r>
+              <a:rPr lang="bg-BG" sz="4000" b="1" dirty="0"/>
+              <a:t>Благодарим за вниманието! </a:t>
+            </a:r>
+          </a:p>
+          <a:p>
+            <a:pPr algn="ctr"/>
+            <a:r>
+              <a:rPr lang="bg-BG" sz="4000" b="1" dirty="0"/>
+              <a:t>Нека преминем към демото</a:t>
+            </a:r>
+            <a:endParaRPr lang="en-US" sz="4400" b="1" dirty="0"/>
+          </a:p>
+        </p:txBody>
+      </p:sp>
+    </p:spTree>
+    <p:extLst>
+      <p:ext uri="{BB962C8B-B14F-4D97-AF65-F5344CB8AC3E}">
+        <p14:creationId xmlns:p14="http://schemas.microsoft.com/office/powerpoint/2010/main" val="3039092835"/>
+      </p:ext>
+    </p:extLst>
+  </p:cSld>
+  <p:clrMapOvr>
+    <a:masterClrMapping/>
+  </p:clrMapOvr>
+  <mc:AlternateContent xmlns:mc="http://schemas.openxmlformats.org/markup-compatibility/2006">
+    <mc:Choice xmlns:p159="http://schemas.microsoft.com/office/powerpoint/2015/09/main" Requires="p159">
+      <p:transition xmlns:p14="http://schemas.microsoft.com/office/powerpoint/2010/main" spd="slow" p14:dur="2000">
+        <p159:morph option="byObject"/>
+      </p:transition>
+    </mc:Choice>
+    <mc:Fallback>
+      <p:transition spd="slow">
+        <p:fade/>
+      </p:transition>
+    </mc:Fallback>
+  </mc:AlternateContent>
 </p:sld>
 </file>
 
 <file path=ppt/theme/theme1.xml><?xml version="1.0" encoding="utf-8"?>
-<a:theme xmlns:a="http://schemas.openxmlformats.org/drawingml/2006/main" name="Office Theme">
+<a:theme xmlns:a="http://schemas.openxmlformats.org/drawingml/2006/main" name="Mesh">
   <a:themeElements>
-    <a:clrScheme name="Office">
+    <a:clrScheme name="Grayscale">
       <a:dk1>
         <a:sysClr val="windowText" lastClr="000000"/>
       </a:dk1>
@@ -4719,100 +7774,48 @@
         <a:sysClr val="window" lastClr="FFFFFF"/>
       </a:lt1>
       <a:dk2>
-        <a:srgbClr val="0E2841"/>
+        <a:srgbClr val="000000"/>
       </a:dk2>
       <a:lt2>
-        <a:srgbClr val="E8E8E8"/>
+        <a:srgbClr val="F8F8F8"/>
       </a:lt2>
       <a:accent1>
-        <a:srgbClr val="156082"/>
+        <a:srgbClr val="DDDDDD"/>
       </a:accent1>
       <a:accent2>
-        <a:srgbClr val="E97132"/>
+        <a:srgbClr val="B2B2B2"/>
       </a:accent2>
       <a:accent3>
-        <a:srgbClr val="196B24"/>
+        <a:srgbClr val="969696"/>
       </a:accent3>
       <a:accent4>
-        <a:srgbClr val="0F9ED5"/>
+        <a:srgbClr val="808080"/>
       </a:accent4>
       <a:accent5>
-        <a:srgbClr val="A02B93"/>
+        <a:srgbClr val="5F5F5F"/>
       </a:accent5>
       <a:accent6>
-        <a:srgbClr val="4EA72E"/>
+        <a:srgbClr val="4D4D4D"/>
       </a:accent6>
       <a:hlink>
-        <a:srgbClr val="467886"/>
+        <a:srgbClr val="5F5F5F"/>
       </a:hlink>
       <a:folHlink>
-        <a:srgbClr val="96607D"/>
+        <a:srgbClr val="919191"/>
       </a:folHlink>
     </a:clrScheme>
-    <a:fontScheme name="Office">
+    <a:fontScheme name="Mesh">
       <a:majorFont>
-        <a:latin typeface="Aptos Display" panose="02110004020202020204"/>
+        <a:latin typeface="Century Gothic" panose="020B0502020202020204"/>
         <a:ea typeface=""/>
         <a:cs typeface=""/>
-        <a:font script="Jpan" typeface="游ゴシック Light"/>
+        <a:font script="Jpan" typeface="ＭＳ ゴシック"/>
         <a:font script="Hang" typeface="맑은 고딕"/>
-        <a:font script="Hans" typeface="等线 Light"/>
+        <a:font script="Hans" typeface="宋体"/>
         <a:font script="Hant" typeface="新細明體"/>
-        <a:font script="Arab" typeface="Times New Roman"/>
-        <a:font script="Hebr" typeface="Times New Roman"/>
-        <a:font script="Thai" typeface="Angsana New"/>
-        <a:font script="Ethi" typeface="Nyala"/>
-        <a:font script="Beng" typeface="Vrinda"/>
-        <a:font script="Gujr" typeface="Shruti"/>
-        <a:font script="Khmr" typeface="MoolBoran"/>
-        <a:font script="Knda" typeface="Tunga"/>
-        <a:font script="Guru" typeface="Raavi"/>
-        <a:font script="Cans" typeface="Euphemia"/>
-        <a:font script="Cher" typeface="Plantagenet Cherokee"/>
-        <a:font script="Yiii" typeface="Microsoft Yi Baiti"/>
-        <a:font script="Tibt" typeface="Microsoft Himalaya"/>
-        <a:font script="Thaa" typeface="MV Boli"/>
-        <a:font script="Deva" typeface="Mangal"/>
-        <a:font script="Telu" typeface="Gautami"/>
-        <a:font script="Taml" typeface="Latha"/>
-        <a:font script="Syrc" typeface="Estrangelo Edessa"/>
-        <a:font script="Orya" typeface="Kalinga"/>
-        <a:font script="Mlym" typeface="Kartika"/>
-        <a:font script="Laoo" typeface="DokChampa"/>
-        <a:font script="Sinh" typeface="Iskoola Pota"/>
-        <a:font script="Mong" typeface="Mongolian Baiti"/>
-        <a:font script="Viet" typeface="Times New Roman"/>
-        <a:font script="Uigh" typeface="Microsoft Uighur"/>
-        <a:font script="Geor" typeface="Sylfaen"/>
-        <a:font script="Armn" typeface="Arial"/>
-        <a:font script="Bugi" typeface="Leelawadee UI"/>
-        <a:font script="Bopo" typeface="Microsoft JhengHei"/>
-        <a:font script="Java" typeface="Javanese Text"/>
-        <a:font script="Lisu" typeface="Segoe UI"/>
-        <a:font script="Mymr" typeface="Myanmar Text"/>
-        <a:font script="Nkoo" typeface="Ebrima"/>
-        <a:font script="Olck" typeface="Nirmala UI"/>
-        <a:font script="Osma" typeface="Ebrima"/>
-        <a:font script="Phag" typeface="Phagspa"/>
-        <a:font script="Syrn" typeface="Estrangelo Edessa"/>
-        <a:font script="Syrj" typeface="Estrangelo Edessa"/>
-        <a:font script="Syre" typeface="Estrangelo Edessa"/>
-        <a:font script="Sora" typeface="Nirmala UI"/>
-        <a:font script="Tale" typeface="Microsoft Tai Le"/>
-        <a:font script="Talu" typeface="Microsoft New Tai Lue"/>
-        <a:font script="Tfng" typeface="Ebrima"/>
-      </a:majorFont>
-      <a:minorFont>
-        <a:latin typeface="Aptos" panose="02110004020202020204"/>
-        <a:ea typeface=""/>
-        <a:cs typeface=""/>
-        <a:font script="Jpan" typeface="游ゴシック"/>
-        <a:font script="Hang" typeface="맑은 고딕"/>
-        <a:font script="Hans" typeface="等线"/>
-        <a:font script="Hant" typeface="新細明體"/>
-        <a:font script="Arab" typeface="Arial"/>
-        <a:font script="Hebr" typeface="Arial"/>
-        <a:font script="Thai" typeface="Cordia New"/>
+        <a:font script="Arab" typeface="Tahoma"/>
+        <a:font script="Hebr" typeface="Gisha"/>
+        <a:font script="Thai" typeface="DilleniaUPC"/>
         <a:font script="Ethi" typeface="Nyala"/>
         <a:font script="Beng" typeface="Vrinda"/>
         <a:font script="Gujr" typeface="Shruti"/>
@@ -4833,29 +7836,47 @@
         <a:font script="Laoo" typeface="DokChampa"/>
         <a:font script="Sinh" typeface="Iskoola Pota"/>
         <a:font script="Mong" typeface="Mongolian Baiti"/>
-        <a:font script="Viet" typeface="Arial"/>
+        <a:font script="Viet" typeface="Tahoma"/>
         <a:font script="Uigh" typeface="Microsoft Uighur"/>
         <a:font script="Geor" typeface="Sylfaen"/>
-        <a:font script="Armn" typeface="Arial"/>
-        <a:font script="Bugi" typeface="Leelawadee UI"/>
-        <a:font script="Bopo" typeface="Microsoft JhengHei"/>
-        <a:font script="Java" typeface="Javanese Text"/>
-        <a:font script="Lisu" typeface="Segoe UI"/>
-        <a:font script="Mymr" typeface="Myanmar Text"/>
-        <a:font script="Nkoo" typeface="Ebrima"/>
-        <a:font script="Olck" typeface="Nirmala UI"/>
-        <a:font script="Osma" typeface="Ebrima"/>
-        <a:font script="Phag" typeface="Phagspa"/>
-        <a:font script="Syrn" typeface="Estrangelo Edessa"/>
-        <a:font script="Syrj" typeface="Estrangelo Edessa"/>
-        <a:font script="Syre" typeface="Estrangelo Edessa"/>
-        <a:font script="Sora" typeface="Nirmala UI"/>
-        <a:font script="Tale" typeface="Microsoft Tai Le"/>
-        <a:font script="Talu" typeface="Microsoft New Tai Lue"/>
-        <a:font script="Tfng" typeface="Ebrima"/>
+      </a:majorFont>
+      <a:minorFont>
+        <a:latin typeface="Century Gothic" panose="020B0502020202020204"/>
+        <a:ea typeface=""/>
+        <a:cs typeface=""/>
+        <a:font script="Jpan" typeface="ＭＳ ゴシック"/>
+        <a:font script="Hang" typeface="맑은 고딕"/>
+        <a:font script="Hans" typeface="宋体"/>
+        <a:font script="Hant" typeface="新細明體"/>
+        <a:font script="Arab" typeface="Tahoma"/>
+        <a:font script="Hebr" typeface="Gisha"/>
+        <a:font script="Thai" typeface="DilleniaUPC"/>
+        <a:font script="Ethi" typeface="Nyala"/>
+        <a:font script="Beng" typeface="Vrinda"/>
+        <a:font script="Gujr" typeface="Shruti"/>
+        <a:font script="Khmr" typeface="DaunPenh"/>
+        <a:font script="Knda" typeface="Tunga"/>
+        <a:font script="Guru" typeface="Raavi"/>
+        <a:font script="Cans" typeface="Euphemia"/>
+        <a:font script="Cher" typeface="Plantagenet Cherokee"/>
+        <a:font script="Yiii" typeface="Microsoft Yi Baiti"/>
+        <a:font script="Tibt" typeface="Microsoft Himalaya"/>
+        <a:font script="Thaa" typeface="MV Boli"/>
+        <a:font script="Deva" typeface="Mangal"/>
+        <a:font script="Telu" typeface="Gautami"/>
+        <a:font script="Taml" typeface="Latha"/>
+        <a:font script="Syrc" typeface="Estrangelo Edessa"/>
+        <a:font script="Orya" typeface="Kalinga"/>
+        <a:font script="Mlym" typeface="Kartika"/>
+        <a:font script="Laoo" typeface="DokChampa"/>
+        <a:font script="Sinh" typeface="Iskoola Pota"/>
+        <a:font script="Mong" typeface="Mongolian Baiti"/>
+        <a:font script="Viet" typeface="Verdana"/>
+        <a:font script="Uigh" typeface="Microsoft Uighur"/>
+        <a:font script="Geor" typeface="Sylfaen"/>
       </a:minorFont>
     </a:fontScheme>
-    <a:fmtScheme name="Office">
+    <a:fmtScheme name="Mesh">
       <a:fillStyleLst>
         <a:solidFill>
           <a:schemeClr val="phClr"/>
@@ -4864,23 +7885,13 @@
           <a:gsLst>
             <a:gs pos="0">
               <a:schemeClr val="phClr">
+                <a:tint val="60000"/>
                 <a:lumMod val="110000"/>
-                <a:satMod val="105000"/>
-                <a:tint val="67000"/>
-              </a:schemeClr>
-            </a:gs>
-            <a:gs pos="50000">
-              <a:schemeClr val="phClr">
-                <a:lumMod val="105000"/>
-                <a:satMod val="103000"/>
-                <a:tint val="73000"/>
               </a:schemeClr>
             </a:gs>
             <a:gs pos="100000">
               <a:schemeClr val="phClr">
-                <a:lumMod val="105000"/>
-                <a:satMod val="109000"/>
-                <a:tint val="81000"/>
+                <a:tint val="82000"/>
               </a:schemeClr>
             </a:gs>
           </a:gsLst>
@@ -4890,23 +7901,14 @@
           <a:gsLst>
             <a:gs pos="0">
               <a:schemeClr val="phClr">
-                <a:satMod val="103000"/>
-                <a:lumMod val="102000"/>
-                <a:tint val="94000"/>
-              </a:schemeClr>
-            </a:gs>
-            <a:gs pos="50000">
-              <a:schemeClr val="phClr">
-                <a:satMod val="110000"/>
-                <a:lumMod val="100000"/>
-                <a:shade val="100000"/>
+                <a:tint val="96000"/>
+                <a:lumMod val="104000"/>
               </a:schemeClr>
             </a:gs>
             <a:gs pos="100000">
               <a:schemeClr val="phClr">
-                <a:lumMod val="99000"/>
-                <a:satMod val="120000"/>
-                <a:shade val="78000"/>
+                <a:shade val="84000"/>
+                <a:lumMod val="84000"/>
               </a:schemeClr>
             </a:gs>
           </a:gsLst>
@@ -4914,26 +7916,23 @@
         </a:gradFill>
       </a:fillStyleLst>
       <a:lnStyleLst>
-        <a:ln w="12700" cap="flat" cmpd="sng" algn="ctr">
+        <a:ln w="9525" cap="rnd" cmpd="sng" algn="ctr">
           <a:solidFill>
             <a:schemeClr val="phClr"/>
           </a:solidFill>
           <a:prstDash val="solid"/>
-          <a:miter lim="800000"/>
         </a:ln>
-        <a:ln w="19050" cap="flat" cmpd="sng" algn="ctr">
+        <a:ln w="19050" cap="rnd" cmpd="sng" algn="ctr">
           <a:solidFill>
             <a:schemeClr val="phClr"/>
           </a:solidFill>
           <a:prstDash val="solid"/>
-          <a:miter lim="800000"/>
         </a:ln>
-        <a:ln w="25400" cap="flat" cmpd="sng" algn="ctr">
+        <a:ln w="25400" cap="rnd" cmpd="sng" algn="ctr">
           <a:solidFill>
             <a:schemeClr val="phClr"/>
           </a:solidFill>
           <a:prstDash val="solid"/>
-          <a:miter lim="800000"/>
         </a:ln>
       </a:lnStyleLst>
       <a:effectStyleLst>
@@ -4941,83 +7940,80 @@
           <a:effectLst/>
         </a:effectStyle>
         <a:effectStyle>
-          <a:effectLst/>
+          <a:effectLst>
+            <a:innerShdw blurRad="50800" dist="25400" dir="13500000">
+              <a:srgbClr val="000000">
+                <a:alpha val="55000"/>
+              </a:srgbClr>
+            </a:innerShdw>
+          </a:effectLst>
         </a:effectStyle>
         <a:effectStyle>
           <a:effectLst>
-            <a:outerShdw blurRad="57150" dist="19050" dir="5400000" algn="ctr" rotWithShape="0">
+            <a:outerShdw blurRad="50800" dist="38100" dir="5400000" rotWithShape="0">
               <a:srgbClr val="000000">
-                <a:alpha val="63000"/>
+                <a:alpha val="60000"/>
               </a:srgbClr>
             </a:outerShdw>
           </a:effectLst>
+          <a:scene3d>
+            <a:camera prst="orthographicFront">
+              <a:rot lat="0" lon="0" rev="0"/>
+            </a:camera>
+            <a:lightRig rig="threePt" dir="tl"/>
+          </a:scene3d>
+          <a:sp3d>
+            <a:bevelT w="25400" h="25400" prst="slope"/>
+          </a:sp3d>
         </a:effectStyle>
       </a:effectStyleLst>
       <a:bgFillStyleLst>
         <a:solidFill>
           <a:schemeClr val="phClr"/>
         </a:solidFill>
-        <a:solidFill>
-          <a:schemeClr val="phClr">
-            <a:tint val="95000"/>
-            <a:satMod val="170000"/>
-          </a:schemeClr>
-        </a:solidFill>
         <a:gradFill rotWithShape="1">
           <a:gsLst>
             <a:gs pos="0">
               <a:schemeClr val="phClr">
-                <a:tint val="93000"/>
-                <a:satMod val="150000"/>
-                <a:shade val="98000"/>
-                <a:lumMod val="102000"/>
-              </a:schemeClr>
-            </a:gs>
-            <a:gs pos="50000">
-              <a:schemeClr val="phClr">
-                <a:tint val="98000"/>
-                <a:satMod val="130000"/>
-                <a:shade val="90000"/>
-                <a:lumMod val="103000"/>
+                <a:tint val="90000"/>
+                <a:lumMod val="110000"/>
               </a:schemeClr>
             </a:gs>
             <a:gs pos="100000">
               <a:schemeClr val="phClr">
-                <a:shade val="63000"/>
-                <a:satMod val="120000"/>
+                <a:shade val="64000"/>
+                <a:lumMod val="98000"/>
               </a:schemeClr>
             </a:gs>
           </a:gsLst>
           <a:lin ang="5400000" scaled="0"/>
         </a:gradFill>
+        <a:blipFill rotWithShape="1">
+          <a:blip xmlns:r="http://schemas.openxmlformats.org/officeDocument/2006/relationships" r:embed="rId1">
+            <a:duotone>
+              <a:schemeClr val="phClr">
+                <a:shade val="28000"/>
+                <a:satMod val="94000"/>
+                <a:lumMod val="20000"/>
+              </a:schemeClr>
+              <a:schemeClr val="phClr">
+                <a:tint val="94000"/>
+                <a:shade val="84000"/>
+                <a:satMod val="148000"/>
+                <a:lumMod val="114000"/>
+              </a:schemeClr>
+            </a:duotone>
+          </a:blip>
+          <a:stretch/>
+        </a:blipFill>
       </a:bgFillStyleLst>
     </a:fmtScheme>
   </a:themeElements>
-  <a:objectDefaults>
-    <a:lnDef>
-      <a:spPr/>
-      <a:bodyPr/>
-      <a:lstStyle/>
-      <a:style>
-        <a:lnRef idx="2">
-          <a:schemeClr val="accent1"/>
-        </a:lnRef>
-        <a:fillRef idx="0">
-          <a:schemeClr val="accent1"/>
-        </a:fillRef>
-        <a:effectRef idx="1">
-          <a:schemeClr val="accent1"/>
-        </a:effectRef>
-        <a:fontRef idx="minor">
-          <a:schemeClr val="tx1"/>
-        </a:fontRef>
-      </a:style>
-    </a:lnDef>
-  </a:objectDefaults>
+  <a:objectDefaults/>
   <a:extraClrSchemeLst/>
   <a:extLst>
     <a:ext uri="{05A4C25C-085E-4340-85A3-A5531E510DB2}">
-      <thm15:themeFamily xmlns:thm15="http://schemas.microsoft.com/office/thememl/2012/main" name="Office Theme" id="{2E142A2C-CD16-42D6-873A-C26D2A0506FA}" vid="{1BDDFF52-6CD6-40A5-AB3C-68EB2F1E4D0A}"/>
+      <thm15:themeFamily xmlns:thm15="http://schemas.microsoft.com/office/thememl/2012/main" name="Mesh" id="{789EC3FE-34FD-429C-9918-760025E6C145}" vid="{DD1DAD52-B525-46B5-8E87-60EE23581B9C}"/>
     </a:ext>
   </a:extLst>
 </a:theme>

--- a/documentation/presentation.pptx
+++ b/documentation/presentation.pptx
@@ -372,7 +372,7 @@
           <a:p>
             <a:fld id="{07F39D79-7497-4A8A-8B71-6E93BD0E3C8A}" type="datetimeFigureOut">
               <a:rPr lang="en-GB" smtClean="0"/>
-              <a:t>09/05/2025</a:t>
+              <a:t>11/05/2025</a:t>
             </a:fld>
             <a:endParaRPr lang="en-GB"/>
           </a:p>
@@ -663,7 +663,7 @@
           <a:p>
             <a:fld id="{07F39D79-7497-4A8A-8B71-6E93BD0E3C8A}" type="datetimeFigureOut">
               <a:rPr lang="en-GB" smtClean="0"/>
-              <a:t>09/05/2025</a:t>
+              <a:t>11/05/2025</a:t>
             </a:fld>
             <a:endParaRPr lang="en-GB"/>
           </a:p>
@@ -911,7 +911,7 @@
           <a:p>
             <a:fld id="{07F39D79-7497-4A8A-8B71-6E93BD0E3C8A}" type="datetimeFigureOut">
               <a:rPr lang="en-GB" smtClean="0"/>
-              <a:t>09/05/2025</a:t>
+              <a:t>11/05/2025</a:t>
             </a:fld>
             <a:endParaRPr lang="en-GB"/>
           </a:p>
@@ -1447,7 +1447,7 @@
           <a:p>
             <a:fld id="{07F39D79-7497-4A8A-8B71-6E93BD0E3C8A}" type="datetimeFigureOut">
               <a:rPr lang="en-GB" smtClean="0"/>
-              <a:t>09/05/2025</a:t>
+              <a:t>11/05/2025</a:t>
             </a:fld>
             <a:endParaRPr lang="en-GB"/>
           </a:p>
@@ -1695,7 +1695,7 @@
           <a:p>
             <a:fld id="{07F39D79-7497-4A8A-8B71-6E93BD0E3C8A}" type="datetimeFigureOut">
               <a:rPr lang="en-GB" smtClean="0"/>
-              <a:t>09/05/2025</a:t>
+              <a:t>11/05/2025</a:t>
             </a:fld>
             <a:endParaRPr lang="en-GB"/>
           </a:p>
@@ -2238,7 +2238,7 @@
           <a:p>
             <a:fld id="{07F39D79-7497-4A8A-8B71-6E93BD0E3C8A}" type="datetimeFigureOut">
               <a:rPr lang="en-GB" smtClean="0"/>
-              <a:t>09/05/2025</a:t>
+              <a:t>11/05/2025</a:t>
             </a:fld>
             <a:endParaRPr lang="en-GB"/>
           </a:p>
@@ -2548,7 +2548,7 @@
           <a:p>
             <a:fld id="{07F39D79-7497-4A8A-8B71-6E93BD0E3C8A}" type="datetimeFigureOut">
               <a:rPr lang="en-GB" smtClean="0"/>
-              <a:t>09/05/2025</a:t>
+              <a:t>11/05/2025</a:t>
             </a:fld>
             <a:endParaRPr lang="en-GB"/>
           </a:p>
@@ -2723,7 +2723,7 @@
           <a:p>
             <a:fld id="{07F39D79-7497-4A8A-8B71-6E93BD0E3C8A}" type="datetimeFigureOut">
               <a:rPr lang="en-GB" smtClean="0"/>
-              <a:t>09/05/2025</a:t>
+              <a:t>11/05/2025</a:t>
             </a:fld>
             <a:endParaRPr lang="en-GB"/>
           </a:p>
@@ -2903,7 +2903,7 @@
           <a:p>
             <a:fld id="{07F39D79-7497-4A8A-8B71-6E93BD0E3C8A}" type="datetimeFigureOut">
               <a:rPr lang="en-GB" smtClean="0"/>
-              <a:t>09/05/2025</a:t>
+              <a:t>11/05/2025</a:t>
             </a:fld>
             <a:endParaRPr lang="en-GB"/>
           </a:p>
@@ -3073,7 +3073,7 @@
           <a:p>
             <a:fld id="{07F39D79-7497-4A8A-8B71-6E93BD0E3C8A}" type="datetimeFigureOut">
               <a:rPr lang="en-GB" smtClean="0"/>
-              <a:t>09/05/2025</a:t>
+              <a:t>11/05/2025</a:t>
             </a:fld>
             <a:endParaRPr lang="en-GB"/>
           </a:p>
@@ -3319,7 +3319,7 @@
           <a:p>
             <a:fld id="{07F39D79-7497-4A8A-8B71-6E93BD0E3C8A}" type="datetimeFigureOut">
               <a:rPr lang="en-GB" smtClean="0"/>
-              <a:t>09/05/2025</a:t>
+              <a:t>11/05/2025</a:t>
             </a:fld>
             <a:endParaRPr lang="en-GB"/>
           </a:p>
@@ -3611,7 +3611,7 @@
           <a:p>
             <a:fld id="{07F39D79-7497-4A8A-8B71-6E93BD0E3C8A}" type="datetimeFigureOut">
               <a:rPr lang="en-GB" smtClean="0"/>
-              <a:t>09/05/2025</a:t>
+              <a:t>11/05/2025</a:t>
             </a:fld>
             <a:endParaRPr lang="en-GB"/>
           </a:p>
@@ -4041,7 +4041,7 @@
           <a:p>
             <a:fld id="{07F39D79-7497-4A8A-8B71-6E93BD0E3C8A}" type="datetimeFigureOut">
               <a:rPr lang="en-GB" smtClean="0"/>
-              <a:t>09/05/2025</a:t>
+              <a:t>11/05/2025</a:t>
             </a:fld>
             <a:endParaRPr lang="en-GB"/>
           </a:p>
@@ -4164,7 +4164,7 @@
           <a:p>
             <a:fld id="{07F39D79-7497-4A8A-8B71-6E93BD0E3C8A}" type="datetimeFigureOut">
               <a:rPr lang="en-GB" smtClean="0"/>
-              <a:t>09/05/2025</a:t>
+              <a:t>11/05/2025</a:t>
             </a:fld>
             <a:endParaRPr lang="en-GB"/>
           </a:p>
@@ -4259,7 +4259,7 @@
           <a:p>
             <a:fld id="{07F39D79-7497-4A8A-8B71-6E93BD0E3C8A}" type="datetimeFigureOut">
               <a:rPr lang="en-GB" smtClean="0"/>
-              <a:t>09/05/2025</a:t>
+              <a:t>11/05/2025</a:t>
             </a:fld>
             <a:endParaRPr lang="en-GB"/>
           </a:p>
@@ -4542,7 +4542,7 @@
           <a:p>
             <a:fld id="{07F39D79-7497-4A8A-8B71-6E93BD0E3C8A}" type="datetimeFigureOut">
               <a:rPr lang="en-GB" smtClean="0"/>
-              <a:t>09/05/2025</a:t>
+              <a:t>11/05/2025</a:t>
             </a:fld>
             <a:endParaRPr lang="en-GB"/>
           </a:p>
@@ -4833,7 +4833,7 @@
           <a:p>
             <a:fld id="{07F39D79-7497-4A8A-8B71-6E93BD0E3C8A}" type="datetimeFigureOut">
               <a:rPr lang="en-GB" smtClean="0"/>
-              <a:t>09/05/2025</a:t>
+              <a:t>11/05/2025</a:t>
             </a:fld>
             <a:endParaRPr lang="en-GB"/>
           </a:p>
@@ -5064,7 +5064,7 @@
           <a:p>
             <a:fld id="{07F39D79-7497-4A8A-8B71-6E93BD0E3C8A}" type="datetimeFigureOut">
               <a:rPr lang="en-GB" smtClean="0"/>
-              <a:t>09/05/2025</a:t>
+              <a:t>11/05/2025</a:t>
             </a:fld>
             <a:endParaRPr lang="en-GB"/>
           </a:p>
@@ -6108,12 +6108,12 @@
           <a:lstStyle/>
           <a:p>
             <a:r>
-              <a:rPr lang="bg-BG" sz="4800" dirty="0">
+              <a:rPr lang="en-US" sz="4800" dirty="0">
                 <a:solidFill>
                   <a:srgbClr val="FF0000"/>
                 </a:solidFill>
               </a:rPr>
-              <a:t>Участници</a:t>
+              <a:t>Our team</a:t>
             </a:r>
             <a:endParaRPr lang="en-GB" sz="4800" dirty="0">
               <a:solidFill>
@@ -6155,45 +6155,32 @@
               <a:buNone/>
             </a:pPr>
             <a:r>
-              <a:rPr lang="bg-BG" sz="2200" dirty="0"/>
-              <a:t>Антонио Ивов Иванов</a:t>
-            </a:r>
-            <a:r>
               <a:rPr lang="en-US" sz="2200" dirty="0"/>
-              <a:t>     </a:t>
-            </a:r>
-            <a:r>
-              <a:rPr lang="bg-BG" sz="2200" dirty="0"/>
-              <a:t>Иван Георгиев Лапчев</a:t>
+              <a:t>Antonio Ivov Ivanov        Ivan Georgiev </a:t>
+            </a:r>
+            <a:r>
+              <a:rPr lang="en-US" sz="2200" dirty="0" err="1"/>
+              <a:t>Lapchev</a:t>
             </a:r>
             <a:r>
               <a:rPr lang="en-US" sz="2200" dirty="0"/>
-              <a:t>    </a:t>
-            </a:r>
-            <a:r>
-              <a:rPr lang="bg-BG" sz="2200" dirty="0" err="1"/>
-              <a:t>Берай</a:t>
-            </a:r>
-            <a:r>
-              <a:rPr lang="bg-BG" sz="2200" dirty="0"/>
-              <a:t> Гюнер Нури</a:t>
-            </a:r>
-            <a:r>
-              <a:rPr lang="en-US" sz="2200" dirty="0"/>
-              <a:t>   </a:t>
-            </a:r>
-            <a:r>
-              <a:rPr lang="bg-BG" sz="2200" dirty="0"/>
-              <a:t>Георги Галинов Гакев</a:t>
-            </a:r>
-          </a:p>
-          <a:p>
-            <a:pPr marL="457200" lvl="1" indent="0">
-              <a:buNone/>
-            </a:pPr>
+              <a:t> 	  Beray Guner Nuri</a:t>
+            </a:r>
             <a:r>
               <a:rPr lang="en-GB" sz="2000" dirty="0"/>
-              <a:t>   </a:t>
+              <a:t>   Georgi </a:t>
+            </a:r>
+            <a:r>
+              <a:rPr lang="en-GB" sz="2000" dirty="0" err="1"/>
+              <a:t>Galinov</a:t>
+            </a:r>
+            <a:r>
+              <a:rPr lang="en-GB" dirty="0"/>
+              <a:t> Gakev</a:t>
+            </a:r>
+            <a:r>
+              <a:rPr lang="en-GB" sz="2000" dirty="0"/>
+              <a:t>                        	</a:t>
             </a:r>
             <a:r>
               <a:rPr lang="en-GB" sz="2000" dirty="0">
@@ -6233,7 +6220,7 @@
                   <a:srgbClr val="FF0000"/>
                 </a:solidFill>
               </a:rPr>
-              <a:t>                 </a:t>
+              <a:t>               </a:t>
             </a:r>
             <a:r>
               <a:rPr lang="en-US" sz="2000" dirty="0">
@@ -6241,7 +6228,7 @@
                   <a:srgbClr val="FF0000"/>
                 </a:solidFill>
               </a:rPr>
-              <a:t>CSS Developer                    Designer</a:t>
+              <a:t>CSS Developer                 Designer</a:t>
             </a:r>
             <a:endParaRPr lang="bg-BG" dirty="0">
               <a:solidFill>
@@ -6251,8 +6238,8 @@
           </a:p>
         </p:txBody>
       </p:sp>
-      <mc:AlternateContent xmlns:mc="http://schemas.openxmlformats.org/markup-compatibility/2006">
-        <mc:Choice xmlns:p14="http://schemas.microsoft.com/office/powerpoint/2010/main" Requires="p14">
+      <mc:AlternateContent xmlns:mc="http://schemas.openxmlformats.org/markup-compatibility/2006" xmlns:p14="http://schemas.microsoft.com/office/powerpoint/2010/main">
+        <mc:Choice Requires="p14">
           <p:contentPart p14:bwMode="auto" r:id="rId2">
             <p14:nvContentPartPr>
               <p14:cNvPr id="6" name="Ink 5">
@@ -6271,7 +6258,7 @@
             </p14:xfrm>
           </p:contentPart>
         </mc:Choice>
-        <mc:Fallback>
+        <mc:Fallback xmlns="">
           <p:pic>
             <p:nvPicPr>
               <p:cNvPr id="6" name="Ink 5">
@@ -6595,17 +6582,17 @@
         </p:spPr>
         <p:txBody>
           <a:bodyPr anchor="b">
-            <a:normAutofit/>
+            <a:normAutofit fontScale="90000"/>
           </a:bodyPr>
           <a:lstStyle/>
           <a:p>
             <a:r>
-              <a:rPr lang="bg-BG" sz="5400" dirty="0">
+              <a:rPr lang="en-US" sz="5400" dirty="0">
                 <a:solidFill>
                   <a:srgbClr val="FF0000"/>
                 </a:solidFill>
               </a:rPr>
-              <a:t>Мисия</a:t>
+              <a:t>Mission</a:t>
             </a:r>
             <a:endParaRPr lang="en-GB" sz="5400" dirty="0">
               <a:solidFill>
@@ -6665,7 +6652,7 @@
         <p:spPr>
           <a:xfrm>
             <a:off x="5800840" y="2197474"/>
-            <a:ext cx="5903479" cy="1631216"/>
+            <a:ext cx="5903479" cy="1323439"/>
           </a:xfrm>
           <a:prstGeom prst="rect">
             <a:avLst/>
@@ -6684,18 +6671,9 @@
               <a:t>AutoDorm</a:t>
             </a:r>
             <a:r>
-              <a:rPr lang="bg-BG" sz="2000" dirty="0"/>
-              <a:t> е иновативна платформа, създаден с мисията да улесни избора на автомобил под наем. Нашата платформа е насочена за хора със различни </a:t>
-            </a:r>
-            <a:r>
-              <a:rPr lang="bg-BG" sz="2000" dirty="0" err="1"/>
-              <a:t>въможности</a:t>
-            </a:r>
-            <a:r>
-              <a:rPr lang="bg-BG" sz="2000" dirty="0"/>
-              <a:t>.</a:t>
-            </a:r>
-            <a:endParaRPr lang="en-US" sz="2000" dirty="0"/>
+              <a:rPr lang="en-US" sz="2000" dirty="0"/>
+              <a:t> is an innovative platform, created with the mission to make choosing a rental car easier. Our platform is aimed at people of all abilities.</a:t>
+            </a:r>
           </a:p>
         </p:txBody>
       </p:sp>
@@ -6709,13 +6687,13 @@
   <p:clrMapOvr>
     <a:masterClrMapping/>
   </p:clrMapOvr>
-  <mc:AlternateContent xmlns:mc="http://schemas.openxmlformats.org/markup-compatibility/2006">
-    <mc:Choice xmlns:p159="http://schemas.microsoft.com/office/powerpoint/2015/09/main" Requires="p159">
+  <mc:AlternateContent xmlns:mc="http://schemas.openxmlformats.org/markup-compatibility/2006" xmlns:p159="http://schemas.microsoft.com/office/powerpoint/2015/09/main">
+    <mc:Choice Requires="p159">
       <p:transition xmlns:p14="http://schemas.microsoft.com/office/powerpoint/2010/main" spd="slow" p14:dur="2000">
         <p159:morph option="byObject"/>
       </p:transition>
     </mc:Choice>
-    <mc:Fallback>
+    <mc:Fallback xmlns="">
       <p:transition spd="slow">
         <p:fade/>
       </p:transition>
@@ -6784,23 +6762,18 @@
           <a:lstStyle/>
           <a:p>
             <a:r>
-              <a:rPr lang="bg-BG" sz="4800" dirty="0">
+              <a:rPr lang="en-GB" sz="4800" dirty="0">
                 <a:solidFill>
                   <a:srgbClr val="FF0000"/>
                 </a:solidFill>
               </a:rPr>
-              <a:t>Технологии</a:t>
-            </a:r>
-            <a:endParaRPr lang="en-GB" sz="4800" dirty="0">
-              <a:solidFill>
-                <a:srgbClr val="FF0000"/>
-              </a:solidFill>
-            </a:endParaRPr>
-          </a:p>
-        </p:txBody>
-      </p:sp>
-      <mc:AlternateContent xmlns:mc="http://schemas.openxmlformats.org/markup-compatibility/2006">
-        <mc:Choice xmlns:p14="http://schemas.microsoft.com/office/powerpoint/2010/main" Requires="p14">
+              <a:t>Technologies</a:t>
+            </a:r>
+          </a:p>
+        </p:txBody>
+      </p:sp>
+      <mc:AlternateContent xmlns:mc="http://schemas.openxmlformats.org/markup-compatibility/2006" xmlns:p14="http://schemas.microsoft.com/office/powerpoint/2010/main">
+        <mc:Choice Requires="p14">
           <p:contentPart p14:bwMode="auto" r:id="rId2">
             <p14:nvContentPartPr>
               <p14:cNvPr id="6" name="Ink 5">
@@ -6819,7 +6792,7 @@
             </p14:xfrm>
           </p:contentPart>
         </mc:Choice>
-        <mc:Fallback>
+        <mc:Fallback xmlns="">
           <p:pic>
             <p:nvPicPr>
               <p:cNvPr id="6" name="Ink 5">
@@ -7168,13 +7141,13 @@
   <p:clrMapOvr>
     <a:masterClrMapping/>
   </p:clrMapOvr>
-  <mc:AlternateContent xmlns:mc="http://schemas.openxmlformats.org/markup-compatibility/2006">
-    <mc:Choice xmlns:p159="http://schemas.microsoft.com/office/powerpoint/2015/09/main" Requires="p159">
+  <mc:AlternateContent xmlns:mc="http://schemas.openxmlformats.org/markup-compatibility/2006" xmlns:p159="http://schemas.microsoft.com/office/powerpoint/2015/09/main">
+    <mc:Choice Requires="p159">
       <p:transition xmlns:p14="http://schemas.microsoft.com/office/powerpoint/2010/main" spd="slow" p14:dur="2000">
         <p159:morph option="byObject"/>
       </p:transition>
     </mc:Choice>
-    <mc:Fallback>
+    <mc:Fallback xmlns="">
       <p:transition spd="slow">
         <p:fade/>
       </p:transition>
@@ -7644,12 +7617,12 @@
           <a:lstStyle/>
           <a:p>
             <a:r>
-              <a:rPr lang="bg-BG" sz="5400" dirty="0" err="1">
+              <a:rPr lang="en-US" sz="5400" dirty="0">
                 <a:solidFill>
                   <a:srgbClr val="FF0000"/>
                 </a:solidFill>
               </a:rPr>
-              <a:t>ДЕмо</a:t>
+              <a:t>Demo</a:t>
             </a:r>
             <a:endParaRPr lang="en-GB" sz="5400" dirty="0">
               <a:solidFill>
@@ -7724,15 +7697,12 @@
           <a:p>
             <a:pPr algn="ctr"/>
             <a:r>
-              <a:rPr lang="bg-BG" sz="4000" b="1" dirty="0"/>
-              <a:t>Благодарим за вниманието! </a:t>
-            </a:r>
-          </a:p>
-          <a:p>
-            <a:pPr algn="ctr"/>
-            <a:r>
-              <a:rPr lang="bg-BG" sz="4000" b="1" dirty="0"/>
-              <a:t>Нека преминем към демото</a:t>
+              <a:rPr lang="en-US" sz="4000" b="1" dirty="0"/>
+              <a:t>Thank you for your attention! Let’s continue </a:t>
+            </a:r>
+            <a:r>
+              <a:rPr lang="en-US" sz="4000" b="1"/>
+              <a:t>with the demo! </a:t>
             </a:r>
             <a:endParaRPr lang="en-US" sz="4400" b="1" dirty="0"/>
           </a:p>
@@ -7748,13 +7718,13 @@
   <p:clrMapOvr>
     <a:masterClrMapping/>
   </p:clrMapOvr>
-  <mc:AlternateContent xmlns:mc="http://schemas.openxmlformats.org/markup-compatibility/2006">
-    <mc:Choice xmlns:p159="http://schemas.microsoft.com/office/powerpoint/2015/09/main" Requires="p159">
+  <mc:AlternateContent xmlns:mc="http://schemas.openxmlformats.org/markup-compatibility/2006" xmlns:p159="http://schemas.microsoft.com/office/powerpoint/2015/09/main">
+    <mc:Choice Requires="p159">
       <p:transition xmlns:p14="http://schemas.microsoft.com/office/powerpoint/2010/main" spd="slow" p14:dur="2000">
         <p159:morph option="byObject"/>
       </p:transition>
     </mc:Choice>
-    <mc:Fallback>
+    <mc:Fallback xmlns="">
       <p:transition spd="slow">
         <p:fade/>
       </p:transition>
